--- a/JAVA/SEMANA NRO. 3/DIAGRAMA CLASES A CODIGO JAVA.pptx
+++ b/JAVA/SEMANA NRO. 3/DIAGRAMA CLASES A CODIGO JAVA.pptx
@@ -5,25 +5,15 @@
     <p:sldMasterId id="2147483648" r:id="rId1"/>
   </p:sldMasterIdLst>
   <p:notesMasterIdLst>
-    <p:notesMasterId r:id="rId18"/>
+    <p:notesMasterId r:id="rId8"/>
   </p:notesMasterIdLst>
   <p:sldIdLst>
     <p:sldId id="264" r:id="rId2"/>
     <p:sldId id="363" r:id="rId3"/>
     <p:sldId id="344" r:id="rId4"/>
     <p:sldId id="362" r:id="rId5"/>
-    <p:sldId id="361" r:id="rId6"/>
-    <p:sldId id="351" r:id="rId7"/>
-    <p:sldId id="353" r:id="rId8"/>
-    <p:sldId id="352" r:id="rId9"/>
-    <p:sldId id="355" r:id="rId10"/>
-    <p:sldId id="354" r:id="rId11"/>
-    <p:sldId id="357" r:id="rId12"/>
-    <p:sldId id="356" r:id="rId13"/>
-    <p:sldId id="358" r:id="rId14"/>
-    <p:sldId id="359" r:id="rId15"/>
-    <p:sldId id="339" r:id="rId16"/>
-    <p:sldId id="360" r:id="rId17"/>
+    <p:sldId id="339" r:id="rId6"/>
+    <p:sldId id="360" r:id="rId7"/>
   </p:sldIdLst>
   <p:sldSz cx="12192000" cy="6858000"/>
   <p:notesSz cx="6858000" cy="9144000"/>
@@ -21296,7 +21286,7 @@
           <a:p>
             <a:fld id="{B6E6CCBB-7448-4D8B-97E4-07C3B3EA5E29}" type="datetimeFigureOut">
               <a:rPr lang="es-CO" smtClean="0"/>
-              <a:t>28/06/2022</a:t>
+              <a:t>7/10/2022</a:t>
             </a:fld>
             <a:endParaRPr lang="es-CO"/>
           </a:p>
@@ -21586,7 +21576,7 @@
           <p:cNvPr id="2" name="Título 1">
             <a:extLst>
               <a:ext uri="{FF2B5EF4-FFF2-40B4-BE49-F238E27FC236}">
-                <a16:creationId xmlns:a16="http://schemas.microsoft.com/office/drawing/2014/main" xmlns="" id="{393DCA57-3396-437C-A001-485CE0774BCB}"/>
+                <a16:creationId xmlns="" xmlns:a16="http://schemas.microsoft.com/office/drawing/2014/main" id="{393DCA57-3396-437C-A001-485CE0774BCB}"/>
               </a:ext>
             </a:extLst>
           </p:cNvPr>
@@ -21624,7 +21614,7 @@
           <p:cNvPr id="3" name="Subtítulo 2">
             <a:extLst>
               <a:ext uri="{FF2B5EF4-FFF2-40B4-BE49-F238E27FC236}">
-                <a16:creationId xmlns:a16="http://schemas.microsoft.com/office/drawing/2014/main" xmlns="" id="{E7C27F3B-2C4D-4B52-B702-B3BCC746E04D}"/>
+                <a16:creationId xmlns="" xmlns:a16="http://schemas.microsoft.com/office/drawing/2014/main" id="{E7C27F3B-2C4D-4B52-B702-B3BCC746E04D}"/>
               </a:ext>
             </a:extLst>
           </p:cNvPr>
@@ -21695,7 +21685,7 @@
           <p:cNvPr id="4" name="Marcador de fecha 3">
             <a:extLst>
               <a:ext uri="{FF2B5EF4-FFF2-40B4-BE49-F238E27FC236}">
-                <a16:creationId xmlns:a16="http://schemas.microsoft.com/office/drawing/2014/main" xmlns="" id="{2BC638D5-718C-4E49-9D1E-190F3C8E07C2}"/>
+                <a16:creationId xmlns="" xmlns:a16="http://schemas.microsoft.com/office/drawing/2014/main" id="{2BC638D5-718C-4E49-9D1E-190F3C8E07C2}"/>
               </a:ext>
             </a:extLst>
           </p:cNvPr>
@@ -21713,7 +21703,7 @@
           <a:p>
             <a:fld id="{20D1709E-3946-46D0-AB21-FE17C010AAA6}" type="datetimeFigureOut">
               <a:rPr lang="es-CO" smtClean="0"/>
-              <a:t>28/06/2022</a:t>
+              <a:t>7/10/2022</a:t>
             </a:fld>
             <a:endParaRPr lang="es-CO"/>
           </a:p>
@@ -21724,7 +21714,7 @@
           <p:cNvPr id="5" name="Marcador de pie de página 4">
             <a:extLst>
               <a:ext uri="{FF2B5EF4-FFF2-40B4-BE49-F238E27FC236}">
-                <a16:creationId xmlns:a16="http://schemas.microsoft.com/office/drawing/2014/main" xmlns="" id="{3276707C-FB46-45F5-818B-36FAEB8F340A}"/>
+                <a16:creationId xmlns="" xmlns:a16="http://schemas.microsoft.com/office/drawing/2014/main" id="{3276707C-FB46-45F5-818B-36FAEB8F340A}"/>
               </a:ext>
             </a:extLst>
           </p:cNvPr>
@@ -21749,7 +21739,7 @@
           <p:cNvPr id="6" name="Marcador de número de diapositiva 5">
             <a:extLst>
               <a:ext uri="{FF2B5EF4-FFF2-40B4-BE49-F238E27FC236}">
-                <a16:creationId xmlns:a16="http://schemas.microsoft.com/office/drawing/2014/main" xmlns="" id="{8FD16FDC-7D3B-42F9-BEDD-65133C487E69}"/>
+                <a16:creationId xmlns="" xmlns:a16="http://schemas.microsoft.com/office/drawing/2014/main" id="{8FD16FDC-7D3B-42F9-BEDD-65133C487E69}"/>
               </a:ext>
             </a:extLst>
           </p:cNvPr>
@@ -21778,7 +21768,7 @@
           <p:cNvPr id="12" name="Imagen 11">
             <a:extLst>
               <a:ext uri="{FF2B5EF4-FFF2-40B4-BE49-F238E27FC236}">
-                <a16:creationId xmlns:a16="http://schemas.microsoft.com/office/drawing/2014/main" xmlns="" id="{6ECC74C6-FB85-4281-8B0D-0712678A8553}"/>
+                <a16:creationId xmlns="" xmlns:a16="http://schemas.microsoft.com/office/drawing/2014/main" id="{6ECC74C6-FB85-4281-8B0D-0712678A8553}"/>
               </a:ext>
             </a:extLst>
           </p:cNvPr>
@@ -21844,7 +21834,7 @@
           <p:cNvPr id="2" name="Título 1">
             <a:extLst>
               <a:ext uri="{FF2B5EF4-FFF2-40B4-BE49-F238E27FC236}">
-                <a16:creationId xmlns:a16="http://schemas.microsoft.com/office/drawing/2014/main" xmlns="" id="{456072B7-7FDF-43D2-AF95-1C5D0BE8C2EB}"/>
+                <a16:creationId xmlns="" xmlns:a16="http://schemas.microsoft.com/office/drawing/2014/main" id="{456072B7-7FDF-43D2-AF95-1C5D0BE8C2EB}"/>
               </a:ext>
             </a:extLst>
           </p:cNvPr>
@@ -21873,7 +21863,7 @@
           <p:cNvPr id="3" name="Marcador de contenido 2">
             <a:extLst>
               <a:ext uri="{FF2B5EF4-FFF2-40B4-BE49-F238E27FC236}">
-                <a16:creationId xmlns:a16="http://schemas.microsoft.com/office/drawing/2014/main" xmlns="" id="{AC392882-4362-4C14-A359-0E232BB2FCB4}"/>
+                <a16:creationId xmlns="" xmlns:a16="http://schemas.microsoft.com/office/drawing/2014/main" id="{AC392882-4362-4C14-A359-0E232BB2FCB4}"/>
               </a:ext>
             </a:extLst>
           </p:cNvPr>
@@ -21931,7 +21921,7 @@
           <p:cNvPr id="4" name="Marcador de fecha 3">
             <a:extLst>
               <a:ext uri="{FF2B5EF4-FFF2-40B4-BE49-F238E27FC236}">
-                <a16:creationId xmlns:a16="http://schemas.microsoft.com/office/drawing/2014/main" xmlns="" id="{A7DAF922-BFAF-44E6-8AFB-FBEF3F4E2A8D}"/>
+                <a16:creationId xmlns="" xmlns:a16="http://schemas.microsoft.com/office/drawing/2014/main" id="{A7DAF922-BFAF-44E6-8AFB-FBEF3F4E2A8D}"/>
               </a:ext>
             </a:extLst>
           </p:cNvPr>
@@ -21949,7 +21939,7 @@
           <a:p>
             <a:fld id="{20D1709E-3946-46D0-AB21-FE17C010AAA6}" type="datetimeFigureOut">
               <a:rPr lang="es-CO" smtClean="0"/>
-              <a:t>28/06/2022</a:t>
+              <a:t>7/10/2022</a:t>
             </a:fld>
             <a:endParaRPr lang="es-CO"/>
           </a:p>
@@ -21960,7 +21950,7 @@
           <p:cNvPr id="5" name="Marcador de pie de página 4">
             <a:extLst>
               <a:ext uri="{FF2B5EF4-FFF2-40B4-BE49-F238E27FC236}">
-                <a16:creationId xmlns:a16="http://schemas.microsoft.com/office/drawing/2014/main" xmlns="" id="{10488B6D-8DCB-4622-84C4-C2692790C63D}"/>
+                <a16:creationId xmlns="" xmlns:a16="http://schemas.microsoft.com/office/drawing/2014/main" id="{10488B6D-8DCB-4622-84C4-C2692790C63D}"/>
               </a:ext>
             </a:extLst>
           </p:cNvPr>
@@ -21985,7 +21975,7 @@
           <p:cNvPr id="6" name="Marcador de número de diapositiva 5">
             <a:extLst>
               <a:ext uri="{FF2B5EF4-FFF2-40B4-BE49-F238E27FC236}">
-                <a16:creationId xmlns:a16="http://schemas.microsoft.com/office/drawing/2014/main" xmlns="" id="{3F24E3C1-CA2F-480F-B317-8880F18A5351}"/>
+                <a16:creationId xmlns="" xmlns:a16="http://schemas.microsoft.com/office/drawing/2014/main" id="{3F24E3C1-CA2F-480F-B317-8880F18A5351}"/>
               </a:ext>
             </a:extLst>
           </p:cNvPr>
@@ -22014,7 +22004,7 @@
           <p:cNvPr id="11" name="Imagen 10">
             <a:extLst>
               <a:ext uri="{FF2B5EF4-FFF2-40B4-BE49-F238E27FC236}">
-                <a16:creationId xmlns:a16="http://schemas.microsoft.com/office/drawing/2014/main" xmlns="" id="{5386D8B5-7850-4D65-9275-CE9653EB313D}"/>
+                <a16:creationId xmlns="" xmlns:a16="http://schemas.microsoft.com/office/drawing/2014/main" id="{5386D8B5-7850-4D65-9275-CE9653EB313D}"/>
               </a:ext>
             </a:extLst>
           </p:cNvPr>
@@ -22080,7 +22070,7 @@
           <p:cNvPr id="2" name="Título 1">
             <a:extLst>
               <a:ext uri="{FF2B5EF4-FFF2-40B4-BE49-F238E27FC236}">
-                <a16:creationId xmlns:a16="http://schemas.microsoft.com/office/drawing/2014/main" xmlns="" id="{87BD01F4-E638-4C40-8A29-56E1E3CB925E}"/>
+                <a16:creationId xmlns="" xmlns:a16="http://schemas.microsoft.com/office/drawing/2014/main" id="{87BD01F4-E638-4C40-8A29-56E1E3CB925E}"/>
               </a:ext>
             </a:extLst>
           </p:cNvPr>
@@ -22114,7 +22104,7 @@
           <p:cNvPr id="3" name="Marcador de texto 2">
             <a:extLst>
               <a:ext uri="{FF2B5EF4-FFF2-40B4-BE49-F238E27FC236}">
-                <a16:creationId xmlns:a16="http://schemas.microsoft.com/office/drawing/2014/main" xmlns="" id="{2843129E-9B5A-41BC-BCDD-ED6766FC1442}"/>
+                <a16:creationId xmlns="" xmlns:a16="http://schemas.microsoft.com/office/drawing/2014/main" id="{2843129E-9B5A-41BC-BCDD-ED6766FC1442}"/>
               </a:ext>
             </a:extLst>
           </p:cNvPr>
@@ -22185,7 +22175,7 @@
           <p:cNvPr id="4" name="Marcador de contenido 3">
             <a:extLst>
               <a:ext uri="{FF2B5EF4-FFF2-40B4-BE49-F238E27FC236}">
-                <a16:creationId xmlns:a16="http://schemas.microsoft.com/office/drawing/2014/main" xmlns="" id="{0F70F18A-9287-45A9-ABCF-96A2EDCA0051}"/>
+                <a16:creationId xmlns="" xmlns:a16="http://schemas.microsoft.com/office/drawing/2014/main" id="{0F70F18A-9287-45A9-ABCF-96A2EDCA0051}"/>
               </a:ext>
             </a:extLst>
           </p:cNvPr>
@@ -22248,7 +22238,7 @@
           <p:cNvPr id="5" name="Marcador de texto 4">
             <a:extLst>
               <a:ext uri="{FF2B5EF4-FFF2-40B4-BE49-F238E27FC236}">
-                <a16:creationId xmlns:a16="http://schemas.microsoft.com/office/drawing/2014/main" xmlns="" id="{5581F368-EF72-43BE-820C-169DE25488BB}"/>
+                <a16:creationId xmlns="" xmlns:a16="http://schemas.microsoft.com/office/drawing/2014/main" id="{5581F368-EF72-43BE-820C-169DE25488BB}"/>
               </a:ext>
             </a:extLst>
           </p:cNvPr>
@@ -22319,7 +22309,7 @@
           <p:cNvPr id="6" name="Marcador de contenido 5">
             <a:extLst>
               <a:ext uri="{FF2B5EF4-FFF2-40B4-BE49-F238E27FC236}">
-                <a16:creationId xmlns:a16="http://schemas.microsoft.com/office/drawing/2014/main" xmlns="" id="{AD16AF1A-3AE2-4D57-8BC6-6D616D949765}"/>
+                <a16:creationId xmlns="" xmlns:a16="http://schemas.microsoft.com/office/drawing/2014/main" id="{AD16AF1A-3AE2-4D57-8BC6-6D616D949765}"/>
               </a:ext>
             </a:extLst>
           </p:cNvPr>
@@ -22382,7 +22372,7 @@
           <p:cNvPr id="7" name="Marcador de fecha 6">
             <a:extLst>
               <a:ext uri="{FF2B5EF4-FFF2-40B4-BE49-F238E27FC236}">
-                <a16:creationId xmlns:a16="http://schemas.microsoft.com/office/drawing/2014/main" xmlns="" id="{EF89162C-18BA-4599-A8AB-FC4ECB05A9EB}"/>
+                <a16:creationId xmlns="" xmlns:a16="http://schemas.microsoft.com/office/drawing/2014/main" id="{EF89162C-18BA-4599-A8AB-FC4ECB05A9EB}"/>
               </a:ext>
             </a:extLst>
           </p:cNvPr>
@@ -22400,7 +22390,7 @@
           <a:p>
             <a:fld id="{20D1709E-3946-46D0-AB21-FE17C010AAA6}" type="datetimeFigureOut">
               <a:rPr lang="es-CO" smtClean="0"/>
-              <a:t>28/06/2022</a:t>
+              <a:t>7/10/2022</a:t>
             </a:fld>
             <a:endParaRPr lang="es-CO"/>
           </a:p>
@@ -22411,7 +22401,7 @@
           <p:cNvPr id="8" name="Marcador de pie de página 7">
             <a:extLst>
               <a:ext uri="{FF2B5EF4-FFF2-40B4-BE49-F238E27FC236}">
-                <a16:creationId xmlns:a16="http://schemas.microsoft.com/office/drawing/2014/main" xmlns="" id="{70D7B2D2-1F66-462C-AD23-8E19AB2DFBBF}"/>
+                <a16:creationId xmlns="" xmlns:a16="http://schemas.microsoft.com/office/drawing/2014/main" id="{70D7B2D2-1F66-462C-AD23-8E19AB2DFBBF}"/>
               </a:ext>
             </a:extLst>
           </p:cNvPr>
@@ -22436,7 +22426,7 @@
           <p:cNvPr id="9" name="Marcador de número de diapositiva 8">
             <a:extLst>
               <a:ext uri="{FF2B5EF4-FFF2-40B4-BE49-F238E27FC236}">
-                <a16:creationId xmlns:a16="http://schemas.microsoft.com/office/drawing/2014/main" xmlns="" id="{1EE87630-B1CC-4ED9-B600-2B166DF97A2E}"/>
+                <a16:creationId xmlns="" xmlns:a16="http://schemas.microsoft.com/office/drawing/2014/main" id="{1EE87630-B1CC-4ED9-B600-2B166DF97A2E}"/>
               </a:ext>
             </a:extLst>
           </p:cNvPr>
@@ -22465,7 +22455,7 @@
           <p:cNvPr id="12" name="Imagen 11">
             <a:extLst>
               <a:ext uri="{FF2B5EF4-FFF2-40B4-BE49-F238E27FC236}">
-                <a16:creationId xmlns:a16="http://schemas.microsoft.com/office/drawing/2014/main" xmlns="" id="{DFE53075-3556-4CE1-B0EB-9D68612443C0}"/>
+                <a16:creationId xmlns="" xmlns:a16="http://schemas.microsoft.com/office/drawing/2014/main" id="{DFE53075-3556-4CE1-B0EB-9D68612443C0}"/>
               </a:ext>
             </a:extLst>
           </p:cNvPr>
@@ -22531,7 +22521,7 @@
           <p:cNvPr id="2" name="Título 1">
             <a:extLst>
               <a:ext uri="{FF2B5EF4-FFF2-40B4-BE49-F238E27FC236}">
-                <a16:creationId xmlns:a16="http://schemas.microsoft.com/office/drawing/2014/main" xmlns="" id="{05448947-C141-41FF-AE16-195BB2A7CBFE}"/>
+                <a16:creationId xmlns="" xmlns:a16="http://schemas.microsoft.com/office/drawing/2014/main" id="{05448947-C141-41FF-AE16-195BB2A7CBFE}"/>
               </a:ext>
             </a:extLst>
           </p:cNvPr>
@@ -22560,7 +22550,7 @@
           <p:cNvPr id="3" name="Marcador de fecha 2">
             <a:extLst>
               <a:ext uri="{FF2B5EF4-FFF2-40B4-BE49-F238E27FC236}">
-                <a16:creationId xmlns:a16="http://schemas.microsoft.com/office/drawing/2014/main" xmlns="" id="{0ED10905-2E74-417D-B07D-7B1A9F8BA4DC}"/>
+                <a16:creationId xmlns="" xmlns:a16="http://schemas.microsoft.com/office/drawing/2014/main" id="{0ED10905-2E74-417D-B07D-7B1A9F8BA4DC}"/>
               </a:ext>
             </a:extLst>
           </p:cNvPr>
@@ -22578,7 +22568,7 @@
           <a:p>
             <a:fld id="{20D1709E-3946-46D0-AB21-FE17C010AAA6}" type="datetimeFigureOut">
               <a:rPr lang="es-CO" smtClean="0"/>
-              <a:t>28/06/2022</a:t>
+              <a:t>7/10/2022</a:t>
             </a:fld>
             <a:endParaRPr lang="es-CO"/>
           </a:p>
@@ -22589,7 +22579,7 @@
           <p:cNvPr id="4" name="Marcador de pie de página 3">
             <a:extLst>
               <a:ext uri="{FF2B5EF4-FFF2-40B4-BE49-F238E27FC236}">
-                <a16:creationId xmlns:a16="http://schemas.microsoft.com/office/drawing/2014/main" xmlns="" id="{CB6C416F-B3BB-4307-8987-A5AA610D406B}"/>
+                <a16:creationId xmlns="" xmlns:a16="http://schemas.microsoft.com/office/drawing/2014/main" id="{CB6C416F-B3BB-4307-8987-A5AA610D406B}"/>
               </a:ext>
             </a:extLst>
           </p:cNvPr>
@@ -22614,7 +22604,7 @@
           <p:cNvPr id="5" name="Marcador de número de diapositiva 4">
             <a:extLst>
               <a:ext uri="{FF2B5EF4-FFF2-40B4-BE49-F238E27FC236}">
-                <a16:creationId xmlns:a16="http://schemas.microsoft.com/office/drawing/2014/main" xmlns="" id="{E8C6C406-C9B3-4E42-BD8D-E43FE8E43BDA}"/>
+                <a16:creationId xmlns="" xmlns:a16="http://schemas.microsoft.com/office/drawing/2014/main" id="{E8C6C406-C9B3-4E42-BD8D-E43FE8E43BDA}"/>
               </a:ext>
             </a:extLst>
           </p:cNvPr>
@@ -22643,7 +22633,7 @@
           <p:cNvPr id="8" name="Imagen 7">
             <a:extLst>
               <a:ext uri="{FF2B5EF4-FFF2-40B4-BE49-F238E27FC236}">
-                <a16:creationId xmlns:a16="http://schemas.microsoft.com/office/drawing/2014/main" xmlns="" id="{5E3C3009-66A0-4C0E-8DD7-1CDE9C96BA2E}"/>
+                <a16:creationId xmlns="" xmlns:a16="http://schemas.microsoft.com/office/drawing/2014/main" id="{5E3C3009-66A0-4C0E-8DD7-1CDE9C96BA2E}"/>
               </a:ext>
             </a:extLst>
           </p:cNvPr>
@@ -22709,7 +22699,7 @@
           <p:cNvPr id="2" name="Título 1">
             <a:extLst>
               <a:ext uri="{FF2B5EF4-FFF2-40B4-BE49-F238E27FC236}">
-                <a16:creationId xmlns:a16="http://schemas.microsoft.com/office/drawing/2014/main" xmlns="" id="{863D4DF8-E9EF-4922-B438-331196DC1E02}"/>
+                <a16:creationId xmlns="" xmlns:a16="http://schemas.microsoft.com/office/drawing/2014/main" id="{863D4DF8-E9EF-4922-B438-331196DC1E02}"/>
               </a:ext>
             </a:extLst>
           </p:cNvPr>
@@ -22747,7 +22737,7 @@
           <p:cNvPr id="3" name="Marcador de contenido 2">
             <a:extLst>
               <a:ext uri="{FF2B5EF4-FFF2-40B4-BE49-F238E27FC236}">
-                <a16:creationId xmlns:a16="http://schemas.microsoft.com/office/drawing/2014/main" xmlns="" id="{5BF20047-CFC6-4FF5-A38F-0EBCC2F6F6D3}"/>
+                <a16:creationId xmlns="" xmlns:a16="http://schemas.microsoft.com/office/drawing/2014/main" id="{5BF20047-CFC6-4FF5-A38F-0EBCC2F6F6D3}"/>
               </a:ext>
             </a:extLst>
           </p:cNvPr>
@@ -22838,7 +22828,7 @@
           <p:cNvPr id="4" name="Marcador de texto 3">
             <a:extLst>
               <a:ext uri="{FF2B5EF4-FFF2-40B4-BE49-F238E27FC236}">
-                <a16:creationId xmlns:a16="http://schemas.microsoft.com/office/drawing/2014/main" xmlns="" id="{C2F085C8-93F1-4BE0-90CB-99FF6BCAA44E}"/>
+                <a16:creationId xmlns="" xmlns:a16="http://schemas.microsoft.com/office/drawing/2014/main" id="{C2F085C8-93F1-4BE0-90CB-99FF6BCAA44E}"/>
               </a:ext>
             </a:extLst>
           </p:cNvPr>
@@ -22909,7 +22899,7 @@
           <p:cNvPr id="5" name="Marcador de fecha 4">
             <a:extLst>
               <a:ext uri="{FF2B5EF4-FFF2-40B4-BE49-F238E27FC236}">
-                <a16:creationId xmlns:a16="http://schemas.microsoft.com/office/drawing/2014/main" xmlns="" id="{177A5E3B-651B-4CA4-B2B7-24787CADE4A2}"/>
+                <a16:creationId xmlns="" xmlns:a16="http://schemas.microsoft.com/office/drawing/2014/main" id="{177A5E3B-651B-4CA4-B2B7-24787CADE4A2}"/>
               </a:ext>
             </a:extLst>
           </p:cNvPr>
@@ -22927,7 +22917,7 @@
           <a:p>
             <a:fld id="{20D1709E-3946-46D0-AB21-FE17C010AAA6}" type="datetimeFigureOut">
               <a:rPr lang="es-CO" smtClean="0"/>
-              <a:t>28/06/2022</a:t>
+              <a:t>7/10/2022</a:t>
             </a:fld>
             <a:endParaRPr lang="es-CO"/>
           </a:p>
@@ -22938,7 +22928,7 @@
           <p:cNvPr id="6" name="Marcador de pie de página 5">
             <a:extLst>
               <a:ext uri="{FF2B5EF4-FFF2-40B4-BE49-F238E27FC236}">
-                <a16:creationId xmlns:a16="http://schemas.microsoft.com/office/drawing/2014/main" xmlns="" id="{9EDB5E4A-F2FF-4F0E-BF61-8464EBD5D35B}"/>
+                <a16:creationId xmlns="" xmlns:a16="http://schemas.microsoft.com/office/drawing/2014/main" id="{9EDB5E4A-F2FF-4F0E-BF61-8464EBD5D35B}"/>
               </a:ext>
             </a:extLst>
           </p:cNvPr>
@@ -22963,7 +22953,7 @@
           <p:cNvPr id="7" name="Marcador de número de diapositiva 6">
             <a:extLst>
               <a:ext uri="{FF2B5EF4-FFF2-40B4-BE49-F238E27FC236}">
-                <a16:creationId xmlns:a16="http://schemas.microsoft.com/office/drawing/2014/main" xmlns="" id="{8BDDFA75-3CCE-4C71-822A-27DAF0E16D56}"/>
+                <a16:creationId xmlns="" xmlns:a16="http://schemas.microsoft.com/office/drawing/2014/main" id="{8BDDFA75-3CCE-4C71-822A-27DAF0E16D56}"/>
               </a:ext>
             </a:extLst>
           </p:cNvPr>
@@ -22992,7 +22982,7 @@
           <p:cNvPr id="11" name="Imagen 10">
             <a:extLst>
               <a:ext uri="{FF2B5EF4-FFF2-40B4-BE49-F238E27FC236}">
-                <a16:creationId xmlns:a16="http://schemas.microsoft.com/office/drawing/2014/main" xmlns="" id="{9B93726F-C1AD-4C18-B397-177B4D15514A}"/>
+                <a16:creationId xmlns="" xmlns:a16="http://schemas.microsoft.com/office/drawing/2014/main" id="{9B93726F-C1AD-4C18-B397-177B4D15514A}"/>
               </a:ext>
             </a:extLst>
           </p:cNvPr>
@@ -23058,7 +23048,7 @@
           <p:cNvPr id="2" name="Título 1">
             <a:extLst>
               <a:ext uri="{FF2B5EF4-FFF2-40B4-BE49-F238E27FC236}">
-                <a16:creationId xmlns:a16="http://schemas.microsoft.com/office/drawing/2014/main" xmlns="" id="{1398CF09-B240-4EC0-A3FA-6FB270B31D45}"/>
+                <a16:creationId xmlns="" xmlns:a16="http://schemas.microsoft.com/office/drawing/2014/main" id="{1398CF09-B240-4EC0-A3FA-6FB270B31D45}"/>
               </a:ext>
             </a:extLst>
           </p:cNvPr>
@@ -23096,7 +23086,7 @@
           <p:cNvPr id="3" name="Marcador de posición de imagen 2">
             <a:extLst>
               <a:ext uri="{FF2B5EF4-FFF2-40B4-BE49-F238E27FC236}">
-                <a16:creationId xmlns:a16="http://schemas.microsoft.com/office/drawing/2014/main" xmlns="" id="{E97EC6F1-A744-41A5-857F-DC45F453EA0B}"/>
+                <a16:creationId xmlns="" xmlns:a16="http://schemas.microsoft.com/office/drawing/2014/main" id="{E97EC6F1-A744-41A5-857F-DC45F453EA0B}"/>
               </a:ext>
             </a:extLst>
           </p:cNvPr>
@@ -23163,7 +23153,7 @@
           <p:cNvPr id="4" name="Marcador de texto 3">
             <a:extLst>
               <a:ext uri="{FF2B5EF4-FFF2-40B4-BE49-F238E27FC236}">
-                <a16:creationId xmlns:a16="http://schemas.microsoft.com/office/drawing/2014/main" xmlns="" id="{84055C9C-807D-4F2B-B335-19FD2C025637}"/>
+                <a16:creationId xmlns="" xmlns:a16="http://schemas.microsoft.com/office/drawing/2014/main" id="{84055C9C-807D-4F2B-B335-19FD2C025637}"/>
               </a:ext>
             </a:extLst>
           </p:cNvPr>
@@ -23234,7 +23224,7 @@
           <p:cNvPr id="5" name="Marcador de fecha 4">
             <a:extLst>
               <a:ext uri="{FF2B5EF4-FFF2-40B4-BE49-F238E27FC236}">
-                <a16:creationId xmlns:a16="http://schemas.microsoft.com/office/drawing/2014/main" xmlns="" id="{304120D9-3139-4247-8249-76C6B65EE3D5}"/>
+                <a16:creationId xmlns="" xmlns:a16="http://schemas.microsoft.com/office/drawing/2014/main" id="{304120D9-3139-4247-8249-76C6B65EE3D5}"/>
               </a:ext>
             </a:extLst>
           </p:cNvPr>
@@ -23252,7 +23242,7 @@
           <a:p>
             <a:fld id="{20D1709E-3946-46D0-AB21-FE17C010AAA6}" type="datetimeFigureOut">
               <a:rPr lang="es-CO" smtClean="0"/>
-              <a:t>28/06/2022</a:t>
+              <a:t>7/10/2022</a:t>
             </a:fld>
             <a:endParaRPr lang="es-CO"/>
           </a:p>
@@ -23263,7 +23253,7 @@
           <p:cNvPr id="6" name="Marcador de pie de página 5">
             <a:extLst>
               <a:ext uri="{FF2B5EF4-FFF2-40B4-BE49-F238E27FC236}">
-                <a16:creationId xmlns:a16="http://schemas.microsoft.com/office/drawing/2014/main" xmlns="" id="{575D8828-E5CD-4AFE-BACF-01C67A985695}"/>
+                <a16:creationId xmlns="" xmlns:a16="http://schemas.microsoft.com/office/drawing/2014/main" id="{575D8828-E5CD-4AFE-BACF-01C67A985695}"/>
               </a:ext>
             </a:extLst>
           </p:cNvPr>
@@ -23288,7 +23278,7 @@
           <p:cNvPr id="7" name="Marcador de número de diapositiva 6">
             <a:extLst>
               <a:ext uri="{FF2B5EF4-FFF2-40B4-BE49-F238E27FC236}">
-                <a16:creationId xmlns:a16="http://schemas.microsoft.com/office/drawing/2014/main" xmlns="" id="{48BBD036-3290-4630-8438-99FA0E26C84F}"/>
+                <a16:creationId xmlns="" xmlns:a16="http://schemas.microsoft.com/office/drawing/2014/main" id="{48BBD036-3290-4630-8438-99FA0E26C84F}"/>
               </a:ext>
             </a:extLst>
           </p:cNvPr>
@@ -23347,7 +23337,7 @@
           <p:cNvPr id="2" name="Título 1">
             <a:extLst>
               <a:ext uri="{FF2B5EF4-FFF2-40B4-BE49-F238E27FC236}">
-                <a16:creationId xmlns:a16="http://schemas.microsoft.com/office/drawing/2014/main" xmlns="" id="{8609E4E6-8C80-4BBE-90B5-E8B5EEE77870}"/>
+                <a16:creationId xmlns="" xmlns:a16="http://schemas.microsoft.com/office/drawing/2014/main" id="{8609E4E6-8C80-4BBE-90B5-E8B5EEE77870}"/>
               </a:ext>
             </a:extLst>
           </p:cNvPr>
@@ -23376,7 +23366,7 @@
           <p:cNvPr id="3" name="Marcador de texto vertical 2">
             <a:extLst>
               <a:ext uri="{FF2B5EF4-FFF2-40B4-BE49-F238E27FC236}">
-                <a16:creationId xmlns:a16="http://schemas.microsoft.com/office/drawing/2014/main" xmlns="" id="{F3D945BE-87B4-4408-8223-C10225FCD11D}"/>
+                <a16:creationId xmlns="" xmlns:a16="http://schemas.microsoft.com/office/drawing/2014/main" id="{F3D945BE-87B4-4408-8223-C10225FCD11D}"/>
               </a:ext>
             </a:extLst>
           </p:cNvPr>
@@ -23434,7 +23424,7 @@
           <p:cNvPr id="4" name="Marcador de fecha 3">
             <a:extLst>
               <a:ext uri="{FF2B5EF4-FFF2-40B4-BE49-F238E27FC236}">
-                <a16:creationId xmlns:a16="http://schemas.microsoft.com/office/drawing/2014/main" xmlns="" id="{CDC3E86A-F4EC-451F-BB90-76AC435D6089}"/>
+                <a16:creationId xmlns="" xmlns:a16="http://schemas.microsoft.com/office/drawing/2014/main" id="{CDC3E86A-F4EC-451F-BB90-76AC435D6089}"/>
               </a:ext>
             </a:extLst>
           </p:cNvPr>
@@ -23452,7 +23442,7 @@
           <a:p>
             <a:fld id="{20D1709E-3946-46D0-AB21-FE17C010AAA6}" type="datetimeFigureOut">
               <a:rPr lang="es-CO" smtClean="0"/>
-              <a:t>28/06/2022</a:t>
+              <a:t>7/10/2022</a:t>
             </a:fld>
             <a:endParaRPr lang="es-CO"/>
           </a:p>
@@ -23463,7 +23453,7 @@
           <p:cNvPr id="5" name="Marcador de pie de página 4">
             <a:extLst>
               <a:ext uri="{FF2B5EF4-FFF2-40B4-BE49-F238E27FC236}">
-                <a16:creationId xmlns:a16="http://schemas.microsoft.com/office/drawing/2014/main" xmlns="" id="{94786CB3-BE03-4373-991A-6677CBEBFF7F}"/>
+                <a16:creationId xmlns="" xmlns:a16="http://schemas.microsoft.com/office/drawing/2014/main" id="{94786CB3-BE03-4373-991A-6677CBEBFF7F}"/>
               </a:ext>
             </a:extLst>
           </p:cNvPr>
@@ -23488,7 +23478,7 @@
           <p:cNvPr id="6" name="Marcador de número de diapositiva 5">
             <a:extLst>
               <a:ext uri="{FF2B5EF4-FFF2-40B4-BE49-F238E27FC236}">
-                <a16:creationId xmlns:a16="http://schemas.microsoft.com/office/drawing/2014/main" xmlns="" id="{D057D65D-096A-4900-B1C4-2505C2DBBCC6}"/>
+                <a16:creationId xmlns="" xmlns:a16="http://schemas.microsoft.com/office/drawing/2014/main" id="{D057D65D-096A-4900-B1C4-2505C2DBBCC6}"/>
               </a:ext>
             </a:extLst>
           </p:cNvPr>
@@ -23547,7 +23537,7 @@
           <p:cNvPr id="2" name="Título vertical 1">
             <a:extLst>
               <a:ext uri="{FF2B5EF4-FFF2-40B4-BE49-F238E27FC236}">
-                <a16:creationId xmlns:a16="http://schemas.microsoft.com/office/drawing/2014/main" xmlns="" id="{49CF5996-F102-4C35-88AC-0BCE5E7C99B9}"/>
+                <a16:creationId xmlns="" xmlns:a16="http://schemas.microsoft.com/office/drawing/2014/main" id="{49CF5996-F102-4C35-88AC-0BCE5E7C99B9}"/>
               </a:ext>
             </a:extLst>
           </p:cNvPr>
@@ -23581,7 +23571,7 @@
           <p:cNvPr id="3" name="Marcador de texto vertical 2">
             <a:extLst>
               <a:ext uri="{FF2B5EF4-FFF2-40B4-BE49-F238E27FC236}">
-                <a16:creationId xmlns:a16="http://schemas.microsoft.com/office/drawing/2014/main" xmlns="" id="{14A6057D-4BD4-4035-BA06-873DD4ACEE6B}"/>
+                <a16:creationId xmlns="" xmlns:a16="http://schemas.microsoft.com/office/drawing/2014/main" id="{14A6057D-4BD4-4035-BA06-873DD4ACEE6B}"/>
               </a:ext>
             </a:extLst>
           </p:cNvPr>
@@ -23644,7 +23634,7 @@
           <p:cNvPr id="4" name="Marcador de fecha 3">
             <a:extLst>
               <a:ext uri="{FF2B5EF4-FFF2-40B4-BE49-F238E27FC236}">
-                <a16:creationId xmlns:a16="http://schemas.microsoft.com/office/drawing/2014/main" xmlns="" id="{A7DC9021-E32F-4B8E-BB06-5A91B194A9C7}"/>
+                <a16:creationId xmlns="" xmlns:a16="http://schemas.microsoft.com/office/drawing/2014/main" id="{A7DC9021-E32F-4B8E-BB06-5A91B194A9C7}"/>
               </a:ext>
             </a:extLst>
           </p:cNvPr>
@@ -23662,7 +23652,7 @@
           <a:p>
             <a:fld id="{20D1709E-3946-46D0-AB21-FE17C010AAA6}" type="datetimeFigureOut">
               <a:rPr lang="es-CO" smtClean="0"/>
-              <a:t>28/06/2022</a:t>
+              <a:t>7/10/2022</a:t>
             </a:fld>
             <a:endParaRPr lang="es-CO"/>
           </a:p>
@@ -23673,7 +23663,7 @@
           <p:cNvPr id="5" name="Marcador de pie de página 4">
             <a:extLst>
               <a:ext uri="{FF2B5EF4-FFF2-40B4-BE49-F238E27FC236}">
-                <a16:creationId xmlns:a16="http://schemas.microsoft.com/office/drawing/2014/main" xmlns="" id="{307F9F3F-1E42-4E06-AC36-8C41E60C5E4C}"/>
+                <a16:creationId xmlns="" xmlns:a16="http://schemas.microsoft.com/office/drawing/2014/main" id="{307F9F3F-1E42-4E06-AC36-8C41E60C5E4C}"/>
               </a:ext>
             </a:extLst>
           </p:cNvPr>
@@ -23698,7 +23688,7 @@
           <p:cNvPr id="6" name="Marcador de número de diapositiva 5">
             <a:extLst>
               <a:ext uri="{FF2B5EF4-FFF2-40B4-BE49-F238E27FC236}">
-                <a16:creationId xmlns:a16="http://schemas.microsoft.com/office/drawing/2014/main" xmlns="" id="{1C483B2D-7AE1-4B39-9D56-05D8599E0622}"/>
+                <a16:creationId xmlns="" xmlns:a16="http://schemas.microsoft.com/office/drawing/2014/main" id="{1C483B2D-7AE1-4B39-9D56-05D8599E0622}"/>
               </a:ext>
             </a:extLst>
           </p:cNvPr>
@@ -23762,7 +23752,7 @@
           <p:cNvPr id="2" name="Marcador de título 1">
             <a:extLst>
               <a:ext uri="{FF2B5EF4-FFF2-40B4-BE49-F238E27FC236}">
-                <a16:creationId xmlns:a16="http://schemas.microsoft.com/office/drawing/2014/main" xmlns="" id="{9D2B8E4D-B0A5-4F6D-B70B-9F893340C85A}"/>
+                <a16:creationId xmlns="" xmlns:a16="http://schemas.microsoft.com/office/drawing/2014/main" id="{9D2B8E4D-B0A5-4F6D-B70B-9F893340C85A}"/>
               </a:ext>
             </a:extLst>
           </p:cNvPr>
@@ -23801,7 +23791,7 @@
           <p:cNvPr id="3" name="Marcador de texto 2">
             <a:extLst>
               <a:ext uri="{FF2B5EF4-FFF2-40B4-BE49-F238E27FC236}">
-                <a16:creationId xmlns:a16="http://schemas.microsoft.com/office/drawing/2014/main" xmlns="" id="{92357C1C-D705-428A-8937-D01499D7293D}"/>
+                <a16:creationId xmlns="" xmlns:a16="http://schemas.microsoft.com/office/drawing/2014/main" id="{92357C1C-D705-428A-8937-D01499D7293D}"/>
               </a:ext>
             </a:extLst>
           </p:cNvPr>
@@ -23869,7 +23859,7 @@
           <p:cNvPr id="4" name="Marcador de fecha 3">
             <a:extLst>
               <a:ext uri="{FF2B5EF4-FFF2-40B4-BE49-F238E27FC236}">
-                <a16:creationId xmlns:a16="http://schemas.microsoft.com/office/drawing/2014/main" xmlns="" id="{BB18BA03-5208-414F-8E95-0899202B3CBF}"/>
+                <a16:creationId xmlns="" xmlns:a16="http://schemas.microsoft.com/office/drawing/2014/main" id="{BB18BA03-5208-414F-8E95-0899202B3CBF}"/>
               </a:ext>
             </a:extLst>
           </p:cNvPr>
@@ -23905,7 +23895,7 @@
           <a:p>
             <a:fld id="{20D1709E-3946-46D0-AB21-FE17C010AAA6}" type="datetimeFigureOut">
               <a:rPr lang="es-CO" smtClean="0"/>
-              <a:t>28/06/2022</a:t>
+              <a:t>7/10/2022</a:t>
             </a:fld>
             <a:endParaRPr lang="es-CO"/>
           </a:p>
@@ -23916,7 +23906,7 @@
           <p:cNvPr id="5" name="Marcador de pie de página 4">
             <a:extLst>
               <a:ext uri="{FF2B5EF4-FFF2-40B4-BE49-F238E27FC236}">
-                <a16:creationId xmlns:a16="http://schemas.microsoft.com/office/drawing/2014/main" xmlns="" id="{1B7E278C-CD3B-4BC7-819E-778C1B9ABDB8}"/>
+                <a16:creationId xmlns="" xmlns:a16="http://schemas.microsoft.com/office/drawing/2014/main" id="{1B7E278C-CD3B-4BC7-819E-778C1B9ABDB8}"/>
               </a:ext>
             </a:extLst>
           </p:cNvPr>
@@ -23959,7 +23949,7 @@
           <p:cNvPr id="6" name="Marcador de número de diapositiva 5">
             <a:extLst>
               <a:ext uri="{FF2B5EF4-FFF2-40B4-BE49-F238E27FC236}">
-                <a16:creationId xmlns:a16="http://schemas.microsoft.com/office/drawing/2014/main" xmlns="" id="{9B600AEB-434C-4C8A-A432-D9D84203E290}"/>
+                <a16:creationId xmlns="" xmlns:a16="http://schemas.microsoft.com/office/drawing/2014/main" id="{9B600AEB-434C-4C8A-A432-D9D84203E290}"/>
               </a:ext>
             </a:extLst>
           </p:cNvPr>
@@ -24324,7 +24314,7 @@
           <p:cNvPr id="4" name="Título 1">
             <a:extLst>
               <a:ext uri="{FF2B5EF4-FFF2-40B4-BE49-F238E27FC236}">
-                <a16:creationId xmlns:a16="http://schemas.microsoft.com/office/drawing/2014/main" xmlns="" id="{1334CBD3-A99C-41E8-9883-E9DA6A3829FF}"/>
+                <a16:creationId xmlns="" xmlns:a16="http://schemas.microsoft.com/office/drawing/2014/main" id="{1334CBD3-A99C-41E8-9883-E9DA6A3829FF}"/>
               </a:ext>
             </a:extLst>
           </p:cNvPr>
@@ -24400,7 +24390,7 @@
           <p:cNvPr id="5" name="Rectángulo 4">
             <a:extLst>
               <a:ext uri="{FF2B5EF4-FFF2-40B4-BE49-F238E27FC236}">
-                <a16:creationId xmlns:a16="http://schemas.microsoft.com/office/drawing/2014/main" xmlns="" id="{0CAE8DAB-AA51-4AAF-B433-545B03406555}"/>
+                <a16:creationId xmlns="" xmlns:a16="http://schemas.microsoft.com/office/drawing/2014/main" id="{0CAE8DAB-AA51-4AAF-B433-545B03406555}"/>
               </a:ext>
             </a:extLst>
           </p:cNvPr>
@@ -24455,7 +24445,7 @@
           <p:cNvPr id="6" name="CuadroTexto 5">
             <a:extLst>
               <a:ext uri="{FF2B5EF4-FFF2-40B4-BE49-F238E27FC236}">
-                <a16:creationId xmlns:a16="http://schemas.microsoft.com/office/drawing/2014/main" xmlns="" id="{20F98B3C-495B-4D19-8AEA-15E1C2591533}"/>
+                <a16:creationId xmlns="" xmlns:a16="http://schemas.microsoft.com/office/drawing/2014/main" id="{20F98B3C-495B-4D19-8AEA-15E1C2591533}"/>
               </a:ext>
             </a:extLst>
           </p:cNvPr>
@@ -24501,7 +24491,7 @@
           <p:cNvPr id="7" name="2 Marcador de texto">
             <a:extLst>
               <a:ext uri="{FF2B5EF4-FFF2-40B4-BE49-F238E27FC236}">
-                <a16:creationId xmlns:a16="http://schemas.microsoft.com/office/drawing/2014/main" xmlns="" id="{4185A630-10D0-4A68-B775-CDEA3FC338CC}"/>
+                <a16:creationId xmlns="" xmlns:a16="http://schemas.microsoft.com/office/drawing/2014/main" id="{4185A630-10D0-4A68-B775-CDEA3FC338CC}"/>
               </a:ext>
             </a:extLst>
           </p:cNvPr>
@@ -24724,7 +24714,7 @@
                 <a:hlinkClick r:id="rId3">
                   <a:extLst>
                     <a:ext uri="{A12FA001-AC4F-418D-AE19-62706E023703}">
-                      <ahyp:hlinkClr xmlns:ahyp="http://schemas.microsoft.com/office/drawing/2018/hyperlinkcolor" xmlns="" val="tx"/>
+                      <ahyp:hlinkClr xmlns="" xmlns:ahyp="http://schemas.microsoft.com/office/drawing/2018/hyperlinkcolor" val="tx"/>
                     </a:ext>
                   </a:extLst>
                 </a:hlinkClick>
@@ -24748,7 +24738,7 @@
           <p:cNvPr id="8" name="Group 3162">
             <a:extLst>
               <a:ext uri="{FF2B5EF4-FFF2-40B4-BE49-F238E27FC236}">
-                <a16:creationId xmlns:a16="http://schemas.microsoft.com/office/drawing/2014/main" xmlns="" id="{F6E59D80-076C-4696-A8CA-B30D77AEDCFC}"/>
+                <a16:creationId xmlns="" xmlns:a16="http://schemas.microsoft.com/office/drawing/2014/main" id="{F6E59D80-076C-4696-A8CA-B30D77AEDCFC}"/>
               </a:ext>
             </a:extLst>
           </p:cNvPr>
@@ -24768,7 +24758,7 @@
             <p:cNvPr id="9" name="Freeform 99">
               <a:extLst>
                 <a:ext uri="{FF2B5EF4-FFF2-40B4-BE49-F238E27FC236}">
-                  <a16:creationId xmlns:a16="http://schemas.microsoft.com/office/drawing/2014/main" xmlns="" id="{AC9D8E6B-9386-4529-8B1A-5F6C4064D693}"/>
+                  <a16:creationId xmlns="" xmlns:a16="http://schemas.microsoft.com/office/drawing/2014/main" id="{AC9D8E6B-9386-4529-8B1A-5F6C4064D693}"/>
                 </a:ext>
               </a:extLst>
             </p:cNvPr>
@@ -24920,7 +24910,7 @@
             <p:cNvPr id="10" name="Freeform 100">
               <a:extLst>
                 <a:ext uri="{FF2B5EF4-FFF2-40B4-BE49-F238E27FC236}">
-                  <a16:creationId xmlns:a16="http://schemas.microsoft.com/office/drawing/2014/main" xmlns="" id="{1BE1621F-DEA9-4744-AF45-C3B17B22D0A5}"/>
+                  <a16:creationId xmlns="" xmlns:a16="http://schemas.microsoft.com/office/drawing/2014/main" id="{1BE1621F-DEA9-4744-AF45-C3B17B22D0A5}"/>
                 </a:ext>
               </a:extLst>
             </p:cNvPr>
@@ -25102,7 +25092,7 @@
             <p:cNvPr id="11" name="Freeform 101">
               <a:extLst>
                 <a:ext uri="{FF2B5EF4-FFF2-40B4-BE49-F238E27FC236}">
-                  <a16:creationId xmlns:a16="http://schemas.microsoft.com/office/drawing/2014/main" xmlns="" id="{B5F1F7B1-8E8D-4FDB-86DB-4B0D68CBD359}"/>
+                  <a16:creationId xmlns="" xmlns:a16="http://schemas.microsoft.com/office/drawing/2014/main" id="{B5F1F7B1-8E8D-4FDB-86DB-4B0D68CBD359}"/>
                 </a:ext>
               </a:extLst>
             </p:cNvPr>
@@ -25294,7 +25284,7 @@
             <p:cNvPr id="12" name="Freeform 102">
               <a:extLst>
                 <a:ext uri="{FF2B5EF4-FFF2-40B4-BE49-F238E27FC236}">
-                  <a16:creationId xmlns:a16="http://schemas.microsoft.com/office/drawing/2014/main" xmlns="" id="{6E88E6C0-7894-41EE-B6E1-E22230BADB87}"/>
+                  <a16:creationId xmlns="" xmlns:a16="http://schemas.microsoft.com/office/drawing/2014/main" id="{6E88E6C0-7894-41EE-B6E1-E22230BADB87}"/>
                 </a:ext>
               </a:extLst>
             </p:cNvPr>
@@ -25476,7 +25466,7 @@
             <p:cNvPr id="13" name="Freeform 103">
               <a:extLst>
                 <a:ext uri="{FF2B5EF4-FFF2-40B4-BE49-F238E27FC236}">
-                  <a16:creationId xmlns:a16="http://schemas.microsoft.com/office/drawing/2014/main" xmlns="" id="{120BF1D0-D66A-4B60-B667-A9CA53321444}"/>
+                  <a16:creationId xmlns="" xmlns:a16="http://schemas.microsoft.com/office/drawing/2014/main" id="{120BF1D0-D66A-4B60-B667-A9CA53321444}"/>
                 </a:ext>
               </a:extLst>
             </p:cNvPr>
@@ -25658,7 +25648,7 @@
             <p:cNvPr id="14" name="Freeform 104">
               <a:extLst>
                 <a:ext uri="{FF2B5EF4-FFF2-40B4-BE49-F238E27FC236}">
-                  <a16:creationId xmlns:a16="http://schemas.microsoft.com/office/drawing/2014/main" xmlns="" id="{CAD4AEF5-B2E4-4DAC-BA85-BD6524903309}"/>
+                  <a16:creationId xmlns="" xmlns:a16="http://schemas.microsoft.com/office/drawing/2014/main" id="{CAD4AEF5-B2E4-4DAC-BA85-BD6524903309}"/>
                 </a:ext>
               </a:extLst>
             </p:cNvPr>
@@ -25880,7 +25870,7 @@
             <p:cNvPr id="15" name="Freeform 105">
               <a:extLst>
                 <a:ext uri="{FF2B5EF4-FFF2-40B4-BE49-F238E27FC236}">
-                  <a16:creationId xmlns:a16="http://schemas.microsoft.com/office/drawing/2014/main" xmlns="" id="{2C5F3221-5660-4FDD-A416-984B16B5ADAE}"/>
+                  <a16:creationId xmlns="" xmlns:a16="http://schemas.microsoft.com/office/drawing/2014/main" id="{2C5F3221-5660-4FDD-A416-984B16B5ADAE}"/>
                 </a:ext>
               </a:extLst>
             </p:cNvPr>
@@ -26122,7 +26112,7 @@
             <p:cNvPr id="16" name="Freeform 106">
               <a:extLst>
                 <a:ext uri="{FF2B5EF4-FFF2-40B4-BE49-F238E27FC236}">
-                  <a16:creationId xmlns:a16="http://schemas.microsoft.com/office/drawing/2014/main" xmlns="" id="{3619E9EE-CA2A-4A7E-9595-15737C18E0BF}"/>
+                  <a16:creationId xmlns="" xmlns:a16="http://schemas.microsoft.com/office/drawing/2014/main" id="{3619E9EE-CA2A-4A7E-9595-15737C18E0BF}"/>
                 </a:ext>
               </a:extLst>
             </p:cNvPr>
@@ -26224,7 +26214,7 @@
             <p:cNvPr id="17" name="Freeform 107">
               <a:extLst>
                 <a:ext uri="{FF2B5EF4-FFF2-40B4-BE49-F238E27FC236}">
-                  <a16:creationId xmlns:a16="http://schemas.microsoft.com/office/drawing/2014/main" xmlns="" id="{2D49FD2E-3838-4146-A460-681CDCDDDF9A}"/>
+                  <a16:creationId xmlns="" xmlns:a16="http://schemas.microsoft.com/office/drawing/2014/main" id="{2D49FD2E-3838-4146-A460-681CDCDDDF9A}"/>
                 </a:ext>
               </a:extLst>
             </p:cNvPr>
@@ -26326,7 +26316,7 @@
             <p:cNvPr id="18" name="Freeform 108">
               <a:extLst>
                 <a:ext uri="{FF2B5EF4-FFF2-40B4-BE49-F238E27FC236}">
-                  <a16:creationId xmlns:a16="http://schemas.microsoft.com/office/drawing/2014/main" xmlns="" id="{BC1FDE14-1AFF-4866-A13A-D78663B3ACF4}"/>
+                  <a16:creationId xmlns="" xmlns:a16="http://schemas.microsoft.com/office/drawing/2014/main" id="{BC1FDE14-1AFF-4866-A13A-D78663B3ACF4}"/>
                 </a:ext>
               </a:extLst>
             </p:cNvPr>
@@ -26428,7 +26418,7 @@
             <p:cNvPr id="19" name="Freeform 109">
               <a:extLst>
                 <a:ext uri="{FF2B5EF4-FFF2-40B4-BE49-F238E27FC236}">
-                  <a16:creationId xmlns:a16="http://schemas.microsoft.com/office/drawing/2014/main" xmlns="" id="{063D068F-339C-47BA-9092-606776DB4837}"/>
+                  <a16:creationId xmlns="" xmlns:a16="http://schemas.microsoft.com/office/drawing/2014/main" id="{063D068F-339C-47BA-9092-606776DB4837}"/>
                 </a:ext>
               </a:extLst>
             </p:cNvPr>
@@ -26580,7 +26570,7 @@
             <p:cNvPr id="20" name="Freeform 110">
               <a:extLst>
                 <a:ext uri="{FF2B5EF4-FFF2-40B4-BE49-F238E27FC236}">
-                  <a16:creationId xmlns:a16="http://schemas.microsoft.com/office/drawing/2014/main" xmlns="" id="{9EF6ADF9-E415-44BA-8A09-ACF76BF6F157}"/>
+                  <a16:creationId xmlns="" xmlns:a16="http://schemas.microsoft.com/office/drawing/2014/main" id="{9EF6ADF9-E415-44BA-8A09-ACF76BF6F157}"/>
                 </a:ext>
               </a:extLst>
             </p:cNvPr>
@@ -26952,7 +26942,7 @@
             <p:cNvPr id="21" name="Freeform 111">
               <a:extLst>
                 <a:ext uri="{FF2B5EF4-FFF2-40B4-BE49-F238E27FC236}">
-                  <a16:creationId xmlns:a16="http://schemas.microsoft.com/office/drawing/2014/main" xmlns="" id="{4AA15E7F-EACA-4AFC-A266-9457685D2FD1}"/>
+                  <a16:creationId xmlns="" xmlns:a16="http://schemas.microsoft.com/office/drawing/2014/main" id="{4AA15E7F-EACA-4AFC-A266-9457685D2FD1}"/>
                 </a:ext>
               </a:extLst>
             </p:cNvPr>
@@ -27124,7 +27114,7 @@
             <p:cNvPr id="22" name="Freeform 112">
               <a:extLst>
                 <a:ext uri="{FF2B5EF4-FFF2-40B4-BE49-F238E27FC236}">
-                  <a16:creationId xmlns:a16="http://schemas.microsoft.com/office/drawing/2014/main" xmlns="" id="{9ABAD878-1B58-4815-BC91-D56C1C154D07}"/>
+                  <a16:creationId xmlns="" xmlns:a16="http://schemas.microsoft.com/office/drawing/2014/main" id="{9ABAD878-1B58-4815-BC91-D56C1C154D07}"/>
                 </a:ext>
               </a:extLst>
             </p:cNvPr>
@@ -27566,7 +27556,7 @@
             <p:cNvPr id="23" name="Freeform 113">
               <a:extLst>
                 <a:ext uri="{FF2B5EF4-FFF2-40B4-BE49-F238E27FC236}">
-                  <a16:creationId xmlns:a16="http://schemas.microsoft.com/office/drawing/2014/main" xmlns="" id="{C8DD0AFC-3A0F-4444-B0BC-D95D547454BB}"/>
+                  <a16:creationId xmlns="" xmlns:a16="http://schemas.microsoft.com/office/drawing/2014/main" id="{C8DD0AFC-3A0F-4444-B0BC-D95D547454BB}"/>
                 </a:ext>
               </a:extLst>
             </p:cNvPr>
@@ -27948,7 +27938,7 @@
             <p:cNvPr id="24" name="Freeform 114">
               <a:extLst>
                 <a:ext uri="{FF2B5EF4-FFF2-40B4-BE49-F238E27FC236}">
-                  <a16:creationId xmlns:a16="http://schemas.microsoft.com/office/drawing/2014/main" xmlns="" id="{F2AE930D-887F-4A52-A067-9C77D031CF63}"/>
+                  <a16:creationId xmlns="" xmlns:a16="http://schemas.microsoft.com/office/drawing/2014/main" id="{F2AE930D-887F-4A52-A067-9C77D031CF63}"/>
                 </a:ext>
               </a:extLst>
             </p:cNvPr>
@@ -28340,7 +28330,7 @@
             <p:cNvPr id="25" name="Freeform 115">
               <a:extLst>
                 <a:ext uri="{FF2B5EF4-FFF2-40B4-BE49-F238E27FC236}">
-                  <a16:creationId xmlns:a16="http://schemas.microsoft.com/office/drawing/2014/main" xmlns="" id="{22C58FBE-8B90-4D60-9771-267B7DF94962}"/>
+                  <a16:creationId xmlns="" xmlns:a16="http://schemas.microsoft.com/office/drawing/2014/main" id="{22C58FBE-8B90-4D60-9771-267B7DF94962}"/>
                 </a:ext>
               </a:extLst>
             </p:cNvPr>
@@ -28612,7 +28602,7 @@
             <p:cNvPr id="26" name="Freeform 116">
               <a:extLst>
                 <a:ext uri="{FF2B5EF4-FFF2-40B4-BE49-F238E27FC236}">
-                  <a16:creationId xmlns:a16="http://schemas.microsoft.com/office/drawing/2014/main" xmlns="" id="{16ACB36B-9D6A-4514-979B-E4B5E882725B}"/>
+                  <a16:creationId xmlns="" xmlns:a16="http://schemas.microsoft.com/office/drawing/2014/main" id="{16ACB36B-9D6A-4514-979B-E4B5E882725B}"/>
                 </a:ext>
               </a:extLst>
             </p:cNvPr>
@@ -28764,7 +28754,7 @@
             <p:cNvPr id="27" name="Freeform 117">
               <a:extLst>
                 <a:ext uri="{FF2B5EF4-FFF2-40B4-BE49-F238E27FC236}">
-                  <a16:creationId xmlns:a16="http://schemas.microsoft.com/office/drawing/2014/main" xmlns="" id="{E56F45A1-3BA2-48D1-B694-90E2D7E5F00F}"/>
+                  <a16:creationId xmlns="" xmlns:a16="http://schemas.microsoft.com/office/drawing/2014/main" id="{E56F45A1-3BA2-48D1-B694-90E2D7E5F00F}"/>
                 </a:ext>
               </a:extLst>
             </p:cNvPr>
@@ -28896,7 +28886,7 @@
             <p:cNvPr id="28" name="Freeform 118">
               <a:extLst>
                 <a:ext uri="{FF2B5EF4-FFF2-40B4-BE49-F238E27FC236}">
-                  <a16:creationId xmlns:a16="http://schemas.microsoft.com/office/drawing/2014/main" xmlns="" id="{538E39C8-6031-47A8-88F1-CF9012F1A85A}"/>
+                  <a16:creationId xmlns="" xmlns:a16="http://schemas.microsoft.com/office/drawing/2014/main" id="{538E39C8-6031-47A8-88F1-CF9012F1A85A}"/>
                 </a:ext>
               </a:extLst>
             </p:cNvPr>
@@ -29118,7 +29108,7 @@
             <p:cNvPr id="29" name="Freeform 119">
               <a:extLst>
                 <a:ext uri="{FF2B5EF4-FFF2-40B4-BE49-F238E27FC236}">
-                  <a16:creationId xmlns:a16="http://schemas.microsoft.com/office/drawing/2014/main" xmlns="" id="{D6D88D87-1A88-4DA3-84EA-348D6C165178}"/>
+                  <a16:creationId xmlns="" xmlns:a16="http://schemas.microsoft.com/office/drawing/2014/main" id="{D6D88D87-1A88-4DA3-84EA-348D6C165178}"/>
                 </a:ext>
               </a:extLst>
             </p:cNvPr>
@@ -29340,7 +29330,7 @@
             <p:cNvPr id="30" name="Freeform 120">
               <a:extLst>
                 <a:ext uri="{FF2B5EF4-FFF2-40B4-BE49-F238E27FC236}">
-                  <a16:creationId xmlns:a16="http://schemas.microsoft.com/office/drawing/2014/main" xmlns="" id="{F0B5ACCA-D6E1-45B2-81B9-6347C94E21DF}"/>
+                  <a16:creationId xmlns="" xmlns:a16="http://schemas.microsoft.com/office/drawing/2014/main" id="{F0B5ACCA-D6E1-45B2-81B9-6347C94E21DF}"/>
                 </a:ext>
               </a:extLst>
             </p:cNvPr>
@@ -29562,7 +29552,7 @@
             <p:cNvPr id="31" name="Freeform 121">
               <a:extLst>
                 <a:ext uri="{FF2B5EF4-FFF2-40B4-BE49-F238E27FC236}">
-                  <a16:creationId xmlns:a16="http://schemas.microsoft.com/office/drawing/2014/main" xmlns="" id="{174726A2-EDA9-46A3-93A1-03BE06A124F2}"/>
+                  <a16:creationId xmlns="" xmlns:a16="http://schemas.microsoft.com/office/drawing/2014/main" id="{174726A2-EDA9-46A3-93A1-03BE06A124F2}"/>
                 </a:ext>
               </a:extLst>
             </p:cNvPr>
@@ -29824,7 +29814,7 @@
             <p:cNvPr id="32" name="Freeform 122">
               <a:extLst>
                 <a:ext uri="{FF2B5EF4-FFF2-40B4-BE49-F238E27FC236}">
-                  <a16:creationId xmlns:a16="http://schemas.microsoft.com/office/drawing/2014/main" xmlns="" id="{5A8E0F72-9753-459A-B28D-417391CFB229}"/>
+                  <a16:creationId xmlns="" xmlns:a16="http://schemas.microsoft.com/office/drawing/2014/main" id="{5A8E0F72-9753-459A-B28D-417391CFB229}"/>
                 </a:ext>
               </a:extLst>
             </p:cNvPr>
@@ -30006,7 +29996,7 @@
             <p:cNvPr id="33" name="Freeform 123">
               <a:extLst>
                 <a:ext uri="{FF2B5EF4-FFF2-40B4-BE49-F238E27FC236}">
-                  <a16:creationId xmlns:a16="http://schemas.microsoft.com/office/drawing/2014/main" xmlns="" id="{3320A7A6-6BBF-4A10-AE74-EF784C22B39A}"/>
+                  <a16:creationId xmlns="" xmlns:a16="http://schemas.microsoft.com/office/drawing/2014/main" id="{3320A7A6-6BBF-4A10-AE74-EF784C22B39A}"/>
                 </a:ext>
               </a:extLst>
             </p:cNvPr>
@@ -30168,7 +30158,7 @@
             <p:cNvPr id="34" name="Freeform 124">
               <a:extLst>
                 <a:ext uri="{FF2B5EF4-FFF2-40B4-BE49-F238E27FC236}">
-                  <a16:creationId xmlns:a16="http://schemas.microsoft.com/office/drawing/2014/main" xmlns="" id="{02807F45-F5C7-4758-8C09-1F9D9FB9ECFC}"/>
+                  <a16:creationId xmlns="" xmlns:a16="http://schemas.microsoft.com/office/drawing/2014/main" id="{02807F45-F5C7-4758-8C09-1F9D9FB9ECFC}"/>
                 </a:ext>
               </a:extLst>
             </p:cNvPr>
@@ -30410,7 +30400,7 @@
             <p:cNvPr id="35" name="Freeform 125">
               <a:extLst>
                 <a:ext uri="{FF2B5EF4-FFF2-40B4-BE49-F238E27FC236}">
-                  <a16:creationId xmlns:a16="http://schemas.microsoft.com/office/drawing/2014/main" xmlns="" id="{A6672E50-E5DE-4643-932F-C7CAC9261D23}"/>
+                  <a16:creationId xmlns="" xmlns:a16="http://schemas.microsoft.com/office/drawing/2014/main" id="{A6672E50-E5DE-4643-932F-C7CAC9261D23}"/>
                 </a:ext>
               </a:extLst>
             </p:cNvPr>
@@ -30672,7 +30662,7 @@
             <p:cNvPr id="36" name="Freeform 126">
               <a:extLst>
                 <a:ext uri="{FF2B5EF4-FFF2-40B4-BE49-F238E27FC236}">
-                  <a16:creationId xmlns:a16="http://schemas.microsoft.com/office/drawing/2014/main" xmlns="" id="{EA089E74-B78F-4ACE-8046-EB079E2FCF56}"/>
+                  <a16:creationId xmlns="" xmlns:a16="http://schemas.microsoft.com/office/drawing/2014/main" id="{EA089E74-B78F-4ACE-8046-EB079E2FCF56}"/>
                 </a:ext>
               </a:extLst>
             </p:cNvPr>
@@ -30914,7 +30904,396 @@
 </p:sld>
 </file>
 
-<file path=ppt/slides/slide10.xml><?xml version="1.0" encoding="utf-8"?>
+<file path=ppt/slides/slide2.xml><?xml version="1.0" encoding="utf-8"?>
+<p:sld xmlns:a="http://schemas.openxmlformats.org/drawingml/2006/main" xmlns:r="http://schemas.openxmlformats.org/officeDocument/2006/relationships" xmlns:p="http://schemas.openxmlformats.org/presentationml/2006/main">
+  <p:cSld>
+    <p:spTree>
+      <p:nvGrpSpPr>
+        <p:cNvPr id="1" name=""/>
+        <p:cNvGrpSpPr/>
+        <p:nvPr/>
+      </p:nvGrpSpPr>
+      <p:grpSpPr>
+        <a:xfrm>
+          <a:off x="0" y="0"/>
+          <a:ext cx="0" cy="0"/>
+          <a:chOff x="0" y="0"/>
+          <a:chExt cx="0" cy="0"/>
+        </a:xfrm>
+      </p:grpSpPr>
+      <p:sp>
+        <p:nvSpPr>
+          <p:cNvPr id="4" name="Título 1">
+            <a:extLst>
+              <a:ext uri="{FF2B5EF4-FFF2-40B4-BE49-F238E27FC236}">
+                <a16:creationId xmlns="" xmlns:a16="http://schemas.microsoft.com/office/drawing/2014/main" id="{1334CBD3-A99C-41E8-9883-E9DA6A3829FF}"/>
+              </a:ext>
+            </a:extLst>
+          </p:cNvPr>
+          <p:cNvSpPr txBox="1">
+            <a:spLocks/>
+          </p:cNvSpPr>
+          <p:nvPr/>
+        </p:nvSpPr>
+        <p:spPr>
+          <a:xfrm>
+            <a:off x="1710432" y="0"/>
+            <a:ext cx="9144000" cy="674703"/>
+          </a:xfrm>
+          <a:prstGeom prst="rect">
+            <a:avLst/>
+          </a:prstGeom>
+        </p:spPr>
+        <p:txBody>
+          <a:bodyPr vert="horz" lIns="91440" tIns="45720" rIns="91440" bIns="45720" rtlCol="0" anchor="b">
+            <a:normAutofit fontScale="45000" lnSpcReduction="20000"/>
+          </a:bodyPr>
+          <a:lstStyle>
+            <a:lvl1pPr algn="ctr" defTabSz="914400" rtl="0" eaLnBrk="1" latinLnBrk="0" hangingPunct="1">
+              <a:lnSpc>
+                <a:spcPct val="90000"/>
+              </a:lnSpc>
+              <a:spcBef>
+                <a:spcPct val="0"/>
+              </a:spcBef>
+              <a:buNone/>
+              <a:defRPr sz="6000" kern="1200">
+                <a:solidFill>
+                  <a:schemeClr val="tx1"/>
+                </a:solidFill>
+                <a:latin typeface="+mj-lt"/>
+                <a:ea typeface="+mj-ea"/>
+                <a:cs typeface="+mj-cs"/>
+              </a:defRPr>
+            </a:lvl1pPr>
+          </a:lstStyle>
+          <a:p>
+            <a:r>
+              <a:rPr lang="es-CO" b="1" dirty="0" smtClean="0">
+                <a:solidFill>
+                  <a:schemeClr val="bg1"/>
+                </a:solidFill>
+                <a:latin typeface="+mn-lt"/>
+              </a:rPr>
+              <a:t>PROGRAMACIÓN BÁSICA JAVA</a:t>
+            </a:r>
+          </a:p>
+          <a:p>
+            <a:r>
+              <a:rPr lang="es-CO" b="1" dirty="0" smtClean="0">
+                <a:solidFill>
+                  <a:schemeClr val="bg1"/>
+                </a:solidFill>
+                <a:latin typeface="+mn-lt"/>
+              </a:rPr>
+              <a:t>ORIENTADA A OBJETOS - POO</a:t>
+            </a:r>
+            <a:endParaRPr lang="es-CO" b="1" dirty="0">
+              <a:solidFill>
+                <a:schemeClr val="bg1"/>
+              </a:solidFill>
+              <a:latin typeface="+mn-lt"/>
+            </a:endParaRPr>
+          </a:p>
+        </p:txBody>
+      </p:sp>
+      <p:sp>
+        <p:nvSpPr>
+          <p:cNvPr id="5" name="Rectángulo 4">
+            <a:extLst>
+              <a:ext uri="{FF2B5EF4-FFF2-40B4-BE49-F238E27FC236}">
+                <a16:creationId xmlns="" xmlns:a16="http://schemas.microsoft.com/office/drawing/2014/main" id="{0CAE8DAB-AA51-4AAF-B433-545B03406555}"/>
+              </a:ext>
+            </a:extLst>
+          </p:cNvPr>
+          <p:cNvSpPr/>
+          <p:nvPr/>
+        </p:nvSpPr>
+        <p:spPr>
+          <a:xfrm flipV="1">
+            <a:off x="12254" y="2156699"/>
+            <a:ext cx="8976320" cy="45719"/>
+          </a:xfrm>
+          <a:prstGeom prst="rect">
+            <a:avLst/>
+          </a:prstGeom>
+          <a:blipFill>
+            <a:blip r:embed="rId2"/>
+            <a:stretch>
+              <a:fillRect/>
+            </a:stretch>
+          </a:blipFill>
+          <a:ln>
+            <a:noFill/>
+          </a:ln>
+        </p:spPr>
+        <p:style>
+          <a:lnRef idx="2">
+            <a:schemeClr val="accent1">
+              <a:shade val="50000"/>
+            </a:schemeClr>
+          </a:lnRef>
+          <a:fillRef idx="1">
+            <a:schemeClr val="accent1"/>
+          </a:fillRef>
+          <a:effectRef idx="0">
+            <a:schemeClr val="accent1"/>
+          </a:effectRef>
+          <a:fontRef idx="minor">
+            <a:schemeClr val="lt1"/>
+          </a:fontRef>
+        </p:style>
+        <p:txBody>
+          <a:bodyPr rtlCol="0" anchor="ctr"/>
+          <a:lstStyle/>
+          <a:p>
+            <a:pPr algn="ctr"/>
+            <a:endParaRPr lang="es-CO" dirty="0"/>
+          </a:p>
+        </p:txBody>
+      </p:sp>
+      <p:sp>
+        <p:nvSpPr>
+          <p:cNvPr id="6" name="CuadroTexto 5">
+            <a:extLst>
+              <a:ext uri="{FF2B5EF4-FFF2-40B4-BE49-F238E27FC236}">
+                <a16:creationId xmlns="" xmlns:a16="http://schemas.microsoft.com/office/drawing/2014/main" id="{20F98B3C-495B-4D19-8AEA-15E1C2591533}"/>
+              </a:ext>
+            </a:extLst>
+          </p:cNvPr>
+          <p:cNvSpPr txBox="1"/>
+          <p:nvPr/>
+        </p:nvSpPr>
+        <p:spPr>
+          <a:xfrm>
+            <a:off x="3853" y="1552389"/>
+            <a:ext cx="8064896" cy="584775"/>
+          </a:xfrm>
+          <a:prstGeom prst="rect">
+            <a:avLst/>
+          </a:prstGeom>
+          <a:noFill/>
+        </p:spPr>
+        <p:txBody>
+          <a:bodyPr wrap="square" rtlCol="0">
+            <a:spAutoFit/>
+          </a:bodyPr>
+          <a:lstStyle/>
+          <a:p>
+            <a:r>
+              <a:rPr lang="es-CO" sz="3200" dirty="0" smtClean="0">
+                <a:solidFill>
+                  <a:srgbClr val="3366CA"/>
+                </a:solidFill>
+                <a:latin typeface="Volkswagen-Medium" pitchFamily="2" charset="0"/>
+              </a:rPr>
+              <a:t>Programación POO</a:t>
+            </a:r>
+            <a:endParaRPr lang="es-CO" sz="3200" dirty="0">
+              <a:solidFill>
+                <a:srgbClr val="3366CA"/>
+              </a:solidFill>
+              <a:latin typeface="Volkswagen-Medium" pitchFamily="2" charset="0"/>
+            </a:endParaRPr>
+          </a:p>
+        </p:txBody>
+      </p:sp>
+      <p:sp>
+        <p:nvSpPr>
+          <p:cNvPr id="2" name="CuadroTexto 1"/>
+          <p:cNvSpPr txBox="1"/>
+          <p:nvPr/>
+        </p:nvSpPr>
+        <p:spPr>
+          <a:xfrm>
+            <a:off x="254001" y="2221953"/>
+            <a:ext cx="6222999" cy="3416320"/>
+          </a:xfrm>
+          <a:prstGeom prst="rect">
+            <a:avLst/>
+          </a:prstGeom>
+          <a:noFill/>
+        </p:spPr>
+        <p:txBody>
+          <a:bodyPr wrap="square" rtlCol="0">
+            <a:spAutoFit/>
+          </a:bodyPr>
+          <a:lstStyle/>
+          <a:p>
+            <a:pPr algn="just"/>
+            <a:r>
+              <a:rPr lang="es-ES" dirty="0"/>
+              <a:t/>
+            </a:r>
+            <a:br>
+              <a:rPr lang="es-ES" dirty="0"/>
+            </a:br>
+            <a:r>
+              <a:rPr lang="es-ES" dirty="0"/>
+              <a:t>Realiza un programa que muestre un menú para seleccionar entre </a:t>
+            </a:r>
+            <a:r>
+              <a:rPr lang="es-ES" dirty="0" smtClean="0"/>
+              <a:t>4 </a:t>
+            </a:r>
+            <a:r>
+              <a:rPr lang="es-ES" dirty="0"/>
+              <a:t>fi-guras geométricas, triangulo, </a:t>
+            </a:r>
+            <a:r>
+              <a:rPr lang="es-ES" dirty="0" smtClean="0"/>
+              <a:t>cuadrado, rectángulo </a:t>
+            </a:r>
+            <a:r>
+              <a:rPr lang="es-ES" dirty="0"/>
+              <a:t>y círculo. Debemos </a:t>
+            </a:r>
+            <a:r>
+              <a:rPr lang="es-ES" dirty="0" err="1"/>
+              <a:t>implemen-tar</a:t>
+            </a:r>
+            <a:r>
+              <a:rPr lang="es-ES" dirty="0"/>
+              <a:t> </a:t>
+            </a:r>
+            <a:r>
+              <a:rPr lang="es-ES" dirty="0" smtClean="0"/>
+              <a:t>el diagrama de clases correspondiente al problema </a:t>
+            </a:r>
+            <a:r>
+              <a:rPr lang="es-ES" dirty="0"/>
+              <a:t>de manera que contenga sus dimensiones y a través de dos métodos calcular </a:t>
+            </a:r>
+            <a:r>
+              <a:rPr lang="es-ES" dirty="0" smtClean="0"/>
+              <a:t>los métodos </a:t>
+            </a:r>
+            <a:r>
+              <a:rPr lang="es-ES" dirty="0" smtClean="0"/>
+              <a:t>comunes </a:t>
+            </a:r>
+            <a:r>
+              <a:rPr lang="es-ES" dirty="0" smtClean="0"/>
+              <a:t>a las respectivas figuras (</a:t>
+            </a:r>
+            <a:r>
+              <a:rPr lang="es-ES" dirty="0" smtClean="0"/>
+              <a:t>área, perímetro, </a:t>
+            </a:r>
+            <a:r>
+              <a:rPr lang="es-ES" dirty="0" err="1" smtClean="0"/>
+              <a:t>diametro</a:t>
+            </a:r>
+            <a:r>
+              <a:rPr lang="es-ES" dirty="0" smtClean="0"/>
+              <a:t>). </a:t>
+            </a:r>
+            <a:endParaRPr lang="es-ES" dirty="0" smtClean="0"/>
+          </a:p>
+          <a:p>
+            <a:pPr algn="just"/>
+            <a:endParaRPr lang="es-ES" dirty="0"/>
+          </a:p>
+          <a:p>
+            <a:pPr algn="just"/>
+            <a:r>
+              <a:rPr lang="es-ES" dirty="0" smtClean="0"/>
+              <a:t>Cuando </a:t>
+            </a:r>
+            <a:r>
+              <a:rPr lang="es-ES" dirty="0"/>
+              <a:t>seleccionemos una de </a:t>
+            </a:r>
+            <a:r>
+              <a:rPr lang="es-ES" dirty="0" smtClean="0"/>
+              <a:t>las opciones de estas </a:t>
+            </a:r>
+            <a:r>
+              <a:rPr lang="es-ES" dirty="0"/>
+              <a:t>figuras en el menú nos pedirá sus atributos por teclado y deberá mostrar su </a:t>
+            </a:r>
+            <a:r>
+              <a:rPr lang="es-ES" dirty="0" smtClean="0"/>
+              <a:t>área, perímetro, diámetro. </a:t>
+            </a:r>
+            <a:r>
+              <a:rPr lang="es-ES" dirty="0"/>
+              <a:t>El programa </a:t>
+            </a:r>
+            <a:r>
+              <a:rPr lang="es-ES" dirty="0" smtClean="0"/>
+              <a:t>finalizará cuando </a:t>
+            </a:r>
+            <a:r>
+              <a:rPr lang="es-ES" dirty="0"/>
+              <a:t>se elija la opción salir.</a:t>
+            </a:r>
+            <a:endParaRPr lang="es-CO" dirty="0"/>
+          </a:p>
+        </p:txBody>
+      </p:sp>
+      <p:pic>
+        <p:nvPicPr>
+          <p:cNvPr id="37" name="Imagen 36"/>
+          <p:cNvPicPr>
+            <a:picLocks noChangeAspect="1" noChangeArrowheads="1"/>
+          </p:cNvPicPr>
+          <p:nvPr/>
+        </p:nvPicPr>
+        <p:blipFill>
+          <a:blip r:embed="rId3">
+            <a:extLst>
+              <a:ext uri="{28A0092B-C50C-407E-A947-70E740481C1C}">
+                <a14:useLocalDpi xmlns:a14="http://schemas.microsoft.com/office/drawing/2010/main" val="0"/>
+              </a:ext>
+            </a:extLst>
+          </a:blip>
+          <a:srcRect/>
+          <a:stretch>
+            <a:fillRect/>
+          </a:stretch>
+        </p:blipFill>
+        <p:spPr bwMode="auto">
+          <a:xfrm>
+            <a:off x="8068749" y="2221953"/>
+            <a:ext cx="1562100" cy="4029075"/>
+          </a:xfrm>
+          <a:prstGeom prst="rect">
+            <a:avLst/>
+          </a:prstGeom>
+          <a:noFill/>
+          <a:extLst>
+            <a:ext uri="{909E8E84-426E-40DD-AFC4-6F175D3DCCD1}">
+              <a14:hiddenFill xmlns:a14="http://schemas.microsoft.com/office/drawing/2010/main">
+                <a:solidFill>
+                  <a:srgbClr val="FFFFFF"/>
+                </a:solidFill>
+              </a14:hiddenFill>
+            </a:ext>
+          </a:extLst>
+        </p:spPr>
+      </p:pic>
+    </p:spTree>
+    <p:extLst>
+      <p:ext uri="{BB962C8B-B14F-4D97-AF65-F5344CB8AC3E}">
+        <p14:creationId xmlns:p14="http://schemas.microsoft.com/office/powerpoint/2010/main" val="2405669104"/>
+      </p:ext>
+    </p:extLst>
+  </p:cSld>
+  <p:clrMapOvr>
+    <a:masterClrMapping/>
+  </p:clrMapOvr>
+  <p:timing>
+    <p:tnLst>
+      <p:par>
+        <p:cTn id="1" dur="indefinite" restart="never" nodeType="tmRoot"/>
+      </p:par>
+    </p:tnLst>
+  </p:timing>
+</p:sld>
+</file>
+
+<file path=ppt/slides/slide3.xml><?xml version="1.0" encoding="utf-8"?>
 <p:sld xmlns:a="http://schemas.openxmlformats.org/drawingml/2006/main" xmlns:r="http://schemas.openxmlformats.org/officeDocument/2006/relationships" xmlns:p="http://schemas.openxmlformats.org/presentationml/2006/main">
   <p:cSld>
     <p:spTree>
@@ -30936,7 +31315,7 @@
           <p:cNvPr id="3" name="Título 1">
             <a:extLst>
               <a:ext uri="{FF2B5EF4-FFF2-40B4-BE49-F238E27FC236}">
-                <a16:creationId xmlns:a16="http://schemas.microsoft.com/office/drawing/2014/main" xmlns="" id="{C74FDE85-A811-49B8-BCA5-144B3BF9178F}"/>
+                <a16:creationId xmlns="" xmlns:a16="http://schemas.microsoft.com/office/drawing/2014/main" id="{C74FDE85-A811-49B8-BCA5-144B3BF9178F}"/>
               </a:ext>
             </a:extLst>
           </p:cNvPr>
@@ -30956,7 +31335,7 @@
         </p:spPr>
         <p:txBody>
           <a:bodyPr vert="horz" lIns="91440" tIns="45720" rIns="91440" bIns="45720" rtlCol="0" anchor="ctr">
-            <a:normAutofit fontScale="60000" lnSpcReduction="20000"/>
+            <a:normAutofit fontScale="37500" lnSpcReduction="20000"/>
           </a:bodyPr>
           <a:lstStyle>
             <a:lvl1pPr algn="l" defTabSz="914400" rtl="0" eaLnBrk="1" latinLnBrk="0" hangingPunct="1">
@@ -30984,9 +31363,20 @@
                 <a:solidFill>
                   <a:schemeClr val="bg1"/>
                 </a:solidFill>
+              </a:rPr>
+              <a:t>ANÁLISIS Y DISEÑO DEL PROBLEMA</a:t>
+            </a:r>
+          </a:p>
+          <a:p>
+            <a:pPr algn="ctr"/>
+            <a:r>
+              <a:rPr lang="es-CO" b="1" dirty="0" smtClean="0">
+                <a:solidFill>
+                  <a:schemeClr val="bg1"/>
+                </a:solidFill>
                 <a:latin typeface="Calabri"/>
               </a:rPr>
-              <a:t>APLICANDO ASOCIACIÓN DE COMPOSICIÓN</a:t>
+              <a:t>Detectar Entidades(Clases), Atributos, Métodos</a:t>
             </a:r>
             <a:endParaRPr lang="es-CO" b="1" dirty="0">
               <a:solidFill>
@@ -30999,7 +31389,7 @@
       </p:sp>
       <p:pic>
         <p:nvPicPr>
-          <p:cNvPr id="2" name="Imagen 1"/>
+          <p:cNvPr id="34" name="Imagen 33"/>
           <p:cNvPicPr>
             <a:picLocks noChangeAspect="1"/>
           </p:cNvPicPr>
@@ -31013,64 +31403,18 @@
         </p:blipFill>
         <p:spPr>
           <a:xfrm>
-            <a:off x="2511380" y="716018"/>
-            <a:ext cx="8358388" cy="6141981"/>
+            <a:off x="907861" y="789561"/>
+            <a:ext cx="10395139" cy="6068439"/>
           </a:xfrm>
           <a:prstGeom prst="rect">
             <a:avLst/>
           </a:prstGeom>
         </p:spPr>
       </p:pic>
-      <p:sp>
-        <p:nvSpPr>
-          <p:cNvPr id="4" name="CuadroTexto 3"/>
-          <p:cNvSpPr txBox="1"/>
-          <p:nvPr/>
-        </p:nvSpPr>
-        <p:spPr>
-          <a:xfrm>
-            <a:off x="193183" y="2717442"/>
-            <a:ext cx="2021983" cy="1754326"/>
-          </a:xfrm>
-          <a:prstGeom prst="rect">
-            <a:avLst/>
-          </a:prstGeom>
-          <a:noFill/>
-        </p:spPr>
-        <p:txBody>
-          <a:bodyPr wrap="square" rtlCol="0">
-            <a:spAutoFit/>
-          </a:bodyPr>
-          <a:lstStyle/>
-          <a:p>
-            <a:r>
-              <a:rPr lang="es-CO" b="1" dirty="0" smtClean="0">
-                <a:solidFill>
-                  <a:srgbClr val="0070C0"/>
-                </a:solidFill>
-              </a:rPr>
-              <a:t>Al instanciar una nueva veterinaria, se debe incluir un Doctor veterinario obligadamente </a:t>
-            </a:r>
-            <a:r>
-              <a:rPr lang="es-CO" b="1" dirty="0" smtClean="0">
-                <a:solidFill>
-                  <a:srgbClr val="FF0000"/>
-                </a:solidFill>
-              </a:rPr>
-              <a:t>COMPOSICIÓN</a:t>
-            </a:r>
-            <a:endParaRPr lang="es-CO" b="1" dirty="0">
-              <a:solidFill>
-                <a:srgbClr val="FF0000"/>
-              </a:solidFill>
-            </a:endParaRPr>
-          </a:p>
-        </p:txBody>
-      </p:sp>
     </p:spTree>
     <p:extLst>
       <p:ext uri="{BB962C8B-B14F-4D97-AF65-F5344CB8AC3E}">
-        <p14:creationId xmlns:p14="http://schemas.microsoft.com/office/powerpoint/2010/main" val="3512540033"/>
+        <p14:creationId xmlns:p14="http://schemas.microsoft.com/office/powerpoint/2010/main" val="2371564781"/>
       </p:ext>
     </p:extLst>
   </p:cSld>
@@ -31090,7 +31434,7 @@
 </p:sld>
 </file>
 
-<file path=ppt/slides/slide11.xml><?xml version="1.0" encoding="utf-8"?>
+<file path=ppt/slides/slide4.xml><?xml version="1.0" encoding="utf-8"?>
 <p:sld xmlns:a="http://schemas.openxmlformats.org/drawingml/2006/main" xmlns:r="http://schemas.openxmlformats.org/officeDocument/2006/relationships" xmlns:p="http://schemas.openxmlformats.org/presentationml/2006/main">
   <p:cSld>
     <p:spTree>
@@ -31112,7 +31456,7 @@
           <p:cNvPr id="3" name="Título 1">
             <a:extLst>
               <a:ext uri="{FF2B5EF4-FFF2-40B4-BE49-F238E27FC236}">
-                <a16:creationId xmlns:a16="http://schemas.microsoft.com/office/drawing/2014/main" xmlns="" id="{C74FDE85-A811-49B8-BCA5-144B3BF9178F}"/>
+                <a16:creationId xmlns="" xmlns:a16="http://schemas.microsoft.com/office/drawing/2014/main" id="{C74FDE85-A811-49B8-BCA5-144B3BF9178F}"/>
               </a:ext>
             </a:extLst>
           </p:cNvPr>
@@ -31132,7 +31476,7 @@
         </p:spPr>
         <p:txBody>
           <a:bodyPr vert="horz" lIns="91440" tIns="45720" rIns="91440" bIns="45720" rtlCol="0" anchor="ctr">
-            <a:normAutofit fontScale="60000" lnSpcReduction="20000"/>
+            <a:normAutofit fontScale="67500" lnSpcReduction="20000"/>
           </a:bodyPr>
           <a:lstStyle>
             <a:lvl1pPr algn="l" defTabSz="914400" rtl="0" eaLnBrk="1" latinLnBrk="0" hangingPunct="1">
@@ -31160,9 +31504,8 @@
                 <a:solidFill>
                   <a:schemeClr val="bg1"/>
                 </a:solidFill>
-                <a:latin typeface="Calabri"/>
               </a:rPr>
-              <a:t>APLICANDO ASOCIACIÓN DE AGREGACIÓN</a:t>
+              <a:t>DIAGRAMA DE CLASES - STARTUML</a:t>
             </a:r>
             <a:endParaRPr lang="es-CO" b="1" dirty="0">
               <a:solidFill>
@@ -31173,73 +31516,9 @@
           </a:p>
         </p:txBody>
       </p:sp>
-      <p:sp>
-        <p:nvSpPr>
-          <p:cNvPr id="4" name="CuadroTexto 3"/>
-          <p:cNvSpPr txBox="1"/>
-          <p:nvPr/>
-        </p:nvSpPr>
-        <p:spPr>
-          <a:xfrm>
-            <a:off x="321972" y="2125014"/>
-            <a:ext cx="3131743" cy="2031325"/>
-          </a:xfrm>
-          <a:prstGeom prst="rect">
-            <a:avLst/>
-          </a:prstGeom>
-          <a:noFill/>
-        </p:spPr>
-        <p:txBody>
-          <a:bodyPr wrap="square" rtlCol="0">
-            <a:spAutoFit/>
-          </a:bodyPr>
-          <a:lstStyle/>
-          <a:p>
-            <a:r>
-              <a:rPr lang="es-CO" b="1" dirty="0" smtClean="0">
-                <a:solidFill>
-                  <a:srgbClr val="0070C0"/>
-                </a:solidFill>
-              </a:rPr>
-              <a:t>Al instanciar una nueva mascota, se puede o NO incluir una veterinaria es decir es opcional  </a:t>
-            </a:r>
-            <a:r>
-              <a:rPr lang="es-CO" b="1" dirty="0" smtClean="0">
-                <a:solidFill>
-                  <a:srgbClr val="FF0000"/>
-                </a:solidFill>
-              </a:rPr>
-              <a:t>AGREGACIÓN</a:t>
-            </a:r>
-          </a:p>
-          <a:p>
-            <a:r>
-              <a:rPr lang="es-CO" b="1" dirty="0" smtClean="0">
-                <a:solidFill>
-                  <a:srgbClr val="0070C0"/>
-                </a:solidFill>
-              </a:rPr>
-              <a:t>Posteriormente cuando se requiera, se le asociara con </a:t>
-            </a:r>
-            <a:r>
-              <a:rPr lang="es-CO" b="1" dirty="0" err="1" smtClean="0">
-                <a:solidFill>
-                  <a:srgbClr val="0070C0"/>
-                </a:solidFill>
-              </a:rPr>
-              <a:t>setVeterinary</a:t>
-            </a:r>
-            <a:endParaRPr lang="es-CO" b="1" dirty="0">
-              <a:solidFill>
-                <a:srgbClr val="FF0000"/>
-              </a:solidFill>
-            </a:endParaRPr>
-          </a:p>
-        </p:txBody>
-      </p:sp>
       <p:pic>
         <p:nvPicPr>
-          <p:cNvPr id="5" name="Imagen 4"/>
+          <p:cNvPr id="2" name="Imagen 1"/>
           <p:cNvPicPr>
             <a:picLocks noChangeAspect="1"/>
           </p:cNvPicPr>
@@ -31253,8 +31532,8 @@
         </p:blipFill>
         <p:spPr>
           <a:xfrm>
-            <a:off x="4006135" y="860979"/>
-            <a:ext cx="8035612" cy="5997021"/>
+            <a:off x="1298830" y="1535112"/>
+            <a:ext cx="9346945" cy="5322888"/>
           </a:xfrm>
           <a:prstGeom prst="rect">
             <a:avLst/>
@@ -31264,7 +31543,7 @@
     </p:spTree>
     <p:extLst>
       <p:ext uri="{BB962C8B-B14F-4D97-AF65-F5344CB8AC3E}">
-        <p14:creationId xmlns:p14="http://schemas.microsoft.com/office/powerpoint/2010/main" val="424456968"/>
+        <p14:creationId xmlns:p14="http://schemas.microsoft.com/office/powerpoint/2010/main" val="2422995129"/>
       </p:ext>
     </p:extLst>
   </p:cSld>
@@ -31284,7 +31563,7 @@
 </p:sld>
 </file>
 
-<file path=ppt/slides/slide12.xml><?xml version="1.0" encoding="utf-8"?>
+<file path=ppt/slides/slide5.xml><?xml version="1.0" encoding="utf-8"?>
 <p:sld xmlns:a="http://schemas.openxmlformats.org/drawingml/2006/main" xmlns:r="http://schemas.openxmlformats.org/officeDocument/2006/relationships" xmlns:p="http://schemas.openxmlformats.org/presentationml/2006/main">
   <p:cSld>
     <p:spTree>
@@ -31306,497 +31585,7 @@
           <p:cNvPr id="3" name="Título 1">
             <a:extLst>
               <a:ext uri="{FF2B5EF4-FFF2-40B4-BE49-F238E27FC236}">
-                <a16:creationId xmlns:a16="http://schemas.microsoft.com/office/drawing/2014/main" xmlns="" id="{C74FDE85-A811-49B8-BCA5-144B3BF9178F}"/>
-              </a:ext>
-            </a:extLst>
-          </p:cNvPr>
-          <p:cNvSpPr txBox="1">
-            <a:spLocks/>
-          </p:cNvSpPr>
-          <p:nvPr/>
-        </p:nvSpPr>
-        <p:spPr>
-          <a:xfrm>
-            <a:off x="3453715" y="0"/>
-            <a:ext cx="5768343" cy="674703"/>
-          </a:xfrm>
-          <a:prstGeom prst="rect">
-            <a:avLst/>
-          </a:prstGeom>
-        </p:spPr>
-        <p:txBody>
-          <a:bodyPr vert="horz" lIns="91440" tIns="45720" rIns="91440" bIns="45720" rtlCol="0" anchor="ctr">
-            <a:normAutofit fontScale="60000" lnSpcReduction="20000"/>
-          </a:bodyPr>
-          <a:lstStyle>
-            <a:lvl1pPr algn="l" defTabSz="914400" rtl="0" eaLnBrk="1" latinLnBrk="0" hangingPunct="1">
-              <a:lnSpc>
-                <a:spcPct val="90000"/>
-              </a:lnSpc>
-              <a:spcBef>
-                <a:spcPct val="0"/>
-              </a:spcBef>
-              <a:buNone/>
-              <a:defRPr sz="4400" kern="1200">
-                <a:solidFill>
-                  <a:schemeClr val="tx1"/>
-                </a:solidFill>
-                <a:latin typeface="+mj-lt"/>
-                <a:ea typeface="+mj-ea"/>
-                <a:cs typeface="+mj-cs"/>
-              </a:defRPr>
-            </a:lvl1pPr>
-          </a:lstStyle>
-          <a:p>
-            <a:pPr algn="ctr"/>
-            <a:r>
-              <a:rPr lang="es-CO" b="1" dirty="0" smtClean="0">
-                <a:solidFill>
-                  <a:schemeClr val="bg1"/>
-                </a:solidFill>
-                <a:latin typeface="Calabri"/>
-              </a:rPr>
-              <a:t>INSTANCIANDO Y COMPROBANDO</a:t>
-            </a:r>
-            <a:endParaRPr lang="es-CO" b="1" dirty="0">
-              <a:solidFill>
-                <a:schemeClr val="bg1"/>
-              </a:solidFill>
-              <a:latin typeface="Calabri"/>
-            </a:endParaRPr>
-          </a:p>
-        </p:txBody>
-      </p:sp>
-      <p:pic>
-        <p:nvPicPr>
-          <p:cNvPr id="5" name="Imagen 4"/>
-          <p:cNvPicPr>
-            <a:picLocks noChangeAspect="1"/>
-          </p:cNvPicPr>
-          <p:nvPr/>
-        </p:nvPicPr>
-        <p:blipFill>
-          <a:blip r:embed="rId2"/>
-          <a:stretch>
-            <a:fillRect/>
-          </a:stretch>
-        </p:blipFill>
-        <p:spPr>
-          <a:xfrm>
-            <a:off x="423228" y="1630049"/>
-            <a:ext cx="11317274" cy="4242718"/>
-          </a:xfrm>
-          <a:prstGeom prst="rect">
-            <a:avLst/>
-          </a:prstGeom>
-        </p:spPr>
-      </p:pic>
-      <p:sp>
-        <p:nvSpPr>
-          <p:cNvPr id="6" name="CuadroTexto 5"/>
-          <p:cNvSpPr txBox="1"/>
-          <p:nvPr/>
-        </p:nvSpPr>
-        <p:spPr>
-          <a:xfrm>
-            <a:off x="2730321" y="1120462"/>
-            <a:ext cx="6012030" cy="369332"/>
-          </a:xfrm>
-          <a:prstGeom prst="rect">
-            <a:avLst/>
-          </a:prstGeom>
-          <a:noFill/>
-        </p:spPr>
-        <p:txBody>
-          <a:bodyPr wrap="none" rtlCol="0">
-            <a:spAutoFit/>
-          </a:bodyPr>
-          <a:lstStyle/>
-          <a:p>
-            <a:r>
-              <a:rPr lang="es-CO" dirty="0" smtClean="0"/>
-              <a:t>En la clase principal que contiene el archivo ejecutable </a:t>
-            </a:r>
-            <a:r>
-              <a:rPr lang="es-CO" dirty="0" err="1" smtClean="0"/>
-              <a:t>main</a:t>
-            </a:r>
-            <a:r>
-              <a:rPr lang="es-CO" dirty="0" smtClean="0"/>
-              <a:t> ().</a:t>
-            </a:r>
-            <a:endParaRPr lang="es-CO" dirty="0"/>
-          </a:p>
-        </p:txBody>
-      </p:sp>
-    </p:spTree>
-    <p:extLst>
-      <p:ext uri="{BB962C8B-B14F-4D97-AF65-F5344CB8AC3E}">
-        <p14:creationId xmlns:p14="http://schemas.microsoft.com/office/powerpoint/2010/main" val="3141675604"/>
-      </p:ext>
-    </p:extLst>
-  </p:cSld>
-  <p:clrMapOvr>
-    <a:masterClrMapping/>
-  </p:clrMapOvr>
-  <p:transition spd="slow">
-    <p:wipe/>
-  </p:transition>
-  <p:timing>
-    <p:tnLst>
-      <p:par>
-        <p:cTn id="1" dur="indefinite" restart="never" nodeType="tmRoot"/>
-      </p:par>
-    </p:tnLst>
-  </p:timing>
-</p:sld>
-</file>
-
-<file path=ppt/slides/slide13.xml><?xml version="1.0" encoding="utf-8"?>
-<p:sld xmlns:a="http://schemas.openxmlformats.org/drawingml/2006/main" xmlns:r="http://schemas.openxmlformats.org/officeDocument/2006/relationships" xmlns:p="http://schemas.openxmlformats.org/presentationml/2006/main">
-  <p:cSld>
-    <p:spTree>
-      <p:nvGrpSpPr>
-        <p:cNvPr id="1" name=""/>
-        <p:cNvGrpSpPr/>
-        <p:nvPr/>
-      </p:nvGrpSpPr>
-      <p:grpSpPr>
-        <a:xfrm>
-          <a:off x="0" y="0"/>
-          <a:ext cx="0" cy="0"/>
-          <a:chOff x="0" y="0"/>
-          <a:chExt cx="0" cy="0"/>
-        </a:xfrm>
-      </p:grpSpPr>
-      <p:sp>
-        <p:nvSpPr>
-          <p:cNvPr id="3" name="Título 1">
-            <a:extLst>
-              <a:ext uri="{FF2B5EF4-FFF2-40B4-BE49-F238E27FC236}">
-                <a16:creationId xmlns:a16="http://schemas.microsoft.com/office/drawing/2014/main" xmlns="" id="{C74FDE85-A811-49B8-BCA5-144B3BF9178F}"/>
-              </a:ext>
-            </a:extLst>
-          </p:cNvPr>
-          <p:cNvSpPr txBox="1">
-            <a:spLocks/>
-          </p:cNvSpPr>
-          <p:nvPr/>
-        </p:nvSpPr>
-        <p:spPr>
-          <a:xfrm>
-            <a:off x="3453715" y="0"/>
-            <a:ext cx="5768343" cy="674703"/>
-          </a:xfrm>
-          <a:prstGeom prst="rect">
-            <a:avLst/>
-          </a:prstGeom>
-        </p:spPr>
-        <p:txBody>
-          <a:bodyPr vert="horz" lIns="91440" tIns="45720" rIns="91440" bIns="45720" rtlCol="0" anchor="ctr">
-            <a:normAutofit fontScale="60000" lnSpcReduction="20000"/>
-          </a:bodyPr>
-          <a:lstStyle>
-            <a:lvl1pPr algn="l" defTabSz="914400" rtl="0" eaLnBrk="1" latinLnBrk="0" hangingPunct="1">
-              <a:lnSpc>
-                <a:spcPct val="90000"/>
-              </a:lnSpc>
-              <a:spcBef>
-                <a:spcPct val="0"/>
-              </a:spcBef>
-              <a:buNone/>
-              <a:defRPr sz="4400" kern="1200">
-                <a:solidFill>
-                  <a:schemeClr val="tx1"/>
-                </a:solidFill>
-                <a:latin typeface="+mj-lt"/>
-                <a:ea typeface="+mj-ea"/>
-                <a:cs typeface="+mj-cs"/>
-              </a:defRPr>
-            </a:lvl1pPr>
-          </a:lstStyle>
-          <a:p>
-            <a:pPr algn="ctr"/>
-            <a:r>
-              <a:rPr lang="es-CO" b="1" dirty="0" smtClean="0">
-                <a:solidFill>
-                  <a:schemeClr val="bg1"/>
-                </a:solidFill>
-                <a:latin typeface="Calabri"/>
-              </a:rPr>
-              <a:t>INSTANCIANDO Y COMPROBANDO</a:t>
-            </a:r>
-            <a:endParaRPr lang="es-CO" b="1" dirty="0">
-              <a:solidFill>
-                <a:schemeClr val="bg1"/>
-              </a:solidFill>
-              <a:latin typeface="Calabri"/>
-            </a:endParaRPr>
-          </a:p>
-        </p:txBody>
-      </p:sp>
-      <p:sp>
-        <p:nvSpPr>
-          <p:cNvPr id="6" name="CuadroTexto 5"/>
-          <p:cNvSpPr txBox="1"/>
-          <p:nvPr/>
-        </p:nvSpPr>
-        <p:spPr>
-          <a:xfrm>
-            <a:off x="2730321" y="1120462"/>
-            <a:ext cx="6012030" cy="369332"/>
-          </a:xfrm>
-          <a:prstGeom prst="rect">
-            <a:avLst/>
-          </a:prstGeom>
-          <a:noFill/>
-        </p:spPr>
-        <p:txBody>
-          <a:bodyPr wrap="none" rtlCol="0">
-            <a:spAutoFit/>
-          </a:bodyPr>
-          <a:lstStyle/>
-          <a:p>
-            <a:r>
-              <a:rPr lang="es-CO" dirty="0" smtClean="0"/>
-              <a:t>En la clase principal que contiene el archivo ejecutable </a:t>
-            </a:r>
-            <a:r>
-              <a:rPr lang="es-CO" dirty="0" err="1" smtClean="0"/>
-              <a:t>main</a:t>
-            </a:r>
-            <a:r>
-              <a:rPr lang="es-CO" dirty="0" smtClean="0"/>
-              <a:t> ().</a:t>
-            </a:r>
-            <a:endParaRPr lang="es-CO" dirty="0"/>
-          </a:p>
-        </p:txBody>
-      </p:sp>
-      <p:pic>
-        <p:nvPicPr>
-          <p:cNvPr id="2" name="Imagen 1"/>
-          <p:cNvPicPr>
-            <a:picLocks noChangeAspect="1"/>
-          </p:cNvPicPr>
-          <p:nvPr/>
-        </p:nvPicPr>
-        <p:blipFill>
-          <a:blip r:embed="rId2"/>
-          <a:stretch>
-            <a:fillRect/>
-          </a:stretch>
-        </p:blipFill>
-        <p:spPr>
-          <a:xfrm>
-            <a:off x="154547" y="2052023"/>
-            <a:ext cx="11842755" cy="3022253"/>
-          </a:xfrm>
-          <a:prstGeom prst="rect">
-            <a:avLst/>
-          </a:prstGeom>
-        </p:spPr>
-      </p:pic>
-    </p:spTree>
-    <p:extLst>
-      <p:ext uri="{BB962C8B-B14F-4D97-AF65-F5344CB8AC3E}">
-        <p14:creationId xmlns:p14="http://schemas.microsoft.com/office/powerpoint/2010/main" val="2323033496"/>
-      </p:ext>
-    </p:extLst>
-  </p:cSld>
-  <p:clrMapOvr>
-    <a:masterClrMapping/>
-  </p:clrMapOvr>
-  <p:transition spd="slow">
-    <p:wipe/>
-  </p:transition>
-  <p:timing>
-    <p:tnLst>
-      <p:par>
-        <p:cTn id="1" dur="indefinite" restart="never" nodeType="tmRoot"/>
-      </p:par>
-    </p:tnLst>
-  </p:timing>
-</p:sld>
-</file>
-
-<file path=ppt/slides/slide14.xml><?xml version="1.0" encoding="utf-8"?>
-<p:sld xmlns:a="http://schemas.openxmlformats.org/drawingml/2006/main" xmlns:r="http://schemas.openxmlformats.org/officeDocument/2006/relationships" xmlns:p="http://schemas.openxmlformats.org/presentationml/2006/main">
-  <p:cSld>
-    <p:spTree>
-      <p:nvGrpSpPr>
-        <p:cNvPr id="1" name=""/>
-        <p:cNvGrpSpPr/>
-        <p:nvPr/>
-      </p:nvGrpSpPr>
-      <p:grpSpPr>
-        <a:xfrm>
-          <a:off x="0" y="0"/>
-          <a:ext cx="0" cy="0"/>
-          <a:chOff x="0" y="0"/>
-          <a:chExt cx="0" cy="0"/>
-        </a:xfrm>
-      </p:grpSpPr>
-      <p:sp>
-        <p:nvSpPr>
-          <p:cNvPr id="3" name="Título 1">
-            <a:extLst>
-              <a:ext uri="{FF2B5EF4-FFF2-40B4-BE49-F238E27FC236}">
-                <a16:creationId xmlns:a16="http://schemas.microsoft.com/office/drawing/2014/main" xmlns="" id="{C74FDE85-A811-49B8-BCA5-144B3BF9178F}"/>
-              </a:ext>
-            </a:extLst>
-          </p:cNvPr>
-          <p:cNvSpPr txBox="1">
-            <a:spLocks/>
-          </p:cNvSpPr>
-          <p:nvPr/>
-        </p:nvSpPr>
-        <p:spPr>
-          <a:xfrm>
-            <a:off x="3453715" y="0"/>
-            <a:ext cx="5768343" cy="674703"/>
-          </a:xfrm>
-          <a:prstGeom prst="rect">
-            <a:avLst/>
-          </a:prstGeom>
-        </p:spPr>
-        <p:txBody>
-          <a:bodyPr vert="horz" lIns="91440" tIns="45720" rIns="91440" bIns="45720" rtlCol="0" anchor="ctr">
-            <a:normAutofit fontScale="60000" lnSpcReduction="20000"/>
-          </a:bodyPr>
-          <a:lstStyle>
-            <a:lvl1pPr algn="l" defTabSz="914400" rtl="0" eaLnBrk="1" latinLnBrk="0" hangingPunct="1">
-              <a:lnSpc>
-                <a:spcPct val="90000"/>
-              </a:lnSpc>
-              <a:spcBef>
-                <a:spcPct val="0"/>
-              </a:spcBef>
-              <a:buNone/>
-              <a:defRPr sz="4400" kern="1200">
-                <a:solidFill>
-                  <a:schemeClr val="tx1"/>
-                </a:solidFill>
-                <a:latin typeface="+mj-lt"/>
-                <a:ea typeface="+mj-ea"/>
-                <a:cs typeface="+mj-cs"/>
-              </a:defRPr>
-            </a:lvl1pPr>
-          </a:lstStyle>
-          <a:p>
-            <a:pPr algn="ctr"/>
-            <a:r>
-              <a:rPr lang="es-CO" b="1" dirty="0" smtClean="0">
-                <a:solidFill>
-                  <a:schemeClr val="bg1"/>
-                </a:solidFill>
-                <a:latin typeface="Calabri"/>
-              </a:rPr>
-              <a:t>INSTANCIANDO Y COMPROBANDO</a:t>
-            </a:r>
-            <a:endParaRPr lang="es-CO" b="1" dirty="0">
-              <a:solidFill>
-                <a:schemeClr val="bg1"/>
-              </a:solidFill>
-              <a:latin typeface="Calabri"/>
-            </a:endParaRPr>
-          </a:p>
-        </p:txBody>
-      </p:sp>
-      <p:pic>
-        <p:nvPicPr>
-          <p:cNvPr id="5" name="Imagen 4"/>
-          <p:cNvPicPr>
-            <a:picLocks noChangeAspect="1"/>
-          </p:cNvPicPr>
-          <p:nvPr/>
-        </p:nvPicPr>
-        <p:blipFill>
-          <a:blip r:embed="rId2"/>
-          <a:stretch>
-            <a:fillRect/>
-          </a:stretch>
-        </p:blipFill>
-        <p:spPr>
-          <a:xfrm>
-            <a:off x="382274" y="1707858"/>
-            <a:ext cx="10010775" cy="2257425"/>
-          </a:xfrm>
-          <a:prstGeom prst="rect">
-            <a:avLst/>
-          </a:prstGeom>
-        </p:spPr>
-      </p:pic>
-      <p:pic>
-        <p:nvPicPr>
-          <p:cNvPr id="7" name="Imagen 6"/>
-          <p:cNvPicPr>
-            <a:picLocks noChangeAspect="1"/>
-          </p:cNvPicPr>
-          <p:nvPr/>
-        </p:nvPicPr>
-        <p:blipFill>
-          <a:blip r:embed="rId3"/>
-          <a:stretch>
-            <a:fillRect/>
-          </a:stretch>
-        </p:blipFill>
-        <p:spPr>
-          <a:xfrm>
-            <a:off x="2913465" y="4214436"/>
-            <a:ext cx="6848841" cy="2469699"/>
-          </a:xfrm>
-          <a:prstGeom prst="rect">
-            <a:avLst/>
-          </a:prstGeom>
-        </p:spPr>
-      </p:pic>
-    </p:spTree>
-    <p:extLst>
-      <p:ext uri="{BB962C8B-B14F-4D97-AF65-F5344CB8AC3E}">
-        <p14:creationId xmlns:p14="http://schemas.microsoft.com/office/powerpoint/2010/main" val="1489621218"/>
-      </p:ext>
-    </p:extLst>
-  </p:cSld>
-  <p:clrMapOvr>
-    <a:masterClrMapping/>
-  </p:clrMapOvr>
-  <p:transition spd="slow">
-    <p:wipe/>
-  </p:transition>
-  <p:timing>
-    <p:tnLst>
-      <p:par>
-        <p:cTn id="1" dur="indefinite" restart="never" nodeType="tmRoot"/>
-      </p:par>
-    </p:tnLst>
-  </p:timing>
-</p:sld>
-</file>
-
-<file path=ppt/slides/slide15.xml><?xml version="1.0" encoding="utf-8"?>
-<p:sld xmlns:a="http://schemas.openxmlformats.org/drawingml/2006/main" xmlns:r="http://schemas.openxmlformats.org/officeDocument/2006/relationships" xmlns:p="http://schemas.openxmlformats.org/presentationml/2006/main">
-  <p:cSld>
-    <p:spTree>
-      <p:nvGrpSpPr>
-        <p:cNvPr id="1" name=""/>
-        <p:cNvGrpSpPr/>
-        <p:nvPr/>
-      </p:nvGrpSpPr>
-      <p:grpSpPr>
-        <a:xfrm>
-          <a:off x="0" y="0"/>
-          <a:ext cx="0" cy="0"/>
-          <a:chOff x="0" y="0"/>
-          <a:chExt cx="0" cy="0"/>
-        </a:xfrm>
-      </p:grpSpPr>
-      <p:sp>
-        <p:nvSpPr>
-          <p:cNvPr id="3" name="Título 1">
-            <a:extLst>
-              <a:ext uri="{FF2B5EF4-FFF2-40B4-BE49-F238E27FC236}">
-                <a16:creationId xmlns:a16="http://schemas.microsoft.com/office/drawing/2014/main" xmlns="" id="{C74FDE85-A811-49B8-BCA5-144B3BF9178F}"/>
+                <a16:creationId xmlns="" xmlns:a16="http://schemas.microsoft.com/office/drawing/2014/main" id="{C74FDE85-A811-49B8-BCA5-144B3BF9178F}"/>
               </a:ext>
             </a:extLst>
           </p:cNvPr>
@@ -31862,7 +31651,7 @@
           <p:cNvPr id="12" name="Imagen 11">
             <a:extLst>
               <a:ext uri="{FF2B5EF4-FFF2-40B4-BE49-F238E27FC236}">
-                <a16:creationId xmlns:a16="http://schemas.microsoft.com/office/drawing/2014/main" xmlns="" id="{0633DF26-E03C-49B7-8009-B152436760EA}"/>
+                <a16:creationId xmlns="" xmlns:a16="http://schemas.microsoft.com/office/drawing/2014/main" id="{0633DF26-E03C-49B7-8009-B152436760EA}"/>
               </a:ext>
             </a:extLst>
           </p:cNvPr>
@@ -31928,7 +31717,7 @@
         <p:spPr>
           <a:xfrm>
             <a:off x="2305318" y="2292439"/>
-            <a:ext cx="7663765" cy="1477328"/>
+            <a:ext cx="6284221" cy="1477328"/>
           </a:xfrm>
           <a:prstGeom prst="rect">
             <a:avLst/>
@@ -31943,7 +31732,19 @@
           <a:p>
             <a:r>
               <a:rPr lang="es-CO" dirty="0" smtClean="0"/>
-              <a:t>Crear el proyecto de MASCOTAS completo y aplicar los conceptos de asociación:</a:t>
+              <a:t>Crear el </a:t>
+            </a:r>
+            <a:r>
+              <a:rPr lang="es-CO" smtClean="0"/>
+              <a:t>proyecto </a:t>
+            </a:r>
+            <a:r>
+              <a:rPr lang="es-CO" smtClean="0"/>
+              <a:t>completo </a:t>
+            </a:r>
+            <a:r>
+              <a:rPr lang="es-CO" dirty="0" smtClean="0"/>
+              <a:t>y aplicar los conceptos de asociación:</a:t>
             </a:r>
           </a:p>
           <a:p>
@@ -32002,7 +31803,7 @@
 </p:sld>
 </file>
 
-<file path=ppt/slides/slide16.xml><?xml version="1.0" encoding="utf-8"?>
+<file path=ppt/slides/slide6.xml><?xml version="1.0" encoding="utf-8"?>
 <p:sld xmlns:a="http://schemas.openxmlformats.org/drawingml/2006/main" xmlns:r="http://schemas.openxmlformats.org/officeDocument/2006/relationships" xmlns:p="http://schemas.openxmlformats.org/presentationml/2006/main">
   <p:cSld>
     <p:spTree>
@@ -32024,7 +31825,7 @@
           <p:cNvPr id="3" name="Título 1">
             <a:extLst>
               <a:ext uri="{FF2B5EF4-FFF2-40B4-BE49-F238E27FC236}">
-                <a16:creationId xmlns:a16="http://schemas.microsoft.com/office/drawing/2014/main" xmlns="" id="{C74FDE85-A811-49B8-BCA5-144B3BF9178F}"/>
+                <a16:creationId xmlns="" xmlns:a16="http://schemas.microsoft.com/office/drawing/2014/main" id="{C74FDE85-A811-49B8-BCA5-144B3BF9178F}"/>
               </a:ext>
             </a:extLst>
           </p:cNvPr>
@@ -32081,7 +31882,7 @@
           <p:cNvPr id="12" name="Imagen 11">
             <a:extLst>
               <a:ext uri="{FF2B5EF4-FFF2-40B4-BE49-F238E27FC236}">
-                <a16:creationId xmlns:a16="http://schemas.microsoft.com/office/drawing/2014/main" xmlns="" id="{0633DF26-E03C-49B7-8009-B152436760EA}"/>
+                <a16:creationId xmlns="" xmlns:a16="http://schemas.microsoft.com/office/drawing/2014/main" id="{0633DF26-E03C-49B7-8009-B152436760EA}"/>
               </a:ext>
             </a:extLst>
           </p:cNvPr>
@@ -32278,5032 +32079,6 @@
   <p:clrMapOvr>
     <a:masterClrMapping/>
   </p:clrMapOvr>
-  <p:timing>
-    <p:tnLst>
-      <p:par>
-        <p:cTn id="1" dur="indefinite" restart="never" nodeType="tmRoot"/>
-      </p:par>
-    </p:tnLst>
-  </p:timing>
-</p:sld>
-</file>
-
-<file path=ppt/slides/slide2.xml><?xml version="1.0" encoding="utf-8"?>
-<p:sld xmlns:a="http://schemas.openxmlformats.org/drawingml/2006/main" xmlns:r="http://schemas.openxmlformats.org/officeDocument/2006/relationships" xmlns:p="http://schemas.openxmlformats.org/presentationml/2006/main">
-  <p:cSld>
-    <p:spTree>
-      <p:nvGrpSpPr>
-        <p:cNvPr id="1" name=""/>
-        <p:cNvGrpSpPr/>
-        <p:nvPr/>
-      </p:nvGrpSpPr>
-      <p:grpSpPr>
-        <a:xfrm>
-          <a:off x="0" y="0"/>
-          <a:ext cx="0" cy="0"/>
-          <a:chOff x="0" y="0"/>
-          <a:chExt cx="0" cy="0"/>
-        </a:xfrm>
-      </p:grpSpPr>
-      <p:sp>
-        <p:nvSpPr>
-          <p:cNvPr id="4" name="Título 1">
-            <a:extLst>
-              <a:ext uri="{FF2B5EF4-FFF2-40B4-BE49-F238E27FC236}">
-                <a16:creationId xmlns:a16="http://schemas.microsoft.com/office/drawing/2014/main" xmlns="" id="{1334CBD3-A99C-41E8-9883-E9DA6A3829FF}"/>
-              </a:ext>
-            </a:extLst>
-          </p:cNvPr>
-          <p:cNvSpPr txBox="1">
-            <a:spLocks/>
-          </p:cNvSpPr>
-          <p:nvPr/>
-        </p:nvSpPr>
-        <p:spPr>
-          <a:xfrm>
-            <a:off x="1710432" y="0"/>
-            <a:ext cx="9144000" cy="674703"/>
-          </a:xfrm>
-          <a:prstGeom prst="rect">
-            <a:avLst/>
-          </a:prstGeom>
-        </p:spPr>
-        <p:txBody>
-          <a:bodyPr vert="horz" lIns="91440" tIns="45720" rIns="91440" bIns="45720" rtlCol="0" anchor="b">
-            <a:normAutofit fontScale="45000" lnSpcReduction="20000"/>
-          </a:bodyPr>
-          <a:lstStyle>
-            <a:lvl1pPr algn="ctr" defTabSz="914400" rtl="0" eaLnBrk="1" latinLnBrk="0" hangingPunct="1">
-              <a:lnSpc>
-                <a:spcPct val="90000"/>
-              </a:lnSpc>
-              <a:spcBef>
-                <a:spcPct val="0"/>
-              </a:spcBef>
-              <a:buNone/>
-              <a:defRPr sz="6000" kern="1200">
-                <a:solidFill>
-                  <a:schemeClr val="tx1"/>
-                </a:solidFill>
-                <a:latin typeface="+mj-lt"/>
-                <a:ea typeface="+mj-ea"/>
-                <a:cs typeface="+mj-cs"/>
-              </a:defRPr>
-            </a:lvl1pPr>
-          </a:lstStyle>
-          <a:p>
-            <a:r>
-              <a:rPr lang="es-CO" b="1" dirty="0" smtClean="0">
-                <a:solidFill>
-                  <a:schemeClr val="bg1"/>
-                </a:solidFill>
-                <a:latin typeface="+mn-lt"/>
-              </a:rPr>
-              <a:t>PROGRAMACIÓN BÁSICA JAVA</a:t>
-            </a:r>
-          </a:p>
-          <a:p>
-            <a:r>
-              <a:rPr lang="es-CO" b="1" dirty="0" smtClean="0">
-                <a:solidFill>
-                  <a:schemeClr val="bg1"/>
-                </a:solidFill>
-                <a:latin typeface="+mn-lt"/>
-              </a:rPr>
-              <a:t>ORIENTADA A OBJETOS - POO</a:t>
-            </a:r>
-            <a:endParaRPr lang="es-CO" b="1" dirty="0">
-              <a:solidFill>
-                <a:schemeClr val="bg1"/>
-              </a:solidFill>
-              <a:latin typeface="+mn-lt"/>
-            </a:endParaRPr>
-          </a:p>
-        </p:txBody>
-      </p:sp>
-      <p:sp>
-        <p:nvSpPr>
-          <p:cNvPr id="5" name="Rectángulo 4">
-            <a:extLst>
-              <a:ext uri="{FF2B5EF4-FFF2-40B4-BE49-F238E27FC236}">
-                <a16:creationId xmlns:a16="http://schemas.microsoft.com/office/drawing/2014/main" xmlns="" id="{0CAE8DAB-AA51-4AAF-B433-545B03406555}"/>
-              </a:ext>
-            </a:extLst>
-          </p:cNvPr>
-          <p:cNvSpPr/>
-          <p:nvPr/>
-        </p:nvSpPr>
-        <p:spPr>
-          <a:xfrm flipV="1">
-            <a:off x="12254" y="2156699"/>
-            <a:ext cx="8976320" cy="45719"/>
-          </a:xfrm>
-          <a:prstGeom prst="rect">
-            <a:avLst/>
-          </a:prstGeom>
-          <a:blipFill>
-            <a:blip r:embed="rId2"/>
-            <a:stretch>
-              <a:fillRect/>
-            </a:stretch>
-          </a:blipFill>
-          <a:ln>
-            <a:noFill/>
-          </a:ln>
-        </p:spPr>
-        <p:style>
-          <a:lnRef idx="2">
-            <a:schemeClr val="accent1">
-              <a:shade val="50000"/>
-            </a:schemeClr>
-          </a:lnRef>
-          <a:fillRef idx="1">
-            <a:schemeClr val="accent1"/>
-          </a:fillRef>
-          <a:effectRef idx="0">
-            <a:schemeClr val="accent1"/>
-          </a:effectRef>
-          <a:fontRef idx="minor">
-            <a:schemeClr val="lt1"/>
-          </a:fontRef>
-        </p:style>
-        <p:txBody>
-          <a:bodyPr rtlCol="0" anchor="ctr"/>
-          <a:lstStyle/>
-          <a:p>
-            <a:pPr algn="ctr"/>
-            <a:endParaRPr lang="es-CO" dirty="0"/>
-          </a:p>
-        </p:txBody>
-      </p:sp>
-      <p:sp>
-        <p:nvSpPr>
-          <p:cNvPr id="6" name="CuadroTexto 5">
-            <a:extLst>
-              <a:ext uri="{FF2B5EF4-FFF2-40B4-BE49-F238E27FC236}">
-                <a16:creationId xmlns:a16="http://schemas.microsoft.com/office/drawing/2014/main" xmlns="" id="{20F98B3C-495B-4D19-8AEA-15E1C2591533}"/>
-              </a:ext>
-            </a:extLst>
-          </p:cNvPr>
-          <p:cNvSpPr txBox="1"/>
-          <p:nvPr/>
-        </p:nvSpPr>
-        <p:spPr>
-          <a:xfrm>
-            <a:off x="3853" y="1552389"/>
-            <a:ext cx="8064896" cy="584775"/>
-          </a:xfrm>
-          <a:prstGeom prst="rect">
-            <a:avLst/>
-          </a:prstGeom>
-          <a:noFill/>
-        </p:spPr>
-        <p:txBody>
-          <a:bodyPr wrap="square" rtlCol="0">
-            <a:spAutoFit/>
-          </a:bodyPr>
-          <a:lstStyle/>
-          <a:p>
-            <a:r>
-              <a:rPr lang="es-CO" sz="3200" dirty="0" smtClean="0">
-                <a:solidFill>
-                  <a:srgbClr val="3366CA"/>
-                </a:solidFill>
-                <a:latin typeface="Volkswagen-Medium" pitchFamily="2" charset="0"/>
-              </a:rPr>
-              <a:t>Programación POO</a:t>
-            </a:r>
-            <a:endParaRPr lang="es-CO" sz="3200" dirty="0">
-              <a:solidFill>
-                <a:srgbClr val="3366CA"/>
-              </a:solidFill>
-              <a:latin typeface="Volkswagen-Medium" pitchFamily="2" charset="0"/>
-            </a:endParaRPr>
-          </a:p>
-        </p:txBody>
-      </p:sp>
-      <p:sp>
-        <p:nvSpPr>
-          <p:cNvPr id="2" name="CuadroTexto 1"/>
-          <p:cNvSpPr txBox="1"/>
-          <p:nvPr/>
-        </p:nvSpPr>
-        <p:spPr>
-          <a:xfrm>
-            <a:off x="254001" y="2221953"/>
-            <a:ext cx="6222999" cy="3416320"/>
-          </a:xfrm>
-          <a:prstGeom prst="rect">
-            <a:avLst/>
-          </a:prstGeom>
-          <a:noFill/>
-        </p:spPr>
-        <p:txBody>
-          <a:bodyPr wrap="square" rtlCol="0">
-            <a:spAutoFit/>
-          </a:bodyPr>
-          <a:lstStyle/>
-          <a:p>
-            <a:pPr algn="just"/>
-            <a:r>
-              <a:rPr lang="es-ES" dirty="0"/>
-              <a:t/>
-            </a:r>
-            <a:br>
-              <a:rPr lang="es-ES" dirty="0"/>
-            </a:br>
-            <a:r>
-              <a:rPr lang="es-ES" dirty="0"/>
-              <a:t>Realiza un programa que muestre un menú para seleccionar entre </a:t>
-            </a:r>
-            <a:r>
-              <a:rPr lang="es-ES" dirty="0" smtClean="0"/>
-              <a:t>4 </a:t>
-            </a:r>
-            <a:r>
-              <a:rPr lang="es-ES" dirty="0"/>
-              <a:t>fi-guras geométricas, triangulo, </a:t>
-            </a:r>
-            <a:r>
-              <a:rPr lang="es-ES" dirty="0" smtClean="0"/>
-              <a:t>cuadrado, rectángulo </a:t>
-            </a:r>
-            <a:r>
-              <a:rPr lang="es-ES" dirty="0"/>
-              <a:t>y círculo. Debemos </a:t>
-            </a:r>
-            <a:r>
-              <a:rPr lang="es-ES" dirty="0" err="1"/>
-              <a:t>implemen-tar</a:t>
-            </a:r>
-            <a:r>
-              <a:rPr lang="es-ES" dirty="0"/>
-              <a:t> </a:t>
-            </a:r>
-            <a:r>
-              <a:rPr lang="es-ES" dirty="0" smtClean="0"/>
-              <a:t>el diagrama de clases correspondiente al problema </a:t>
-            </a:r>
-            <a:r>
-              <a:rPr lang="es-ES" dirty="0"/>
-              <a:t>de manera que contenga sus dimensiones y a través de dos métodos calcular </a:t>
-            </a:r>
-            <a:r>
-              <a:rPr lang="es-ES" dirty="0" smtClean="0"/>
-              <a:t>los métodos </a:t>
-            </a:r>
-            <a:r>
-              <a:rPr lang="es-ES" dirty="0" err="1" smtClean="0"/>
-              <a:t>comúnes</a:t>
-            </a:r>
-            <a:r>
-              <a:rPr lang="es-ES" dirty="0" smtClean="0"/>
-              <a:t> a las respectivas figuras (área </a:t>
-            </a:r>
-            <a:r>
-              <a:rPr lang="es-ES" dirty="0"/>
-              <a:t>y </a:t>
-            </a:r>
-            <a:r>
-              <a:rPr lang="es-ES" dirty="0" smtClean="0"/>
-              <a:t>perímetro). </a:t>
-            </a:r>
-          </a:p>
-          <a:p>
-            <a:pPr algn="just"/>
-            <a:endParaRPr lang="es-ES" dirty="0"/>
-          </a:p>
-          <a:p>
-            <a:pPr algn="just"/>
-            <a:r>
-              <a:rPr lang="es-ES" dirty="0" smtClean="0"/>
-              <a:t>Cuando </a:t>
-            </a:r>
-            <a:r>
-              <a:rPr lang="es-ES" dirty="0"/>
-              <a:t>seleccionemos una de </a:t>
-            </a:r>
-            <a:r>
-              <a:rPr lang="es-ES" dirty="0" smtClean="0"/>
-              <a:t>las opciones de estas </a:t>
-            </a:r>
-            <a:r>
-              <a:rPr lang="es-ES" dirty="0"/>
-              <a:t>figuras en el menú nos pedirá sus atributos por teclado y deberá mostrar su área y perímetro. El programa no se deberá acabar hasta que se elija la opción salir.</a:t>
-            </a:r>
-            <a:endParaRPr lang="es-CO" dirty="0"/>
-          </a:p>
-        </p:txBody>
-      </p:sp>
-      <p:pic>
-        <p:nvPicPr>
-          <p:cNvPr id="37" name="Imagen 36"/>
-          <p:cNvPicPr>
-            <a:picLocks noChangeAspect="1" noChangeArrowheads="1"/>
-          </p:cNvPicPr>
-          <p:nvPr/>
-        </p:nvPicPr>
-        <p:blipFill>
-          <a:blip r:embed="rId3">
-            <a:extLst>
-              <a:ext uri="{28A0092B-C50C-407E-A947-70E740481C1C}">
-                <a14:useLocalDpi xmlns:a14="http://schemas.microsoft.com/office/drawing/2010/main" val="0"/>
-              </a:ext>
-            </a:extLst>
-          </a:blip>
-          <a:srcRect/>
-          <a:stretch>
-            <a:fillRect/>
-          </a:stretch>
-        </p:blipFill>
-        <p:spPr bwMode="auto">
-          <a:xfrm>
-            <a:off x="8068749" y="2221953"/>
-            <a:ext cx="1562100" cy="4029075"/>
-          </a:xfrm>
-          <a:prstGeom prst="rect">
-            <a:avLst/>
-          </a:prstGeom>
-          <a:noFill/>
-          <a:extLst>
-            <a:ext uri="{909E8E84-426E-40DD-AFC4-6F175D3DCCD1}">
-              <a14:hiddenFill xmlns:a14="http://schemas.microsoft.com/office/drawing/2010/main">
-                <a:solidFill>
-                  <a:srgbClr val="FFFFFF"/>
-                </a:solidFill>
-              </a14:hiddenFill>
-            </a:ext>
-          </a:extLst>
-        </p:spPr>
-      </p:pic>
-    </p:spTree>
-    <p:extLst>
-      <p:ext uri="{BB962C8B-B14F-4D97-AF65-F5344CB8AC3E}">
-        <p14:creationId xmlns:p14="http://schemas.microsoft.com/office/powerpoint/2010/main" val="2405669104"/>
-      </p:ext>
-    </p:extLst>
-  </p:cSld>
-  <p:clrMapOvr>
-    <a:masterClrMapping/>
-  </p:clrMapOvr>
-  <p:timing>
-    <p:tnLst>
-      <p:par>
-        <p:cTn id="1" dur="indefinite" restart="never" nodeType="tmRoot"/>
-      </p:par>
-    </p:tnLst>
-  </p:timing>
-</p:sld>
-</file>
-
-<file path=ppt/slides/slide3.xml><?xml version="1.0" encoding="utf-8"?>
-<p:sld xmlns:a="http://schemas.openxmlformats.org/drawingml/2006/main" xmlns:r="http://schemas.openxmlformats.org/officeDocument/2006/relationships" xmlns:p="http://schemas.openxmlformats.org/presentationml/2006/main">
-  <p:cSld>
-    <p:spTree>
-      <p:nvGrpSpPr>
-        <p:cNvPr id="1" name=""/>
-        <p:cNvGrpSpPr/>
-        <p:nvPr/>
-      </p:nvGrpSpPr>
-      <p:grpSpPr>
-        <a:xfrm>
-          <a:off x="0" y="0"/>
-          <a:ext cx="0" cy="0"/>
-          <a:chOff x="0" y="0"/>
-          <a:chExt cx="0" cy="0"/>
-        </a:xfrm>
-      </p:grpSpPr>
-      <p:sp>
-        <p:nvSpPr>
-          <p:cNvPr id="3" name="Título 1">
-            <a:extLst>
-              <a:ext uri="{FF2B5EF4-FFF2-40B4-BE49-F238E27FC236}">
-                <a16:creationId xmlns:a16="http://schemas.microsoft.com/office/drawing/2014/main" xmlns="" id="{C74FDE85-A811-49B8-BCA5-144B3BF9178F}"/>
-              </a:ext>
-            </a:extLst>
-          </p:cNvPr>
-          <p:cNvSpPr txBox="1">
-            <a:spLocks/>
-          </p:cNvSpPr>
-          <p:nvPr/>
-        </p:nvSpPr>
-        <p:spPr>
-          <a:xfrm>
-            <a:off x="3453715" y="0"/>
-            <a:ext cx="5768343" cy="674703"/>
-          </a:xfrm>
-          <a:prstGeom prst="rect">
-            <a:avLst/>
-          </a:prstGeom>
-        </p:spPr>
-        <p:txBody>
-          <a:bodyPr vert="horz" lIns="91440" tIns="45720" rIns="91440" bIns="45720" rtlCol="0" anchor="ctr">
-            <a:normAutofit fontScale="37500" lnSpcReduction="20000"/>
-          </a:bodyPr>
-          <a:lstStyle>
-            <a:lvl1pPr algn="l" defTabSz="914400" rtl="0" eaLnBrk="1" latinLnBrk="0" hangingPunct="1">
-              <a:lnSpc>
-                <a:spcPct val="90000"/>
-              </a:lnSpc>
-              <a:spcBef>
-                <a:spcPct val="0"/>
-              </a:spcBef>
-              <a:buNone/>
-              <a:defRPr sz="4400" kern="1200">
-                <a:solidFill>
-                  <a:schemeClr val="tx1"/>
-                </a:solidFill>
-                <a:latin typeface="+mj-lt"/>
-                <a:ea typeface="+mj-ea"/>
-                <a:cs typeface="+mj-cs"/>
-              </a:defRPr>
-            </a:lvl1pPr>
-          </a:lstStyle>
-          <a:p>
-            <a:pPr algn="ctr"/>
-            <a:r>
-              <a:rPr lang="es-CO" b="1" dirty="0" smtClean="0">
-                <a:solidFill>
-                  <a:schemeClr val="bg1"/>
-                </a:solidFill>
-              </a:rPr>
-              <a:t>ANÁLISIS Y DISEÑO DEL </a:t>
-            </a:r>
-            <a:r>
-              <a:rPr lang="es-CO" b="1" dirty="0" smtClean="0">
-                <a:solidFill>
-                  <a:schemeClr val="bg1"/>
-                </a:solidFill>
-              </a:rPr>
-              <a:t>PROBLEMA</a:t>
-            </a:r>
-          </a:p>
-          <a:p>
-            <a:pPr algn="ctr"/>
-            <a:r>
-              <a:rPr lang="es-CO" b="1" dirty="0" smtClean="0">
-                <a:solidFill>
-                  <a:schemeClr val="bg1"/>
-                </a:solidFill>
-                <a:latin typeface="Calabri"/>
-              </a:rPr>
-              <a:t>Detectar Entidades(Clases), Atributos, Métodos</a:t>
-            </a:r>
-            <a:endParaRPr lang="es-CO" b="1" dirty="0">
-              <a:solidFill>
-                <a:schemeClr val="bg1"/>
-              </a:solidFill>
-              <a:latin typeface="Calabri"/>
-            </a:endParaRPr>
-          </a:p>
-        </p:txBody>
-      </p:sp>
-      <p:pic>
-        <p:nvPicPr>
-          <p:cNvPr id="34" name="Imagen 33"/>
-          <p:cNvPicPr>
-            <a:picLocks noChangeAspect="1"/>
-          </p:cNvPicPr>
-          <p:nvPr/>
-        </p:nvPicPr>
-        <p:blipFill>
-          <a:blip r:embed="rId2"/>
-          <a:stretch>
-            <a:fillRect/>
-          </a:stretch>
-        </p:blipFill>
-        <p:spPr>
-          <a:xfrm>
-            <a:off x="907861" y="789561"/>
-            <a:ext cx="10395139" cy="6068439"/>
-          </a:xfrm>
-          <a:prstGeom prst="rect">
-            <a:avLst/>
-          </a:prstGeom>
-        </p:spPr>
-      </p:pic>
-    </p:spTree>
-    <p:extLst>
-      <p:ext uri="{BB962C8B-B14F-4D97-AF65-F5344CB8AC3E}">
-        <p14:creationId xmlns:p14="http://schemas.microsoft.com/office/powerpoint/2010/main" val="2371564781"/>
-      </p:ext>
-    </p:extLst>
-  </p:cSld>
-  <p:clrMapOvr>
-    <a:masterClrMapping/>
-  </p:clrMapOvr>
-  <p:transition spd="slow">
-    <p:wipe/>
-  </p:transition>
-  <p:timing>
-    <p:tnLst>
-      <p:par>
-        <p:cTn id="1" dur="indefinite" restart="never" nodeType="tmRoot"/>
-      </p:par>
-    </p:tnLst>
-  </p:timing>
-</p:sld>
-</file>
-
-<file path=ppt/slides/slide4.xml><?xml version="1.0" encoding="utf-8"?>
-<p:sld xmlns:a="http://schemas.openxmlformats.org/drawingml/2006/main" xmlns:r="http://schemas.openxmlformats.org/officeDocument/2006/relationships" xmlns:p="http://schemas.openxmlformats.org/presentationml/2006/main">
-  <p:cSld>
-    <p:spTree>
-      <p:nvGrpSpPr>
-        <p:cNvPr id="1" name=""/>
-        <p:cNvGrpSpPr/>
-        <p:nvPr/>
-      </p:nvGrpSpPr>
-      <p:grpSpPr>
-        <a:xfrm>
-          <a:off x="0" y="0"/>
-          <a:ext cx="0" cy="0"/>
-          <a:chOff x="0" y="0"/>
-          <a:chExt cx="0" cy="0"/>
-        </a:xfrm>
-      </p:grpSpPr>
-      <p:sp>
-        <p:nvSpPr>
-          <p:cNvPr id="3" name="Título 1">
-            <a:extLst>
-              <a:ext uri="{FF2B5EF4-FFF2-40B4-BE49-F238E27FC236}">
-                <a16:creationId xmlns:a16="http://schemas.microsoft.com/office/drawing/2014/main" xmlns="" id="{C74FDE85-A811-49B8-BCA5-144B3BF9178F}"/>
-              </a:ext>
-            </a:extLst>
-          </p:cNvPr>
-          <p:cNvSpPr txBox="1">
-            <a:spLocks/>
-          </p:cNvSpPr>
-          <p:nvPr/>
-        </p:nvSpPr>
-        <p:spPr>
-          <a:xfrm>
-            <a:off x="3453715" y="0"/>
-            <a:ext cx="5768343" cy="674703"/>
-          </a:xfrm>
-          <a:prstGeom prst="rect">
-            <a:avLst/>
-          </a:prstGeom>
-        </p:spPr>
-        <p:txBody>
-          <a:bodyPr vert="horz" lIns="91440" tIns="45720" rIns="91440" bIns="45720" rtlCol="0" anchor="ctr">
-            <a:normAutofit fontScale="67500" lnSpcReduction="20000"/>
-          </a:bodyPr>
-          <a:lstStyle>
-            <a:lvl1pPr algn="l" defTabSz="914400" rtl="0" eaLnBrk="1" latinLnBrk="0" hangingPunct="1">
-              <a:lnSpc>
-                <a:spcPct val="90000"/>
-              </a:lnSpc>
-              <a:spcBef>
-                <a:spcPct val="0"/>
-              </a:spcBef>
-              <a:buNone/>
-              <a:defRPr sz="4400" kern="1200">
-                <a:solidFill>
-                  <a:schemeClr val="tx1"/>
-                </a:solidFill>
-                <a:latin typeface="+mj-lt"/>
-                <a:ea typeface="+mj-ea"/>
-                <a:cs typeface="+mj-cs"/>
-              </a:defRPr>
-            </a:lvl1pPr>
-          </a:lstStyle>
-          <a:p>
-            <a:pPr algn="ctr"/>
-            <a:r>
-              <a:rPr lang="es-CO" b="1" dirty="0" smtClean="0">
-                <a:solidFill>
-                  <a:schemeClr val="bg1"/>
-                </a:solidFill>
-              </a:rPr>
-              <a:t>DIAGRAMA DE CLASES - STARTUML</a:t>
-            </a:r>
-            <a:endParaRPr lang="es-CO" b="1" dirty="0">
-              <a:solidFill>
-                <a:schemeClr val="bg1"/>
-              </a:solidFill>
-              <a:latin typeface="Calabri"/>
-            </a:endParaRPr>
-          </a:p>
-        </p:txBody>
-      </p:sp>
-      <p:pic>
-        <p:nvPicPr>
-          <p:cNvPr id="2" name="Imagen 1"/>
-          <p:cNvPicPr>
-            <a:picLocks noChangeAspect="1"/>
-          </p:cNvPicPr>
-          <p:nvPr/>
-        </p:nvPicPr>
-        <p:blipFill>
-          <a:blip r:embed="rId2"/>
-          <a:stretch>
-            <a:fillRect/>
-          </a:stretch>
-        </p:blipFill>
-        <p:spPr>
-          <a:xfrm>
-            <a:off x="1298830" y="1535112"/>
-            <a:ext cx="9346945" cy="5322888"/>
-          </a:xfrm>
-          <a:prstGeom prst="rect">
-            <a:avLst/>
-          </a:prstGeom>
-        </p:spPr>
-      </p:pic>
-    </p:spTree>
-    <p:extLst>
-      <p:ext uri="{BB962C8B-B14F-4D97-AF65-F5344CB8AC3E}">
-        <p14:creationId xmlns:p14="http://schemas.microsoft.com/office/powerpoint/2010/main" val="2422995129"/>
-      </p:ext>
-    </p:extLst>
-  </p:cSld>
-  <p:clrMapOvr>
-    <a:masterClrMapping/>
-  </p:clrMapOvr>
-  <p:transition spd="slow">
-    <p:wipe/>
-  </p:transition>
-  <p:timing>
-    <p:tnLst>
-      <p:par>
-        <p:cTn id="1" dur="indefinite" restart="never" nodeType="tmRoot"/>
-      </p:par>
-    </p:tnLst>
-  </p:timing>
-</p:sld>
-</file>
-
-<file path=ppt/slides/slide5.xml><?xml version="1.0" encoding="utf-8"?>
-<p:sld xmlns:a="http://schemas.openxmlformats.org/drawingml/2006/main" xmlns:r="http://schemas.openxmlformats.org/officeDocument/2006/relationships" xmlns:p="http://schemas.openxmlformats.org/presentationml/2006/main">
-  <p:cSld>
-    <p:spTree>
-      <p:nvGrpSpPr>
-        <p:cNvPr id="1" name=""/>
-        <p:cNvGrpSpPr/>
-        <p:nvPr/>
-      </p:nvGrpSpPr>
-      <p:grpSpPr>
-        <a:xfrm>
-          <a:off x="0" y="0"/>
-          <a:ext cx="0" cy="0"/>
-          <a:chOff x="0" y="0"/>
-          <a:chExt cx="0" cy="0"/>
-        </a:xfrm>
-      </p:grpSpPr>
-      <p:sp>
-        <p:nvSpPr>
-          <p:cNvPr id="3" name="Título 1">
-            <a:extLst>
-              <a:ext uri="{FF2B5EF4-FFF2-40B4-BE49-F238E27FC236}">
-                <a16:creationId xmlns:a16="http://schemas.microsoft.com/office/drawing/2014/main" xmlns="" id="{C74FDE85-A811-49B8-BCA5-144B3BF9178F}"/>
-              </a:ext>
-            </a:extLst>
-          </p:cNvPr>
-          <p:cNvSpPr txBox="1">
-            <a:spLocks/>
-          </p:cNvSpPr>
-          <p:nvPr/>
-        </p:nvSpPr>
-        <p:spPr>
-          <a:xfrm>
-            <a:off x="3453715" y="0"/>
-            <a:ext cx="5768343" cy="674703"/>
-          </a:xfrm>
-          <a:prstGeom prst="rect">
-            <a:avLst/>
-          </a:prstGeom>
-        </p:spPr>
-        <p:txBody>
-          <a:bodyPr vert="horz" lIns="91440" tIns="45720" rIns="91440" bIns="45720" rtlCol="0" anchor="ctr">
-            <a:normAutofit fontScale="67500" lnSpcReduction="20000"/>
-          </a:bodyPr>
-          <a:lstStyle>
-            <a:lvl1pPr algn="l" defTabSz="914400" rtl="0" eaLnBrk="1" latinLnBrk="0" hangingPunct="1">
-              <a:lnSpc>
-                <a:spcPct val="90000"/>
-              </a:lnSpc>
-              <a:spcBef>
-                <a:spcPct val="0"/>
-              </a:spcBef>
-              <a:buNone/>
-              <a:defRPr sz="4400" kern="1200">
-                <a:solidFill>
-                  <a:schemeClr val="tx1"/>
-                </a:solidFill>
-                <a:latin typeface="+mj-lt"/>
-                <a:ea typeface="+mj-ea"/>
-                <a:cs typeface="+mj-cs"/>
-              </a:defRPr>
-            </a:lvl1pPr>
-          </a:lstStyle>
-          <a:p>
-            <a:pPr algn="ctr"/>
-            <a:r>
-              <a:rPr lang="es-CO" b="1" dirty="0" smtClean="0">
-                <a:solidFill>
-                  <a:schemeClr val="bg1"/>
-                </a:solidFill>
-              </a:rPr>
-              <a:t>ANÁLISIS Y DISEÑO DEL PROBLEMA</a:t>
-            </a:r>
-            <a:endParaRPr lang="es-CO" b="1" dirty="0">
-              <a:solidFill>
-                <a:schemeClr val="bg1"/>
-              </a:solidFill>
-              <a:latin typeface="Calabri"/>
-            </a:endParaRPr>
-          </a:p>
-        </p:txBody>
-      </p:sp>
-      <p:sp>
-        <p:nvSpPr>
-          <p:cNvPr id="9" name="Subtítulo 4">
-            <a:extLst>
-              <a:ext uri="{FF2B5EF4-FFF2-40B4-BE49-F238E27FC236}">
-                <a16:creationId xmlns:a16="http://schemas.microsoft.com/office/drawing/2014/main" xmlns="" id="{E55F5400-B5C3-4629-BD11-465A5083B849}"/>
-              </a:ext>
-            </a:extLst>
-          </p:cNvPr>
-          <p:cNvSpPr txBox="1">
-            <a:spLocks/>
-          </p:cNvSpPr>
-          <p:nvPr/>
-        </p:nvSpPr>
-        <p:spPr>
-          <a:xfrm>
-            <a:off x="391554" y="1582841"/>
-            <a:ext cx="2790825" cy="492443"/>
-          </a:xfrm>
-          <a:prstGeom prst="rect">
-            <a:avLst/>
-          </a:prstGeom>
-        </p:spPr>
-        <p:txBody>
-          <a:bodyPr/>
-          <a:lstStyle>
-            <a:lvl1pPr marL="228600" indent="-228600" algn="l" defTabSz="914400" rtl="0" eaLnBrk="1" latinLnBrk="0" hangingPunct="1">
-              <a:lnSpc>
-                <a:spcPct val="90000"/>
-              </a:lnSpc>
-              <a:spcBef>
-                <a:spcPts val="1000"/>
-              </a:spcBef>
-              <a:buFont typeface="Arial" panose="020B0604020202020204" pitchFamily="34" charset="0"/>
-              <a:buChar char="•"/>
-              <a:defRPr sz="2800" kern="1200">
-                <a:solidFill>
-                  <a:schemeClr val="tx1"/>
-                </a:solidFill>
-                <a:latin typeface="+mn-lt"/>
-                <a:ea typeface="+mn-ea"/>
-                <a:cs typeface="+mn-cs"/>
-              </a:defRPr>
-            </a:lvl1pPr>
-            <a:lvl2pPr marL="685800" indent="-228600" algn="l" defTabSz="914400" rtl="0" eaLnBrk="1" latinLnBrk="0" hangingPunct="1">
-              <a:lnSpc>
-                <a:spcPct val="90000"/>
-              </a:lnSpc>
-              <a:spcBef>
-                <a:spcPts val="500"/>
-              </a:spcBef>
-              <a:buFont typeface="Arial" panose="020B0604020202020204" pitchFamily="34" charset="0"/>
-              <a:buChar char="•"/>
-              <a:defRPr sz="2400" kern="1200">
-                <a:solidFill>
-                  <a:schemeClr val="tx1"/>
-                </a:solidFill>
-                <a:latin typeface="+mn-lt"/>
-                <a:ea typeface="+mn-ea"/>
-                <a:cs typeface="+mn-cs"/>
-              </a:defRPr>
-            </a:lvl2pPr>
-            <a:lvl3pPr marL="1143000" indent="-228600" algn="l" defTabSz="914400" rtl="0" eaLnBrk="1" latinLnBrk="0" hangingPunct="1">
-              <a:lnSpc>
-                <a:spcPct val="90000"/>
-              </a:lnSpc>
-              <a:spcBef>
-                <a:spcPts val="500"/>
-              </a:spcBef>
-              <a:buFont typeface="Arial" panose="020B0604020202020204" pitchFamily="34" charset="0"/>
-              <a:buChar char="•"/>
-              <a:defRPr sz="2000" kern="1200">
-                <a:solidFill>
-                  <a:schemeClr val="tx1"/>
-                </a:solidFill>
-                <a:latin typeface="+mn-lt"/>
-                <a:ea typeface="+mn-ea"/>
-                <a:cs typeface="+mn-cs"/>
-              </a:defRPr>
-            </a:lvl3pPr>
-            <a:lvl4pPr marL="1600200" indent="-228600" algn="l" defTabSz="914400" rtl="0" eaLnBrk="1" latinLnBrk="0" hangingPunct="1">
-              <a:lnSpc>
-                <a:spcPct val="90000"/>
-              </a:lnSpc>
-              <a:spcBef>
-                <a:spcPts val="500"/>
-              </a:spcBef>
-              <a:buFont typeface="Arial" panose="020B0604020202020204" pitchFamily="34" charset="0"/>
-              <a:buChar char="•"/>
-              <a:defRPr sz="1800" kern="1200">
-                <a:solidFill>
-                  <a:schemeClr val="tx1"/>
-                </a:solidFill>
-                <a:latin typeface="+mn-lt"/>
-                <a:ea typeface="+mn-ea"/>
-                <a:cs typeface="+mn-cs"/>
-              </a:defRPr>
-            </a:lvl4pPr>
-            <a:lvl5pPr marL="2057400" indent="-228600" algn="l" defTabSz="914400" rtl="0" eaLnBrk="1" latinLnBrk="0" hangingPunct="1">
-              <a:lnSpc>
-                <a:spcPct val="90000"/>
-              </a:lnSpc>
-              <a:spcBef>
-                <a:spcPts val="500"/>
-              </a:spcBef>
-              <a:buFont typeface="Arial" panose="020B0604020202020204" pitchFamily="34" charset="0"/>
-              <a:buChar char="•"/>
-              <a:defRPr sz="1800" kern="1200">
-                <a:solidFill>
-                  <a:schemeClr val="tx1"/>
-                </a:solidFill>
-                <a:latin typeface="+mn-lt"/>
-                <a:ea typeface="+mn-ea"/>
-                <a:cs typeface="+mn-cs"/>
-              </a:defRPr>
-            </a:lvl5pPr>
-            <a:lvl6pPr marL="2514600" indent="-228600" algn="l" defTabSz="914400" rtl="0" eaLnBrk="1" latinLnBrk="0" hangingPunct="1">
-              <a:lnSpc>
-                <a:spcPct val="90000"/>
-              </a:lnSpc>
-              <a:spcBef>
-                <a:spcPts val="500"/>
-              </a:spcBef>
-              <a:buFont typeface="Arial" panose="020B0604020202020204" pitchFamily="34" charset="0"/>
-              <a:buChar char="•"/>
-              <a:defRPr sz="1800" kern="1200">
-                <a:solidFill>
-                  <a:schemeClr val="tx1"/>
-                </a:solidFill>
-                <a:latin typeface="+mn-lt"/>
-                <a:ea typeface="+mn-ea"/>
-                <a:cs typeface="+mn-cs"/>
-              </a:defRPr>
-            </a:lvl6pPr>
-            <a:lvl7pPr marL="2971800" indent="-228600" algn="l" defTabSz="914400" rtl="0" eaLnBrk="1" latinLnBrk="0" hangingPunct="1">
-              <a:lnSpc>
-                <a:spcPct val="90000"/>
-              </a:lnSpc>
-              <a:spcBef>
-                <a:spcPts val="500"/>
-              </a:spcBef>
-              <a:buFont typeface="Arial" panose="020B0604020202020204" pitchFamily="34" charset="0"/>
-              <a:buChar char="•"/>
-              <a:defRPr sz="1800" kern="1200">
-                <a:solidFill>
-                  <a:schemeClr val="tx1"/>
-                </a:solidFill>
-                <a:latin typeface="+mn-lt"/>
-                <a:ea typeface="+mn-ea"/>
-                <a:cs typeface="+mn-cs"/>
-              </a:defRPr>
-            </a:lvl7pPr>
-            <a:lvl8pPr marL="3429000" indent="-228600" algn="l" defTabSz="914400" rtl="0" eaLnBrk="1" latinLnBrk="0" hangingPunct="1">
-              <a:lnSpc>
-                <a:spcPct val="90000"/>
-              </a:lnSpc>
-              <a:spcBef>
-                <a:spcPts val="500"/>
-              </a:spcBef>
-              <a:buFont typeface="Arial" panose="020B0604020202020204" pitchFamily="34" charset="0"/>
-              <a:buChar char="•"/>
-              <a:defRPr sz="1800" kern="1200">
-                <a:solidFill>
-                  <a:schemeClr val="tx1"/>
-                </a:solidFill>
-                <a:latin typeface="+mn-lt"/>
-                <a:ea typeface="+mn-ea"/>
-                <a:cs typeface="+mn-cs"/>
-              </a:defRPr>
-            </a:lvl8pPr>
-            <a:lvl9pPr marL="3886200" indent="-228600" algn="l" defTabSz="914400" rtl="0" eaLnBrk="1" latinLnBrk="0" hangingPunct="1">
-              <a:lnSpc>
-                <a:spcPct val="90000"/>
-              </a:lnSpc>
-              <a:spcBef>
-                <a:spcPts val="500"/>
-              </a:spcBef>
-              <a:buFont typeface="Arial" panose="020B0604020202020204" pitchFamily="34" charset="0"/>
-              <a:buChar char="•"/>
-              <a:defRPr sz="1800" kern="1200">
-                <a:solidFill>
-                  <a:schemeClr val="tx1"/>
-                </a:solidFill>
-                <a:latin typeface="+mn-lt"/>
-                <a:ea typeface="+mn-ea"/>
-                <a:cs typeface="+mn-cs"/>
-              </a:defRPr>
-            </a:lvl9pPr>
-          </a:lstStyle>
-          <a:p>
-            <a:pPr marL="0" indent="0">
-              <a:buNone/>
-            </a:pPr>
-            <a:r>
-              <a:rPr lang="es-MX" sz="3200" dirty="0" smtClean="0"/>
-              <a:t>Mundo Real</a:t>
-            </a:r>
-            <a:endParaRPr lang="es-CO" sz="3200" dirty="0"/>
-          </a:p>
-        </p:txBody>
-      </p:sp>
-      <p:sp>
-        <p:nvSpPr>
-          <p:cNvPr id="10" name="Subtítulo 4">
-            <a:extLst>
-              <a:ext uri="{FF2B5EF4-FFF2-40B4-BE49-F238E27FC236}">
-                <a16:creationId xmlns:a16="http://schemas.microsoft.com/office/drawing/2014/main" xmlns="" id="{E55F5400-B5C3-4629-BD11-465A5083B849}"/>
-              </a:ext>
-            </a:extLst>
-          </p:cNvPr>
-          <p:cNvSpPr txBox="1">
-            <a:spLocks/>
-          </p:cNvSpPr>
-          <p:nvPr/>
-        </p:nvSpPr>
-        <p:spPr>
-          <a:xfrm>
-            <a:off x="4540106" y="1625365"/>
-            <a:ext cx="1925935" cy="492443"/>
-          </a:xfrm>
-          <a:prstGeom prst="rect">
-            <a:avLst/>
-          </a:prstGeom>
-        </p:spPr>
-        <p:txBody>
-          <a:bodyPr/>
-          <a:lstStyle>
-            <a:lvl1pPr marL="228600" indent="-228600" algn="l" defTabSz="914400" rtl="0" eaLnBrk="1" latinLnBrk="0" hangingPunct="1">
-              <a:lnSpc>
-                <a:spcPct val="90000"/>
-              </a:lnSpc>
-              <a:spcBef>
-                <a:spcPts val="1000"/>
-              </a:spcBef>
-              <a:buFont typeface="Arial" panose="020B0604020202020204" pitchFamily="34" charset="0"/>
-              <a:buChar char="•"/>
-              <a:defRPr sz="2800" kern="1200">
-                <a:solidFill>
-                  <a:schemeClr val="tx1"/>
-                </a:solidFill>
-                <a:latin typeface="+mn-lt"/>
-                <a:ea typeface="+mn-ea"/>
-                <a:cs typeface="+mn-cs"/>
-              </a:defRPr>
-            </a:lvl1pPr>
-            <a:lvl2pPr marL="685800" indent="-228600" algn="l" defTabSz="914400" rtl="0" eaLnBrk="1" latinLnBrk="0" hangingPunct="1">
-              <a:lnSpc>
-                <a:spcPct val="90000"/>
-              </a:lnSpc>
-              <a:spcBef>
-                <a:spcPts val="500"/>
-              </a:spcBef>
-              <a:buFont typeface="Arial" panose="020B0604020202020204" pitchFamily="34" charset="0"/>
-              <a:buChar char="•"/>
-              <a:defRPr sz="2400" kern="1200">
-                <a:solidFill>
-                  <a:schemeClr val="tx1"/>
-                </a:solidFill>
-                <a:latin typeface="+mn-lt"/>
-                <a:ea typeface="+mn-ea"/>
-                <a:cs typeface="+mn-cs"/>
-              </a:defRPr>
-            </a:lvl2pPr>
-            <a:lvl3pPr marL="1143000" indent="-228600" algn="l" defTabSz="914400" rtl="0" eaLnBrk="1" latinLnBrk="0" hangingPunct="1">
-              <a:lnSpc>
-                <a:spcPct val="90000"/>
-              </a:lnSpc>
-              <a:spcBef>
-                <a:spcPts val="500"/>
-              </a:spcBef>
-              <a:buFont typeface="Arial" panose="020B0604020202020204" pitchFamily="34" charset="0"/>
-              <a:buChar char="•"/>
-              <a:defRPr sz="2000" kern="1200">
-                <a:solidFill>
-                  <a:schemeClr val="tx1"/>
-                </a:solidFill>
-                <a:latin typeface="+mn-lt"/>
-                <a:ea typeface="+mn-ea"/>
-                <a:cs typeface="+mn-cs"/>
-              </a:defRPr>
-            </a:lvl3pPr>
-            <a:lvl4pPr marL="1600200" indent="-228600" algn="l" defTabSz="914400" rtl="0" eaLnBrk="1" latinLnBrk="0" hangingPunct="1">
-              <a:lnSpc>
-                <a:spcPct val="90000"/>
-              </a:lnSpc>
-              <a:spcBef>
-                <a:spcPts val="500"/>
-              </a:spcBef>
-              <a:buFont typeface="Arial" panose="020B0604020202020204" pitchFamily="34" charset="0"/>
-              <a:buChar char="•"/>
-              <a:defRPr sz="1800" kern="1200">
-                <a:solidFill>
-                  <a:schemeClr val="tx1"/>
-                </a:solidFill>
-                <a:latin typeface="+mn-lt"/>
-                <a:ea typeface="+mn-ea"/>
-                <a:cs typeface="+mn-cs"/>
-              </a:defRPr>
-            </a:lvl4pPr>
-            <a:lvl5pPr marL="2057400" indent="-228600" algn="l" defTabSz="914400" rtl="0" eaLnBrk="1" latinLnBrk="0" hangingPunct="1">
-              <a:lnSpc>
-                <a:spcPct val="90000"/>
-              </a:lnSpc>
-              <a:spcBef>
-                <a:spcPts val="500"/>
-              </a:spcBef>
-              <a:buFont typeface="Arial" panose="020B0604020202020204" pitchFamily="34" charset="0"/>
-              <a:buChar char="•"/>
-              <a:defRPr sz="1800" kern="1200">
-                <a:solidFill>
-                  <a:schemeClr val="tx1"/>
-                </a:solidFill>
-                <a:latin typeface="+mn-lt"/>
-                <a:ea typeface="+mn-ea"/>
-                <a:cs typeface="+mn-cs"/>
-              </a:defRPr>
-            </a:lvl5pPr>
-            <a:lvl6pPr marL="2514600" indent="-228600" algn="l" defTabSz="914400" rtl="0" eaLnBrk="1" latinLnBrk="0" hangingPunct="1">
-              <a:lnSpc>
-                <a:spcPct val="90000"/>
-              </a:lnSpc>
-              <a:spcBef>
-                <a:spcPts val="500"/>
-              </a:spcBef>
-              <a:buFont typeface="Arial" panose="020B0604020202020204" pitchFamily="34" charset="0"/>
-              <a:buChar char="•"/>
-              <a:defRPr sz="1800" kern="1200">
-                <a:solidFill>
-                  <a:schemeClr val="tx1"/>
-                </a:solidFill>
-                <a:latin typeface="+mn-lt"/>
-                <a:ea typeface="+mn-ea"/>
-                <a:cs typeface="+mn-cs"/>
-              </a:defRPr>
-            </a:lvl6pPr>
-            <a:lvl7pPr marL="2971800" indent="-228600" algn="l" defTabSz="914400" rtl="0" eaLnBrk="1" latinLnBrk="0" hangingPunct="1">
-              <a:lnSpc>
-                <a:spcPct val="90000"/>
-              </a:lnSpc>
-              <a:spcBef>
-                <a:spcPts val="500"/>
-              </a:spcBef>
-              <a:buFont typeface="Arial" panose="020B0604020202020204" pitchFamily="34" charset="0"/>
-              <a:buChar char="•"/>
-              <a:defRPr sz="1800" kern="1200">
-                <a:solidFill>
-                  <a:schemeClr val="tx1"/>
-                </a:solidFill>
-                <a:latin typeface="+mn-lt"/>
-                <a:ea typeface="+mn-ea"/>
-                <a:cs typeface="+mn-cs"/>
-              </a:defRPr>
-            </a:lvl7pPr>
-            <a:lvl8pPr marL="3429000" indent="-228600" algn="l" defTabSz="914400" rtl="0" eaLnBrk="1" latinLnBrk="0" hangingPunct="1">
-              <a:lnSpc>
-                <a:spcPct val="90000"/>
-              </a:lnSpc>
-              <a:spcBef>
-                <a:spcPts val="500"/>
-              </a:spcBef>
-              <a:buFont typeface="Arial" panose="020B0604020202020204" pitchFamily="34" charset="0"/>
-              <a:buChar char="•"/>
-              <a:defRPr sz="1800" kern="1200">
-                <a:solidFill>
-                  <a:schemeClr val="tx1"/>
-                </a:solidFill>
-                <a:latin typeface="+mn-lt"/>
-                <a:ea typeface="+mn-ea"/>
-                <a:cs typeface="+mn-cs"/>
-              </a:defRPr>
-            </a:lvl8pPr>
-            <a:lvl9pPr marL="3886200" indent="-228600" algn="l" defTabSz="914400" rtl="0" eaLnBrk="1" latinLnBrk="0" hangingPunct="1">
-              <a:lnSpc>
-                <a:spcPct val="90000"/>
-              </a:lnSpc>
-              <a:spcBef>
-                <a:spcPts val="500"/>
-              </a:spcBef>
-              <a:buFont typeface="Arial" panose="020B0604020202020204" pitchFamily="34" charset="0"/>
-              <a:buChar char="•"/>
-              <a:defRPr sz="1800" kern="1200">
-                <a:solidFill>
-                  <a:schemeClr val="tx1"/>
-                </a:solidFill>
-                <a:latin typeface="+mn-lt"/>
-                <a:ea typeface="+mn-ea"/>
-                <a:cs typeface="+mn-cs"/>
-              </a:defRPr>
-            </a:lvl9pPr>
-          </a:lstStyle>
-          <a:p>
-            <a:pPr marL="0" indent="0">
-              <a:buNone/>
-            </a:pPr>
-            <a:r>
-              <a:rPr lang="es-MX" sz="3200" dirty="0" smtClean="0"/>
-              <a:t>Diagrama </a:t>
-            </a:r>
-          </a:p>
-          <a:p>
-            <a:pPr marL="0" indent="0">
-              <a:buNone/>
-            </a:pPr>
-            <a:r>
-              <a:rPr lang="es-MX" sz="3200" dirty="0" smtClean="0"/>
-              <a:t>De Clases</a:t>
-            </a:r>
-            <a:endParaRPr lang="es-CO" sz="3200" dirty="0"/>
-          </a:p>
-        </p:txBody>
-      </p:sp>
-      <p:sp>
-        <p:nvSpPr>
-          <p:cNvPr id="6" name="Rectángulo redondeado 5"/>
-          <p:cNvSpPr/>
-          <p:nvPr/>
-        </p:nvSpPr>
-        <p:spPr>
-          <a:xfrm>
-            <a:off x="5056012" y="4384554"/>
-            <a:ext cx="1351722" cy="1378226"/>
-          </a:xfrm>
-          <a:prstGeom prst="roundRect">
-            <a:avLst/>
-          </a:prstGeom>
-          <a:solidFill>
-            <a:schemeClr val="bg1">
-              <a:lumMod val="85000"/>
-            </a:schemeClr>
-          </a:solidFill>
-        </p:spPr>
-        <p:style>
-          <a:lnRef idx="2">
-            <a:schemeClr val="dk1"/>
-          </a:lnRef>
-          <a:fillRef idx="1">
-            <a:schemeClr val="lt1"/>
-          </a:fillRef>
-          <a:effectRef idx="0">
-            <a:schemeClr val="dk1"/>
-          </a:effectRef>
-          <a:fontRef idx="minor">
-            <a:schemeClr val="dk1"/>
-          </a:fontRef>
-        </p:style>
-        <p:txBody>
-          <a:bodyPr rtlCol="0" anchor="ctr"/>
-          <a:lstStyle/>
-          <a:p>
-            <a:pPr algn="ctr"/>
-            <a:r>
-              <a:rPr lang="es-CO" dirty="0" smtClean="0">
-                <a:solidFill>
-                  <a:schemeClr val="tx1"/>
-                </a:solidFill>
-              </a:rPr>
-              <a:t>(</a:t>
-            </a:r>
-            <a:r>
-              <a:rPr lang="es-CO" dirty="0" err="1" smtClean="0">
-                <a:solidFill>
-                  <a:schemeClr val="tx1"/>
-                </a:solidFill>
-              </a:rPr>
-              <a:t>Dog</a:t>
-            </a:r>
-            <a:r>
-              <a:rPr lang="es-CO" dirty="0" smtClean="0">
-                <a:solidFill>
-                  <a:schemeClr val="tx1"/>
-                </a:solidFill>
-              </a:rPr>
-              <a:t>)</a:t>
-            </a:r>
-          </a:p>
-          <a:p>
-            <a:pPr algn="ctr"/>
-            <a:r>
-              <a:rPr lang="es-CO" dirty="0" smtClean="0">
-                <a:solidFill>
-                  <a:schemeClr val="tx1"/>
-                </a:solidFill>
-              </a:rPr>
-              <a:t>Tony</a:t>
-            </a:r>
-          </a:p>
-          <a:p>
-            <a:pPr algn="ctr"/>
-            <a:r>
-              <a:rPr lang="es-CO" dirty="0" err="1" smtClean="0">
-                <a:solidFill>
-                  <a:schemeClr val="tx1"/>
-                </a:solidFill>
-              </a:rPr>
-              <a:t>Gloden</a:t>
-            </a:r>
-            <a:endParaRPr lang="es-CO" dirty="0" smtClean="0">
-              <a:solidFill>
-                <a:schemeClr val="tx1"/>
-              </a:solidFill>
-            </a:endParaRPr>
-          </a:p>
-          <a:p>
-            <a:pPr algn="ctr"/>
-            <a:r>
-              <a:rPr lang="es-CO" dirty="0" smtClean="0">
-                <a:solidFill>
-                  <a:schemeClr val="tx1"/>
-                </a:solidFill>
-              </a:rPr>
-              <a:t>20 kg</a:t>
-            </a:r>
-            <a:endParaRPr lang="es-CO" dirty="0">
-              <a:solidFill>
-                <a:schemeClr val="tx1"/>
-              </a:solidFill>
-            </a:endParaRPr>
-          </a:p>
-          <a:p>
-            <a:pPr algn="ctr"/>
-            <a:endParaRPr lang="es-CO" dirty="0">
-              <a:solidFill>
-                <a:schemeClr val="tx1"/>
-              </a:solidFill>
-            </a:endParaRPr>
-          </a:p>
-        </p:txBody>
-      </p:sp>
-      <p:sp>
-        <p:nvSpPr>
-          <p:cNvPr id="13" name="Rectángulo redondeado 12"/>
-          <p:cNvSpPr/>
-          <p:nvPr/>
-        </p:nvSpPr>
-        <p:spPr>
-          <a:xfrm>
-            <a:off x="6561684" y="4384554"/>
-            <a:ext cx="1727858" cy="1378226"/>
-          </a:xfrm>
-          <a:prstGeom prst="roundRect">
-            <a:avLst/>
-          </a:prstGeom>
-          <a:solidFill>
-            <a:schemeClr val="bg1">
-              <a:lumMod val="85000"/>
-            </a:schemeClr>
-          </a:solidFill>
-        </p:spPr>
-        <p:style>
-          <a:lnRef idx="2">
-            <a:schemeClr val="dk1"/>
-          </a:lnRef>
-          <a:fillRef idx="1">
-            <a:schemeClr val="lt1"/>
-          </a:fillRef>
-          <a:effectRef idx="0">
-            <a:schemeClr val="dk1"/>
-          </a:effectRef>
-          <a:fontRef idx="minor">
-            <a:schemeClr val="dk1"/>
-          </a:fontRef>
-        </p:style>
-        <p:txBody>
-          <a:bodyPr rtlCol="0" anchor="ctr"/>
-          <a:lstStyle/>
-          <a:p>
-            <a:pPr algn="ctr"/>
-            <a:r>
-              <a:rPr lang="es-CO" dirty="0" smtClean="0">
-                <a:solidFill>
-                  <a:schemeClr val="tx1"/>
-                </a:solidFill>
-              </a:rPr>
-              <a:t>(</a:t>
-            </a:r>
-            <a:r>
-              <a:rPr lang="es-CO" dirty="0" err="1" smtClean="0">
-                <a:solidFill>
-                  <a:schemeClr val="tx1"/>
-                </a:solidFill>
-              </a:rPr>
-              <a:t>Cat</a:t>
-            </a:r>
-            <a:r>
-              <a:rPr lang="es-CO" dirty="0" smtClean="0">
-                <a:solidFill>
-                  <a:schemeClr val="tx1"/>
-                </a:solidFill>
-              </a:rPr>
-              <a:t>)</a:t>
-            </a:r>
-          </a:p>
-          <a:p>
-            <a:pPr algn="ctr"/>
-            <a:r>
-              <a:rPr lang="es-CO" dirty="0" err="1" smtClean="0">
-                <a:solidFill>
-                  <a:schemeClr val="tx1"/>
-                </a:solidFill>
-              </a:rPr>
-              <a:t>michin</a:t>
-            </a:r>
-            <a:endParaRPr lang="es-CO" dirty="0" smtClean="0">
-              <a:solidFill>
-                <a:schemeClr val="tx1"/>
-              </a:solidFill>
-            </a:endParaRPr>
-          </a:p>
-          <a:p>
-            <a:pPr algn="ctr"/>
-            <a:r>
-              <a:rPr lang="es-CO" dirty="0" smtClean="0">
-                <a:solidFill>
-                  <a:schemeClr val="tx1"/>
-                </a:solidFill>
-              </a:rPr>
-              <a:t>bengala</a:t>
-            </a:r>
-          </a:p>
-          <a:p>
-            <a:pPr algn="ctr"/>
-            <a:r>
-              <a:rPr lang="es-CO" dirty="0" smtClean="0">
-                <a:solidFill>
-                  <a:schemeClr val="tx1"/>
-                </a:solidFill>
-              </a:rPr>
-              <a:t>10 kg</a:t>
-            </a:r>
-            <a:endParaRPr lang="es-CO" dirty="0">
-              <a:solidFill>
-                <a:schemeClr val="tx1"/>
-              </a:solidFill>
-            </a:endParaRPr>
-          </a:p>
-          <a:p>
-            <a:pPr algn="ctr"/>
-            <a:endParaRPr lang="es-CO" dirty="0">
-              <a:solidFill>
-                <a:schemeClr val="tx1"/>
-              </a:solidFill>
-            </a:endParaRPr>
-          </a:p>
-        </p:txBody>
-      </p:sp>
-      <p:sp>
-        <p:nvSpPr>
-          <p:cNvPr id="14" name="Rectángulo redondeado 13"/>
-          <p:cNvSpPr/>
-          <p:nvPr/>
-        </p:nvSpPr>
-        <p:spPr>
-          <a:xfrm>
-            <a:off x="8451603" y="4384554"/>
-            <a:ext cx="1351722" cy="1378226"/>
-          </a:xfrm>
-          <a:prstGeom prst="roundRect">
-            <a:avLst/>
-          </a:prstGeom>
-          <a:solidFill>
-            <a:schemeClr val="bg1">
-              <a:lumMod val="85000"/>
-            </a:schemeClr>
-          </a:solidFill>
-        </p:spPr>
-        <p:style>
-          <a:lnRef idx="2">
-            <a:schemeClr val="dk1"/>
-          </a:lnRef>
-          <a:fillRef idx="1">
-            <a:schemeClr val="lt1"/>
-          </a:fillRef>
-          <a:effectRef idx="0">
-            <a:schemeClr val="dk1"/>
-          </a:effectRef>
-          <a:fontRef idx="minor">
-            <a:schemeClr val="dk1"/>
-          </a:fontRef>
-        </p:style>
-        <p:txBody>
-          <a:bodyPr rtlCol="0" anchor="ctr"/>
-          <a:lstStyle/>
-          <a:p>
-            <a:pPr algn="ctr"/>
-            <a:r>
-              <a:rPr lang="es-CO" dirty="0" smtClean="0">
-                <a:solidFill>
-                  <a:schemeClr val="tx1"/>
-                </a:solidFill>
-              </a:rPr>
-              <a:t>(</a:t>
-            </a:r>
-            <a:r>
-              <a:rPr lang="es-CO" dirty="0" err="1" smtClean="0">
-                <a:solidFill>
-                  <a:schemeClr val="tx1"/>
-                </a:solidFill>
-              </a:rPr>
-              <a:t>xxxxxx</a:t>
-            </a:r>
-            <a:r>
-              <a:rPr lang="es-CO" dirty="0" smtClean="0">
-                <a:solidFill>
-                  <a:schemeClr val="tx1"/>
-                </a:solidFill>
-              </a:rPr>
-              <a:t>)</a:t>
-            </a:r>
-          </a:p>
-          <a:p>
-            <a:pPr algn="ctr"/>
-            <a:r>
-              <a:rPr lang="es-CO" dirty="0" smtClean="0">
-                <a:solidFill>
-                  <a:schemeClr val="tx1"/>
-                </a:solidFill>
-              </a:rPr>
-              <a:t>Tony</a:t>
-            </a:r>
-          </a:p>
-          <a:p>
-            <a:pPr algn="ctr"/>
-            <a:r>
-              <a:rPr lang="es-CO" dirty="0" smtClean="0">
-                <a:solidFill>
-                  <a:schemeClr val="tx1"/>
-                </a:solidFill>
-              </a:rPr>
-              <a:t>Chihuahua</a:t>
-            </a:r>
-          </a:p>
-          <a:p>
-            <a:pPr algn="ctr"/>
-            <a:r>
-              <a:rPr lang="es-CO" dirty="0" smtClean="0">
-                <a:solidFill>
-                  <a:schemeClr val="tx1"/>
-                </a:solidFill>
-              </a:rPr>
-              <a:t>8 kg</a:t>
-            </a:r>
-            <a:endParaRPr lang="es-CO" dirty="0">
-              <a:solidFill>
-                <a:schemeClr val="tx1"/>
-              </a:solidFill>
-            </a:endParaRPr>
-          </a:p>
-          <a:p>
-            <a:pPr algn="ctr"/>
-            <a:endParaRPr lang="es-CO" dirty="0">
-              <a:solidFill>
-                <a:schemeClr val="tx1"/>
-              </a:solidFill>
-            </a:endParaRPr>
-          </a:p>
-        </p:txBody>
-      </p:sp>
-      <p:sp>
-        <p:nvSpPr>
-          <p:cNvPr id="15" name="Rectángulo redondeado 14"/>
-          <p:cNvSpPr/>
-          <p:nvPr/>
-        </p:nvSpPr>
-        <p:spPr>
-          <a:xfrm>
-            <a:off x="10238704" y="4384554"/>
-            <a:ext cx="1582142" cy="1378226"/>
-          </a:xfrm>
-          <a:prstGeom prst="roundRect">
-            <a:avLst/>
-          </a:prstGeom>
-          <a:solidFill>
-            <a:schemeClr val="bg1">
-              <a:lumMod val="85000"/>
-            </a:schemeClr>
-          </a:solidFill>
-        </p:spPr>
-        <p:style>
-          <a:lnRef idx="2">
-            <a:schemeClr val="dk1"/>
-          </a:lnRef>
-          <a:fillRef idx="1">
-            <a:schemeClr val="lt1"/>
-          </a:fillRef>
-          <a:effectRef idx="0">
-            <a:schemeClr val="dk1"/>
-          </a:effectRef>
-          <a:fontRef idx="minor">
-            <a:schemeClr val="dk1"/>
-          </a:fontRef>
-        </p:style>
-        <p:txBody>
-          <a:bodyPr rtlCol="0" anchor="ctr"/>
-          <a:lstStyle/>
-          <a:p>
-            <a:pPr algn="ctr"/>
-            <a:r>
-              <a:rPr lang="es-CO" dirty="0" smtClean="0">
-                <a:solidFill>
-                  <a:schemeClr val="tx1"/>
-                </a:solidFill>
-              </a:rPr>
-              <a:t>(Perico)</a:t>
-            </a:r>
-          </a:p>
-          <a:p>
-            <a:pPr algn="ctr"/>
-            <a:r>
-              <a:rPr lang="es-CO" dirty="0" err="1" smtClean="0">
-                <a:solidFill>
-                  <a:schemeClr val="tx1"/>
-                </a:solidFill>
-              </a:rPr>
-              <a:t>lucas</a:t>
-            </a:r>
-            <a:endParaRPr lang="es-CO" dirty="0" smtClean="0">
-              <a:solidFill>
-                <a:schemeClr val="tx1"/>
-              </a:solidFill>
-            </a:endParaRPr>
-          </a:p>
-          <a:p>
-            <a:pPr algn="ctr"/>
-            <a:r>
-              <a:rPr lang="es-CO" dirty="0" smtClean="0">
-                <a:solidFill>
-                  <a:schemeClr val="tx1"/>
-                </a:solidFill>
-              </a:rPr>
-              <a:t>ecuatoriano</a:t>
-            </a:r>
-          </a:p>
-          <a:p>
-            <a:pPr algn="ctr"/>
-            <a:r>
-              <a:rPr lang="es-CO" dirty="0" smtClean="0">
-                <a:solidFill>
-                  <a:schemeClr val="tx1"/>
-                </a:solidFill>
-              </a:rPr>
-              <a:t>500 gr</a:t>
-            </a:r>
-            <a:endParaRPr lang="es-CO" dirty="0">
-              <a:solidFill>
-                <a:schemeClr val="tx1"/>
-              </a:solidFill>
-            </a:endParaRPr>
-          </a:p>
-          <a:p>
-            <a:pPr algn="ctr"/>
-            <a:endParaRPr lang="es-CO" dirty="0">
-              <a:solidFill>
-                <a:schemeClr val="tx1"/>
-              </a:solidFill>
-            </a:endParaRPr>
-          </a:p>
-        </p:txBody>
-      </p:sp>
-      <p:sp>
-        <p:nvSpPr>
-          <p:cNvPr id="11" name="CuadroTexto 10"/>
-          <p:cNvSpPr txBox="1"/>
-          <p:nvPr/>
-        </p:nvSpPr>
-        <p:spPr>
-          <a:xfrm>
-            <a:off x="6481644" y="6164733"/>
-            <a:ext cx="3169073" cy="646331"/>
-          </a:xfrm>
-          <a:prstGeom prst="rect">
-            <a:avLst/>
-          </a:prstGeom>
-          <a:noFill/>
-        </p:spPr>
-        <p:txBody>
-          <a:bodyPr wrap="none" rtlCol="0">
-            <a:spAutoFit/>
-          </a:bodyPr>
-          <a:lstStyle/>
-          <a:p>
-            <a:pPr algn="ctr"/>
-            <a:r>
-              <a:rPr lang="es-CO" b="1" dirty="0" smtClean="0">
-                <a:solidFill>
-                  <a:srgbClr val="FF0000"/>
-                </a:solidFill>
-              </a:rPr>
-              <a:t>OBJETOS</a:t>
-            </a:r>
-          </a:p>
-          <a:p>
-            <a:pPr algn="ctr"/>
-            <a:r>
-              <a:rPr lang="es-CO" dirty="0" smtClean="0"/>
-              <a:t>INSTANCIAS DE LA CLASE </a:t>
-            </a:r>
-            <a:r>
-              <a:rPr lang="es-CO" dirty="0" smtClean="0">
-                <a:solidFill>
-                  <a:srgbClr val="00B050"/>
-                </a:solidFill>
-              </a:rPr>
-              <a:t>(</a:t>
-            </a:r>
-            <a:r>
-              <a:rPr lang="es-CO" b="1" dirty="0" smtClean="0">
-                <a:solidFill>
-                  <a:srgbClr val="00B050"/>
-                </a:solidFill>
-              </a:rPr>
-              <a:t>NEW</a:t>
-            </a:r>
-            <a:r>
-              <a:rPr lang="es-CO" dirty="0" smtClean="0">
-                <a:solidFill>
-                  <a:srgbClr val="00B050"/>
-                </a:solidFill>
-              </a:rPr>
-              <a:t>)</a:t>
-            </a:r>
-            <a:endParaRPr lang="es-CO" dirty="0"/>
-          </a:p>
-        </p:txBody>
-      </p:sp>
-      <p:cxnSp>
-        <p:nvCxnSpPr>
-          <p:cNvPr id="17" name="Conector recto 16"/>
-          <p:cNvCxnSpPr/>
-          <p:nvPr/>
-        </p:nvCxnSpPr>
-        <p:spPr>
-          <a:xfrm flipH="1" flipV="1">
-            <a:off x="5950226" y="5857461"/>
-            <a:ext cx="1475387" cy="307272"/>
-          </a:xfrm>
-          <a:prstGeom prst="line">
-            <a:avLst/>
-          </a:prstGeom>
-          <a:ln w="38100">
-            <a:solidFill>
-              <a:srgbClr val="00B050"/>
-            </a:solidFill>
-          </a:ln>
-        </p:spPr>
-        <p:style>
-          <a:lnRef idx="1">
-            <a:schemeClr val="accent1"/>
-          </a:lnRef>
-          <a:fillRef idx="0">
-            <a:schemeClr val="accent1"/>
-          </a:fillRef>
-          <a:effectRef idx="0">
-            <a:schemeClr val="accent1"/>
-          </a:effectRef>
-          <a:fontRef idx="minor">
-            <a:schemeClr val="tx1"/>
-          </a:fontRef>
-        </p:style>
-      </p:cxnSp>
-      <p:cxnSp>
-        <p:nvCxnSpPr>
-          <p:cNvPr id="20" name="Conector recto 19"/>
-          <p:cNvCxnSpPr/>
-          <p:nvPr/>
-        </p:nvCxnSpPr>
-        <p:spPr>
-          <a:xfrm flipH="1">
-            <a:off x="9398531" y="5886437"/>
-            <a:ext cx="1428496" cy="408346"/>
-          </a:xfrm>
-          <a:prstGeom prst="line">
-            <a:avLst/>
-          </a:prstGeom>
-          <a:ln w="38100">
-            <a:solidFill>
-              <a:srgbClr val="00B050"/>
-            </a:solidFill>
-          </a:ln>
-        </p:spPr>
-        <p:style>
-          <a:lnRef idx="1">
-            <a:schemeClr val="accent1"/>
-          </a:lnRef>
-          <a:fillRef idx="0">
-            <a:schemeClr val="accent1"/>
-          </a:fillRef>
-          <a:effectRef idx="0">
-            <a:schemeClr val="accent1"/>
-          </a:effectRef>
-          <a:fontRef idx="minor">
-            <a:schemeClr val="tx1"/>
-          </a:fontRef>
-        </p:style>
-      </p:cxnSp>
-      <p:cxnSp>
-        <p:nvCxnSpPr>
-          <p:cNvPr id="22" name="Conector recto 21"/>
-          <p:cNvCxnSpPr/>
-          <p:nvPr/>
-        </p:nvCxnSpPr>
-        <p:spPr>
-          <a:xfrm flipH="1" flipV="1">
-            <a:off x="7328487" y="5783338"/>
-            <a:ext cx="503548" cy="307272"/>
-          </a:xfrm>
-          <a:prstGeom prst="line">
-            <a:avLst/>
-          </a:prstGeom>
-          <a:ln w="38100">
-            <a:solidFill>
-              <a:srgbClr val="00B050"/>
-            </a:solidFill>
-          </a:ln>
-        </p:spPr>
-        <p:style>
-          <a:lnRef idx="1">
-            <a:schemeClr val="accent1"/>
-          </a:lnRef>
-          <a:fillRef idx="0">
-            <a:schemeClr val="accent1"/>
-          </a:fillRef>
-          <a:effectRef idx="0">
-            <a:schemeClr val="accent1"/>
-          </a:effectRef>
-          <a:fontRef idx="minor">
-            <a:schemeClr val="tx1"/>
-          </a:fontRef>
-        </p:style>
-      </p:cxnSp>
-      <p:cxnSp>
-        <p:nvCxnSpPr>
-          <p:cNvPr id="24" name="Conector recto 23"/>
-          <p:cNvCxnSpPr/>
-          <p:nvPr/>
-        </p:nvCxnSpPr>
-        <p:spPr>
-          <a:xfrm flipV="1">
-            <a:off x="8451603" y="5810120"/>
-            <a:ext cx="527886" cy="280490"/>
-          </a:xfrm>
-          <a:prstGeom prst="line">
-            <a:avLst/>
-          </a:prstGeom>
-          <a:ln w="38100">
-            <a:solidFill>
-              <a:srgbClr val="00B050"/>
-            </a:solidFill>
-          </a:ln>
-        </p:spPr>
-        <p:style>
-          <a:lnRef idx="1">
-            <a:schemeClr val="accent1"/>
-          </a:lnRef>
-          <a:fillRef idx="0">
-            <a:schemeClr val="accent1"/>
-          </a:fillRef>
-          <a:effectRef idx="0">
-            <a:schemeClr val="accent1"/>
-          </a:effectRef>
-          <a:fontRef idx="minor">
-            <a:schemeClr val="tx1"/>
-          </a:fontRef>
-        </p:style>
-      </p:cxnSp>
-      <p:sp>
-        <p:nvSpPr>
-          <p:cNvPr id="26" name="Flecha abajo 25"/>
-          <p:cNvSpPr/>
-          <p:nvPr/>
-        </p:nvSpPr>
-        <p:spPr>
-          <a:xfrm>
-            <a:off x="5719209" y="3720030"/>
-            <a:ext cx="675861" cy="569843"/>
-          </a:xfrm>
-          <a:prstGeom prst="downArrow">
-            <a:avLst/>
-          </a:prstGeom>
-          <a:solidFill>
-            <a:srgbClr val="FF0000"/>
-          </a:solidFill>
-          <a:ln>
-            <a:solidFill>
-              <a:srgbClr val="FF0000"/>
-            </a:solidFill>
-          </a:ln>
-        </p:spPr>
-        <p:style>
-          <a:lnRef idx="2">
-            <a:schemeClr val="accent1">
-              <a:shade val="50000"/>
-            </a:schemeClr>
-          </a:lnRef>
-          <a:fillRef idx="1">
-            <a:schemeClr val="accent1"/>
-          </a:fillRef>
-          <a:effectRef idx="0">
-            <a:schemeClr val="accent1"/>
-          </a:effectRef>
-          <a:fontRef idx="minor">
-            <a:schemeClr val="lt1"/>
-          </a:fontRef>
-        </p:style>
-        <p:txBody>
-          <a:bodyPr rtlCol="0" anchor="ctr"/>
-          <a:lstStyle/>
-          <a:p>
-            <a:pPr algn="ctr"/>
-            <a:endParaRPr lang="es-CO" dirty="0"/>
-          </a:p>
-        </p:txBody>
-      </p:sp>
-      <p:sp>
-        <p:nvSpPr>
-          <p:cNvPr id="27" name="Rectángulo 26"/>
-          <p:cNvSpPr/>
-          <p:nvPr/>
-        </p:nvSpPr>
-        <p:spPr>
-          <a:xfrm>
-            <a:off x="5056012" y="3643029"/>
-            <a:ext cx="800219" cy="369332"/>
-          </a:xfrm>
-          <a:prstGeom prst="rect">
-            <a:avLst/>
-          </a:prstGeom>
-        </p:spPr>
-        <p:txBody>
-          <a:bodyPr wrap="none">
-            <a:spAutoFit/>
-          </a:bodyPr>
-          <a:lstStyle/>
-          <a:p>
-            <a:pPr algn="ctr"/>
-            <a:r>
-              <a:rPr lang="es-CO" dirty="0">
-                <a:solidFill>
-                  <a:srgbClr val="00B050"/>
-                </a:solidFill>
-              </a:rPr>
-              <a:t>(</a:t>
-            </a:r>
-            <a:r>
-              <a:rPr lang="es-CO" b="1" dirty="0">
-                <a:solidFill>
-                  <a:srgbClr val="00B050"/>
-                </a:solidFill>
-              </a:rPr>
-              <a:t>NEW</a:t>
-            </a:r>
-            <a:r>
-              <a:rPr lang="es-CO" dirty="0">
-                <a:solidFill>
-                  <a:srgbClr val="00B050"/>
-                </a:solidFill>
-              </a:rPr>
-              <a:t>)</a:t>
-            </a:r>
-            <a:endParaRPr lang="es-CO" dirty="0"/>
-          </a:p>
-        </p:txBody>
-      </p:sp>
-      <p:sp>
-        <p:nvSpPr>
-          <p:cNvPr id="30" name="Elipse 29"/>
-          <p:cNvSpPr/>
-          <p:nvPr/>
-        </p:nvSpPr>
-        <p:spPr>
-          <a:xfrm>
-            <a:off x="2615464" y="1553491"/>
-            <a:ext cx="426300" cy="492443"/>
-          </a:xfrm>
-          <a:prstGeom prst="ellipse">
-            <a:avLst/>
-          </a:prstGeom>
-          <a:solidFill>
-            <a:schemeClr val="accent4"/>
-          </a:solidFill>
-        </p:spPr>
-        <p:style>
-          <a:lnRef idx="2">
-            <a:schemeClr val="accent1">
-              <a:shade val="50000"/>
-            </a:schemeClr>
-          </a:lnRef>
-          <a:fillRef idx="1">
-            <a:schemeClr val="accent1"/>
-          </a:fillRef>
-          <a:effectRef idx="0">
-            <a:schemeClr val="accent1"/>
-          </a:effectRef>
-          <a:fontRef idx="minor">
-            <a:schemeClr val="lt1"/>
-          </a:fontRef>
-        </p:style>
-        <p:txBody>
-          <a:bodyPr rtlCol="0" anchor="ctr"/>
-          <a:lstStyle/>
-          <a:p>
-            <a:pPr algn="ctr"/>
-            <a:r>
-              <a:rPr lang="es-CO" dirty="0" smtClean="0">
-                <a:solidFill>
-                  <a:srgbClr val="FF0000"/>
-                </a:solidFill>
-              </a:rPr>
-              <a:t>1</a:t>
-            </a:r>
-            <a:endParaRPr lang="es-CO" dirty="0">
-              <a:solidFill>
-                <a:srgbClr val="FF0000"/>
-              </a:solidFill>
-            </a:endParaRPr>
-          </a:p>
-        </p:txBody>
-      </p:sp>
-      <p:sp>
-        <p:nvSpPr>
-          <p:cNvPr id="35" name="Elipse 34"/>
-          <p:cNvSpPr/>
-          <p:nvPr/>
-        </p:nvSpPr>
-        <p:spPr>
-          <a:xfrm>
-            <a:off x="6039741" y="6048561"/>
-            <a:ext cx="426300" cy="492443"/>
-          </a:xfrm>
-          <a:prstGeom prst="ellipse">
-            <a:avLst/>
-          </a:prstGeom>
-          <a:solidFill>
-            <a:schemeClr val="accent4"/>
-          </a:solidFill>
-        </p:spPr>
-        <p:style>
-          <a:lnRef idx="2">
-            <a:schemeClr val="accent1">
-              <a:shade val="50000"/>
-            </a:schemeClr>
-          </a:lnRef>
-          <a:fillRef idx="1">
-            <a:schemeClr val="accent1"/>
-          </a:fillRef>
-          <a:effectRef idx="0">
-            <a:schemeClr val="accent1"/>
-          </a:effectRef>
-          <a:fontRef idx="minor">
-            <a:schemeClr val="lt1"/>
-          </a:fontRef>
-        </p:style>
-        <p:txBody>
-          <a:bodyPr rtlCol="0" anchor="ctr"/>
-          <a:lstStyle/>
-          <a:p>
-            <a:pPr algn="ctr"/>
-            <a:r>
-              <a:rPr lang="es-CO" dirty="0" smtClean="0">
-                <a:solidFill>
-                  <a:srgbClr val="FF0000"/>
-                </a:solidFill>
-              </a:rPr>
-              <a:t>6</a:t>
-            </a:r>
-            <a:endParaRPr lang="es-CO" dirty="0">
-              <a:solidFill>
-                <a:srgbClr val="FF0000"/>
-              </a:solidFill>
-            </a:endParaRPr>
-          </a:p>
-        </p:txBody>
-      </p:sp>
-      <p:sp>
-        <p:nvSpPr>
-          <p:cNvPr id="7" name="CuadroTexto 6"/>
-          <p:cNvSpPr txBox="1"/>
-          <p:nvPr/>
-        </p:nvSpPr>
-        <p:spPr>
-          <a:xfrm>
-            <a:off x="2615464" y="767169"/>
-            <a:ext cx="8903435" cy="646331"/>
-          </a:xfrm>
-          <a:prstGeom prst="rect">
-            <a:avLst/>
-          </a:prstGeom>
-          <a:noFill/>
-        </p:spPr>
-        <p:txBody>
-          <a:bodyPr wrap="square" rtlCol="0">
-            <a:spAutoFit/>
-          </a:bodyPr>
-          <a:lstStyle/>
-          <a:p>
-            <a:r>
-              <a:rPr lang="es-CO" dirty="0" smtClean="0"/>
-              <a:t>Una mascota puede </a:t>
-            </a:r>
-            <a:r>
-              <a:rPr lang="es-CO" dirty="0" smtClean="0"/>
-              <a:t>ser </a:t>
-            </a:r>
-            <a:r>
-              <a:rPr lang="es-CO" dirty="0" smtClean="0"/>
-              <a:t>afiliada a una Veterinaria</a:t>
-            </a:r>
-          </a:p>
-          <a:p>
-            <a:r>
-              <a:rPr lang="es-CO" dirty="0" smtClean="0"/>
-              <a:t>La veterinaria obligadamente debe tener un Doctor veterinario</a:t>
-            </a:r>
-            <a:endParaRPr lang="es-CO" dirty="0"/>
-          </a:p>
-        </p:txBody>
-      </p:sp>
-    </p:spTree>
-    <p:extLst>
-      <p:ext uri="{BB962C8B-B14F-4D97-AF65-F5344CB8AC3E}">
-        <p14:creationId xmlns:p14="http://schemas.microsoft.com/office/powerpoint/2010/main" val="375231310"/>
-      </p:ext>
-    </p:extLst>
-  </p:cSld>
-  <p:clrMapOvr>
-    <a:masterClrMapping/>
-  </p:clrMapOvr>
-  <p:transition spd="slow">
-    <p:wipe/>
-  </p:transition>
-  <p:timing>
-    <p:tnLst>
-      <p:par>
-        <p:cTn id="1" dur="indefinite" restart="never" nodeType="tmRoot">
-          <p:childTnLst>
-            <p:seq concurrent="1" nextAc="seek">
-              <p:cTn id="2" dur="indefinite" nodeType="mainSeq">
-                <p:childTnLst>
-                  <p:par>
-                    <p:cTn id="3" fill="hold">
-                      <p:stCondLst>
-                        <p:cond delay="indefinite"/>
-                      </p:stCondLst>
-                      <p:childTnLst>
-                        <p:par>
-                          <p:cTn id="4" fill="hold">
-                            <p:stCondLst>
-                              <p:cond delay="0"/>
-                            </p:stCondLst>
-                            <p:childTnLst>
-                              <p:par>
-                                <p:cTn id="5" presetID="10" presetClass="entr" presetSubtype="0" fill="hold" grpId="0" nodeType="clickEffect">
-                                  <p:stCondLst>
-                                    <p:cond delay="0"/>
-                                  </p:stCondLst>
-                                  <p:childTnLst>
-                                    <p:set>
-                                      <p:cBhvr>
-                                        <p:cTn id="6" dur="1" fill="hold">
-                                          <p:stCondLst>
-                                            <p:cond delay="0"/>
-                                          </p:stCondLst>
-                                        </p:cTn>
-                                        <p:tgtEl>
-                                          <p:spTgt spid="30"/>
-                                        </p:tgtEl>
-                                        <p:attrNameLst>
-                                          <p:attrName>style.visibility</p:attrName>
-                                        </p:attrNameLst>
-                                      </p:cBhvr>
-                                      <p:to>
-                                        <p:strVal val="visible"/>
-                                      </p:to>
-                                    </p:set>
-                                    <p:animEffect transition="in" filter="fade">
-                                      <p:cBhvr>
-                                        <p:cTn id="7" dur="500"/>
-                                        <p:tgtEl>
-                                          <p:spTgt spid="30"/>
-                                        </p:tgtEl>
-                                      </p:cBhvr>
-                                    </p:animEffect>
-                                  </p:childTnLst>
-                                </p:cTn>
-                              </p:par>
-                              <p:par>
-                                <p:cTn id="8" presetID="10" presetClass="entr" presetSubtype="0" fill="hold" grpId="0" nodeType="withEffect">
-                                  <p:stCondLst>
-                                    <p:cond delay="0"/>
-                                  </p:stCondLst>
-                                  <p:childTnLst>
-                                    <p:set>
-                                      <p:cBhvr>
-                                        <p:cTn id="9" dur="1" fill="hold">
-                                          <p:stCondLst>
-                                            <p:cond delay="0"/>
-                                          </p:stCondLst>
-                                        </p:cTn>
-                                        <p:tgtEl>
-                                          <p:spTgt spid="35"/>
-                                        </p:tgtEl>
-                                        <p:attrNameLst>
-                                          <p:attrName>style.visibility</p:attrName>
-                                        </p:attrNameLst>
-                                      </p:cBhvr>
-                                      <p:to>
-                                        <p:strVal val="visible"/>
-                                      </p:to>
-                                    </p:set>
-                                    <p:animEffect transition="in" filter="fade">
-                                      <p:cBhvr>
-                                        <p:cTn id="10" dur="500"/>
-                                        <p:tgtEl>
-                                          <p:spTgt spid="35"/>
-                                        </p:tgtEl>
-                                      </p:cBhvr>
-                                    </p:animEffect>
-                                  </p:childTnLst>
-                                </p:cTn>
-                              </p:par>
-                            </p:childTnLst>
-                          </p:cTn>
-                        </p:par>
-                      </p:childTnLst>
-                    </p:cTn>
-                  </p:par>
-                  <p:par>
-                    <p:cTn id="11" fill="hold">
-                      <p:stCondLst>
-                        <p:cond delay="indefinite"/>
-                      </p:stCondLst>
-                      <p:childTnLst>
-                        <p:par>
-                          <p:cTn id="12" fill="hold">
-                            <p:stCondLst>
-                              <p:cond delay="0"/>
-                            </p:stCondLst>
-                            <p:childTnLst>
-                              <p:par>
-                                <p:cTn id="13" presetID="42" presetClass="entr" presetSubtype="0" fill="hold" grpId="0" nodeType="clickEffect">
-                                  <p:stCondLst>
-                                    <p:cond delay="0"/>
-                                  </p:stCondLst>
-                                  <p:childTnLst>
-                                    <p:set>
-                                      <p:cBhvr>
-                                        <p:cTn id="14" dur="1" fill="hold">
-                                          <p:stCondLst>
-                                            <p:cond delay="0"/>
-                                          </p:stCondLst>
-                                        </p:cTn>
-                                        <p:tgtEl>
-                                          <p:spTgt spid="9"/>
-                                        </p:tgtEl>
-                                        <p:attrNameLst>
-                                          <p:attrName>style.visibility</p:attrName>
-                                        </p:attrNameLst>
-                                      </p:cBhvr>
-                                      <p:to>
-                                        <p:strVal val="visible"/>
-                                      </p:to>
-                                    </p:set>
-                                    <p:animEffect transition="in" filter="fade">
-                                      <p:cBhvr>
-                                        <p:cTn id="15" dur="1000"/>
-                                        <p:tgtEl>
-                                          <p:spTgt spid="9"/>
-                                        </p:tgtEl>
-                                      </p:cBhvr>
-                                    </p:animEffect>
-                                    <p:anim calcmode="lin" valueType="num">
-                                      <p:cBhvr>
-                                        <p:cTn id="16" dur="1000" fill="hold"/>
-                                        <p:tgtEl>
-                                          <p:spTgt spid="9"/>
-                                        </p:tgtEl>
-                                        <p:attrNameLst>
-                                          <p:attrName>ppt_x</p:attrName>
-                                        </p:attrNameLst>
-                                      </p:cBhvr>
-                                      <p:tavLst>
-                                        <p:tav tm="0">
-                                          <p:val>
-                                            <p:strVal val="#ppt_x"/>
-                                          </p:val>
-                                        </p:tav>
-                                        <p:tav tm="100000">
-                                          <p:val>
-                                            <p:strVal val="#ppt_x"/>
-                                          </p:val>
-                                        </p:tav>
-                                      </p:tavLst>
-                                    </p:anim>
-                                    <p:anim calcmode="lin" valueType="num">
-                                      <p:cBhvr>
-                                        <p:cTn id="17" dur="1000" fill="hold"/>
-                                        <p:tgtEl>
-                                          <p:spTgt spid="9"/>
-                                        </p:tgtEl>
-                                        <p:attrNameLst>
-                                          <p:attrName>ppt_y</p:attrName>
-                                        </p:attrNameLst>
-                                      </p:cBhvr>
-                                      <p:tavLst>
-                                        <p:tav tm="0">
-                                          <p:val>
-                                            <p:strVal val="#ppt_y+.1"/>
-                                          </p:val>
-                                        </p:tav>
-                                        <p:tav tm="100000">
-                                          <p:val>
-                                            <p:strVal val="#ppt_y"/>
-                                          </p:val>
-                                        </p:tav>
-                                      </p:tavLst>
-                                    </p:anim>
-                                  </p:childTnLst>
-                                </p:cTn>
-                              </p:par>
-                            </p:childTnLst>
-                          </p:cTn>
-                        </p:par>
-                      </p:childTnLst>
-                    </p:cTn>
-                  </p:par>
-                  <p:par>
-                    <p:cTn id="18" fill="hold">
-                      <p:stCondLst>
-                        <p:cond delay="indefinite"/>
-                      </p:stCondLst>
-                      <p:childTnLst>
-                        <p:par>
-                          <p:cTn id="19" fill="hold">
-                            <p:stCondLst>
-                              <p:cond delay="0"/>
-                            </p:stCondLst>
-                            <p:childTnLst>
-                              <p:par>
-                                <p:cTn id="20" presetID="22" presetClass="entr" presetSubtype="4" fill="hold" grpId="0" nodeType="clickEffect">
-                                  <p:stCondLst>
-                                    <p:cond delay="0"/>
-                                  </p:stCondLst>
-                                  <p:childTnLst>
-                                    <p:set>
-                                      <p:cBhvr>
-                                        <p:cTn id="21" dur="1" fill="hold">
-                                          <p:stCondLst>
-                                            <p:cond delay="0"/>
-                                          </p:stCondLst>
-                                        </p:cTn>
-                                        <p:tgtEl>
-                                          <p:spTgt spid="11"/>
-                                        </p:tgtEl>
-                                        <p:attrNameLst>
-                                          <p:attrName>style.visibility</p:attrName>
-                                        </p:attrNameLst>
-                                      </p:cBhvr>
-                                      <p:to>
-                                        <p:strVal val="visible"/>
-                                      </p:to>
-                                    </p:set>
-                                    <p:animEffect transition="in" filter="wipe(down)">
-                                      <p:cBhvr>
-                                        <p:cTn id="22" dur="500"/>
-                                        <p:tgtEl>
-                                          <p:spTgt spid="11"/>
-                                        </p:tgtEl>
-                                      </p:cBhvr>
-                                    </p:animEffect>
-                                  </p:childTnLst>
-                                </p:cTn>
-                              </p:par>
-                            </p:childTnLst>
-                          </p:cTn>
-                        </p:par>
-                      </p:childTnLst>
-                    </p:cTn>
-                  </p:par>
-                  <p:par>
-                    <p:cTn id="23" fill="hold">
-                      <p:stCondLst>
-                        <p:cond delay="indefinite"/>
-                      </p:stCondLst>
-                      <p:childTnLst>
-                        <p:par>
-                          <p:cTn id="24" fill="hold">
-                            <p:stCondLst>
-                              <p:cond delay="0"/>
-                            </p:stCondLst>
-                            <p:childTnLst>
-                              <p:par>
-                                <p:cTn id="25" presetID="22" presetClass="entr" presetSubtype="4" fill="hold" nodeType="clickEffect">
-                                  <p:stCondLst>
-                                    <p:cond delay="0"/>
-                                  </p:stCondLst>
-                                  <p:childTnLst>
-                                    <p:set>
-                                      <p:cBhvr>
-                                        <p:cTn id="26" dur="1" fill="hold">
-                                          <p:stCondLst>
-                                            <p:cond delay="0"/>
-                                          </p:stCondLst>
-                                        </p:cTn>
-                                        <p:tgtEl>
-                                          <p:spTgt spid="17"/>
-                                        </p:tgtEl>
-                                        <p:attrNameLst>
-                                          <p:attrName>style.visibility</p:attrName>
-                                        </p:attrNameLst>
-                                      </p:cBhvr>
-                                      <p:to>
-                                        <p:strVal val="visible"/>
-                                      </p:to>
-                                    </p:set>
-                                    <p:animEffect transition="in" filter="wipe(down)">
-                                      <p:cBhvr>
-                                        <p:cTn id="27" dur="500"/>
-                                        <p:tgtEl>
-                                          <p:spTgt spid="17"/>
-                                        </p:tgtEl>
-                                      </p:cBhvr>
-                                    </p:animEffect>
-                                  </p:childTnLst>
-                                </p:cTn>
-                              </p:par>
-                              <p:par>
-                                <p:cTn id="28" presetID="22" presetClass="entr" presetSubtype="4" fill="hold" grpId="0" nodeType="withEffect">
-                                  <p:stCondLst>
-                                    <p:cond delay="0"/>
-                                  </p:stCondLst>
-                                  <p:childTnLst>
-                                    <p:set>
-                                      <p:cBhvr>
-                                        <p:cTn id="29" dur="1" fill="hold">
-                                          <p:stCondLst>
-                                            <p:cond delay="0"/>
-                                          </p:stCondLst>
-                                        </p:cTn>
-                                        <p:tgtEl>
-                                          <p:spTgt spid="6"/>
-                                        </p:tgtEl>
-                                        <p:attrNameLst>
-                                          <p:attrName>style.visibility</p:attrName>
-                                        </p:attrNameLst>
-                                      </p:cBhvr>
-                                      <p:to>
-                                        <p:strVal val="visible"/>
-                                      </p:to>
-                                    </p:set>
-                                    <p:animEffect transition="in" filter="wipe(down)">
-                                      <p:cBhvr>
-                                        <p:cTn id="30" dur="500"/>
-                                        <p:tgtEl>
-                                          <p:spTgt spid="6"/>
-                                        </p:tgtEl>
-                                      </p:cBhvr>
-                                    </p:animEffect>
-                                  </p:childTnLst>
-                                </p:cTn>
-                              </p:par>
-                            </p:childTnLst>
-                          </p:cTn>
-                        </p:par>
-                      </p:childTnLst>
-                    </p:cTn>
-                  </p:par>
-                  <p:par>
-                    <p:cTn id="31" fill="hold">
-                      <p:stCondLst>
-                        <p:cond delay="indefinite"/>
-                      </p:stCondLst>
-                      <p:childTnLst>
-                        <p:par>
-                          <p:cTn id="32" fill="hold">
-                            <p:stCondLst>
-                              <p:cond delay="0"/>
-                            </p:stCondLst>
-                            <p:childTnLst>
-                              <p:par>
-                                <p:cTn id="33" presetID="16" presetClass="entr" presetSubtype="21" fill="hold" grpId="0" nodeType="clickEffect">
-                                  <p:stCondLst>
-                                    <p:cond delay="0"/>
-                                  </p:stCondLst>
-                                  <p:childTnLst>
-                                    <p:set>
-                                      <p:cBhvr>
-                                        <p:cTn id="34" dur="1" fill="hold">
-                                          <p:stCondLst>
-                                            <p:cond delay="0"/>
-                                          </p:stCondLst>
-                                        </p:cTn>
-                                        <p:tgtEl>
-                                          <p:spTgt spid="13"/>
-                                        </p:tgtEl>
-                                        <p:attrNameLst>
-                                          <p:attrName>style.visibility</p:attrName>
-                                        </p:attrNameLst>
-                                      </p:cBhvr>
-                                      <p:to>
-                                        <p:strVal val="visible"/>
-                                      </p:to>
-                                    </p:set>
-                                    <p:animEffect transition="in" filter="barn(inVertical)">
-                                      <p:cBhvr>
-                                        <p:cTn id="35" dur="500"/>
-                                        <p:tgtEl>
-                                          <p:spTgt spid="13"/>
-                                        </p:tgtEl>
-                                      </p:cBhvr>
-                                    </p:animEffect>
-                                  </p:childTnLst>
-                                </p:cTn>
-                              </p:par>
-                            </p:childTnLst>
-                          </p:cTn>
-                        </p:par>
-                      </p:childTnLst>
-                    </p:cTn>
-                  </p:par>
-                  <p:par>
-                    <p:cTn id="36" fill="hold">
-                      <p:stCondLst>
-                        <p:cond delay="indefinite"/>
-                      </p:stCondLst>
-                      <p:childTnLst>
-                        <p:par>
-                          <p:cTn id="37" fill="hold">
-                            <p:stCondLst>
-                              <p:cond delay="0"/>
-                            </p:stCondLst>
-                            <p:childTnLst>
-                              <p:par>
-                                <p:cTn id="38" presetID="16" presetClass="entr" presetSubtype="21" fill="hold" grpId="0" nodeType="clickEffect">
-                                  <p:stCondLst>
-                                    <p:cond delay="0"/>
-                                  </p:stCondLst>
-                                  <p:childTnLst>
-                                    <p:set>
-                                      <p:cBhvr>
-                                        <p:cTn id="39" dur="1" fill="hold">
-                                          <p:stCondLst>
-                                            <p:cond delay="0"/>
-                                          </p:stCondLst>
-                                        </p:cTn>
-                                        <p:tgtEl>
-                                          <p:spTgt spid="14"/>
-                                        </p:tgtEl>
-                                        <p:attrNameLst>
-                                          <p:attrName>style.visibility</p:attrName>
-                                        </p:attrNameLst>
-                                      </p:cBhvr>
-                                      <p:to>
-                                        <p:strVal val="visible"/>
-                                      </p:to>
-                                    </p:set>
-                                    <p:animEffect transition="in" filter="barn(inVertical)">
-                                      <p:cBhvr>
-                                        <p:cTn id="40" dur="500"/>
-                                        <p:tgtEl>
-                                          <p:spTgt spid="14"/>
-                                        </p:tgtEl>
-                                      </p:cBhvr>
-                                    </p:animEffect>
-                                  </p:childTnLst>
-                                </p:cTn>
-                              </p:par>
-                            </p:childTnLst>
-                          </p:cTn>
-                        </p:par>
-                      </p:childTnLst>
-                    </p:cTn>
-                  </p:par>
-                  <p:par>
-                    <p:cTn id="41" fill="hold">
-                      <p:stCondLst>
-                        <p:cond delay="indefinite"/>
-                      </p:stCondLst>
-                      <p:childTnLst>
-                        <p:par>
-                          <p:cTn id="42" fill="hold">
-                            <p:stCondLst>
-                              <p:cond delay="0"/>
-                            </p:stCondLst>
-                            <p:childTnLst>
-                              <p:par>
-                                <p:cTn id="43" presetID="22" presetClass="entr" presetSubtype="4" fill="hold" grpId="0" nodeType="clickEffect">
-                                  <p:stCondLst>
-                                    <p:cond delay="0"/>
-                                  </p:stCondLst>
-                                  <p:childTnLst>
-                                    <p:set>
-                                      <p:cBhvr>
-                                        <p:cTn id="44" dur="1" fill="hold">
-                                          <p:stCondLst>
-                                            <p:cond delay="0"/>
-                                          </p:stCondLst>
-                                        </p:cTn>
-                                        <p:tgtEl>
-                                          <p:spTgt spid="15"/>
-                                        </p:tgtEl>
-                                        <p:attrNameLst>
-                                          <p:attrName>style.visibility</p:attrName>
-                                        </p:attrNameLst>
-                                      </p:cBhvr>
-                                      <p:to>
-                                        <p:strVal val="visible"/>
-                                      </p:to>
-                                    </p:set>
-                                    <p:animEffect transition="in" filter="wipe(down)">
-                                      <p:cBhvr>
-                                        <p:cTn id="45" dur="500"/>
-                                        <p:tgtEl>
-                                          <p:spTgt spid="15"/>
-                                        </p:tgtEl>
-                                      </p:cBhvr>
-                                    </p:animEffect>
-                                  </p:childTnLst>
-                                </p:cTn>
-                              </p:par>
-                              <p:par>
-                                <p:cTn id="46" presetID="22" presetClass="entr" presetSubtype="4" fill="hold" nodeType="withEffect">
-                                  <p:stCondLst>
-                                    <p:cond delay="0"/>
-                                  </p:stCondLst>
-                                  <p:childTnLst>
-                                    <p:set>
-                                      <p:cBhvr>
-                                        <p:cTn id="47" dur="1" fill="hold">
-                                          <p:stCondLst>
-                                            <p:cond delay="0"/>
-                                          </p:stCondLst>
-                                        </p:cTn>
-                                        <p:tgtEl>
-                                          <p:spTgt spid="20"/>
-                                        </p:tgtEl>
-                                        <p:attrNameLst>
-                                          <p:attrName>style.visibility</p:attrName>
-                                        </p:attrNameLst>
-                                      </p:cBhvr>
-                                      <p:to>
-                                        <p:strVal val="visible"/>
-                                      </p:to>
-                                    </p:set>
-                                    <p:animEffect transition="in" filter="wipe(down)">
-                                      <p:cBhvr>
-                                        <p:cTn id="48" dur="500"/>
-                                        <p:tgtEl>
-                                          <p:spTgt spid="20"/>
-                                        </p:tgtEl>
-                                      </p:cBhvr>
-                                    </p:animEffect>
-                                  </p:childTnLst>
-                                </p:cTn>
-                              </p:par>
-                              <p:par>
-                                <p:cTn id="49" presetID="22" presetClass="entr" presetSubtype="4" fill="hold" grpId="0" nodeType="withEffect">
-                                  <p:stCondLst>
-                                    <p:cond delay="0"/>
-                                  </p:stCondLst>
-                                  <p:childTnLst>
-                                    <p:set>
-                                      <p:cBhvr>
-                                        <p:cTn id="50" dur="1" fill="hold">
-                                          <p:stCondLst>
-                                            <p:cond delay="0"/>
-                                          </p:stCondLst>
-                                        </p:cTn>
-                                        <p:tgtEl>
-                                          <p:spTgt spid="26"/>
-                                        </p:tgtEl>
-                                        <p:attrNameLst>
-                                          <p:attrName>style.visibility</p:attrName>
-                                        </p:attrNameLst>
-                                      </p:cBhvr>
-                                      <p:to>
-                                        <p:strVal val="visible"/>
-                                      </p:to>
-                                    </p:set>
-                                    <p:animEffect transition="in" filter="wipe(down)">
-                                      <p:cBhvr>
-                                        <p:cTn id="51" dur="500"/>
-                                        <p:tgtEl>
-                                          <p:spTgt spid="26"/>
-                                        </p:tgtEl>
-                                      </p:cBhvr>
-                                    </p:animEffect>
-                                  </p:childTnLst>
-                                </p:cTn>
-                              </p:par>
-                              <p:par>
-                                <p:cTn id="52" presetID="22" presetClass="entr" presetSubtype="4" fill="hold" grpId="0" nodeType="withEffect">
-                                  <p:stCondLst>
-                                    <p:cond delay="0"/>
-                                  </p:stCondLst>
-                                  <p:childTnLst>
-                                    <p:set>
-                                      <p:cBhvr>
-                                        <p:cTn id="53" dur="1" fill="hold">
-                                          <p:stCondLst>
-                                            <p:cond delay="0"/>
-                                          </p:stCondLst>
-                                        </p:cTn>
-                                        <p:tgtEl>
-                                          <p:spTgt spid="27"/>
-                                        </p:tgtEl>
-                                        <p:attrNameLst>
-                                          <p:attrName>style.visibility</p:attrName>
-                                        </p:attrNameLst>
-                                      </p:cBhvr>
-                                      <p:to>
-                                        <p:strVal val="visible"/>
-                                      </p:to>
-                                    </p:set>
-                                    <p:animEffect transition="in" filter="wipe(down)">
-                                      <p:cBhvr>
-                                        <p:cTn id="54" dur="500"/>
-                                        <p:tgtEl>
-                                          <p:spTgt spid="27"/>
-                                        </p:tgtEl>
-                                      </p:cBhvr>
-                                    </p:animEffect>
-                                  </p:childTnLst>
-                                </p:cTn>
-                              </p:par>
-                              <p:par>
-                                <p:cTn id="55" presetID="16" presetClass="entr" presetSubtype="21" fill="hold" nodeType="withEffect">
-                                  <p:stCondLst>
-                                    <p:cond delay="0"/>
-                                  </p:stCondLst>
-                                  <p:childTnLst>
-                                    <p:set>
-                                      <p:cBhvr>
-                                        <p:cTn id="56" dur="1" fill="hold">
-                                          <p:stCondLst>
-                                            <p:cond delay="0"/>
-                                          </p:stCondLst>
-                                        </p:cTn>
-                                        <p:tgtEl>
-                                          <p:spTgt spid="22"/>
-                                        </p:tgtEl>
-                                        <p:attrNameLst>
-                                          <p:attrName>style.visibility</p:attrName>
-                                        </p:attrNameLst>
-                                      </p:cBhvr>
-                                      <p:to>
-                                        <p:strVal val="visible"/>
-                                      </p:to>
-                                    </p:set>
-                                    <p:animEffect transition="in" filter="barn(inVertical)">
-                                      <p:cBhvr>
-                                        <p:cTn id="57" dur="500"/>
-                                        <p:tgtEl>
-                                          <p:spTgt spid="22"/>
-                                        </p:tgtEl>
-                                      </p:cBhvr>
-                                    </p:animEffect>
-                                  </p:childTnLst>
-                                </p:cTn>
-                              </p:par>
-                              <p:par>
-                                <p:cTn id="58" presetID="16" presetClass="entr" presetSubtype="21" fill="hold" nodeType="withEffect">
-                                  <p:stCondLst>
-                                    <p:cond delay="0"/>
-                                  </p:stCondLst>
-                                  <p:childTnLst>
-                                    <p:set>
-                                      <p:cBhvr>
-                                        <p:cTn id="59" dur="1" fill="hold">
-                                          <p:stCondLst>
-                                            <p:cond delay="0"/>
-                                          </p:stCondLst>
-                                        </p:cTn>
-                                        <p:tgtEl>
-                                          <p:spTgt spid="24"/>
-                                        </p:tgtEl>
-                                        <p:attrNameLst>
-                                          <p:attrName>style.visibility</p:attrName>
-                                        </p:attrNameLst>
-                                      </p:cBhvr>
-                                      <p:to>
-                                        <p:strVal val="visible"/>
-                                      </p:to>
-                                    </p:set>
-                                    <p:animEffect transition="in" filter="barn(inVertical)">
-                                      <p:cBhvr>
-                                        <p:cTn id="60" dur="500"/>
-                                        <p:tgtEl>
-                                          <p:spTgt spid="24"/>
-                                        </p:tgtEl>
-                                      </p:cBhvr>
-                                    </p:animEffect>
-                                  </p:childTnLst>
-                                </p:cTn>
-                              </p:par>
-                            </p:childTnLst>
-                          </p:cTn>
-                        </p:par>
-                      </p:childTnLst>
-                    </p:cTn>
-                  </p:par>
-                </p:childTnLst>
-              </p:cTn>
-              <p:prevCondLst>
-                <p:cond evt="onPrev" delay="0">
-                  <p:tgtEl>
-                    <p:sldTgt/>
-                  </p:tgtEl>
-                </p:cond>
-              </p:prevCondLst>
-              <p:nextCondLst>
-                <p:cond evt="onNext" delay="0">
-                  <p:tgtEl>
-                    <p:sldTgt/>
-                  </p:tgtEl>
-                </p:cond>
-              </p:nextCondLst>
-            </p:seq>
-          </p:childTnLst>
-        </p:cTn>
-      </p:par>
-    </p:tnLst>
-    <p:bldLst>
-      <p:bldP spid="9" grpId="0"/>
-      <p:bldP spid="6" grpId="0" animBg="1"/>
-      <p:bldP spid="13" grpId="0" animBg="1"/>
-      <p:bldP spid="14" grpId="0" animBg="1"/>
-      <p:bldP spid="15" grpId="0" animBg="1"/>
-      <p:bldP spid="11" grpId="0"/>
-      <p:bldP spid="26" grpId="0" animBg="1"/>
-      <p:bldP spid="27" grpId="0"/>
-      <p:bldP spid="30" grpId="0" animBg="1"/>
-      <p:bldP spid="35" grpId="0" animBg="1"/>
-    </p:bldLst>
-  </p:timing>
-</p:sld>
-</file>
-
-<file path=ppt/slides/slide6.xml><?xml version="1.0" encoding="utf-8"?>
-<p:sld xmlns:a="http://schemas.openxmlformats.org/drawingml/2006/main" xmlns:r="http://schemas.openxmlformats.org/officeDocument/2006/relationships" xmlns:p="http://schemas.openxmlformats.org/presentationml/2006/main">
-  <p:cSld>
-    <p:spTree>
-      <p:nvGrpSpPr>
-        <p:cNvPr id="1" name=""/>
-        <p:cNvGrpSpPr/>
-        <p:nvPr/>
-      </p:nvGrpSpPr>
-      <p:grpSpPr>
-        <a:xfrm>
-          <a:off x="0" y="0"/>
-          <a:ext cx="0" cy="0"/>
-          <a:chOff x="0" y="0"/>
-          <a:chExt cx="0" cy="0"/>
-        </a:xfrm>
-      </p:grpSpPr>
-      <p:sp>
-        <p:nvSpPr>
-          <p:cNvPr id="3" name="Título 1">
-            <a:extLst>
-              <a:ext uri="{FF2B5EF4-FFF2-40B4-BE49-F238E27FC236}">
-                <a16:creationId xmlns:a16="http://schemas.microsoft.com/office/drawing/2014/main" xmlns="" id="{C74FDE85-A811-49B8-BCA5-144B3BF9178F}"/>
-              </a:ext>
-            </a:extLst>
-          </p:cNvPr>
-          <p:cNvSpPr txBox="1">
-            <a:spLocks/>
-          </p:cNvSpPr>
-          <p:nvPr/>
-        </p:nvSpPr>
-        <p:spPr>
-          <a:xfrm>
-            <a:off x="3453715" y="0"/>
-            <a:ext cx="5768343" cy="674703"/>
-          </a:xfrm>
-          <a:prstGeom prst="rect">
-            <a:avLst/>
-          </a:prstGeom>
-        </p:spPr>
-        <p:txBody>
-          <a:bodyPr vert="horz" lIns="91440" tIns="45720" rIns="91440" bIns="45720" rtlCol="0" anchor="ctr">
-            <a:normAutofit fontScale="60000" lnSpcReduction="20000"/>
-          </a:bodyPr>
-          <a:lstStyle>
-            <a:lvl1pPr algn="l" defTabSz="914400" rtl="0" eaLnBrk="1" latinLnBrk="0" hangingPunct="1">
-              <a:lnSpc>
-                <a:spcPct val="90000"/>
-              </a:lnSpc>
-              <a:spcBef>
-                <a:spcPct val="0"/>
-              </a:spcBef>
-              <a:buNone/>
-              <a:defRPr sz="4400" kern="1200">
-                <a:solidFill>
-                  <a:schemeClr val="tx1"/>
-                </a:solidFill>
-                <a:latin typeface="+mj-lt"/>
-                <a:ea typeface="+mj-ea"/>
-                <a:cs typeface="+mj-cs"/>
-              </a:defRPr>
-            </a:lvl1pPr>
-          </a:lstStyle>
-          <a:p>
-            <a:pPr algn="ctr"/>
-            <a:r>
-              <a:rPr lang="es-CO" b="1" dirty="0" smtClean="0">
-                <a:solidFill>
-                  <a:schemeClr val="bg1"/>
-                </a:solidFill>
-              </a:rPr>
-              <a:t>VERIFICAR EL DIAGRAMA DE CLASES CONTRA EL DIAGRAMA DE OBJETOS</a:t>
-            </a:r>
-            <a:endParaRPr lang="es-CO" b="1" dirty="0">
-              <a:solidFill>
-                <a:schemeClr val="bg1"/>
-              </a:solidFill>
-              <a:latin typeface="Calabri"/>
-            </a:endParaRPr>
-          </a:p>
-        </p:txBody>
-      </p:sp>
-      <p:sp>
-        <p:nvSpPr>
-          <p:cNvPr id="2" name="CuadroTexto 1"/>
-          <p:cNvSpPr txBox="1"/>
-          <p:nvPr/>
-        </p:nvSpPr>
-        <p:spPr>
-          <a:xfrm>
-            <a:off x="2583094" y="891744"/>
-            <a:ext cx="8919793" cy="707886"/>
-          </a:xfrm>
-          <a:prstGeom prst="rect">
-            <a:avLst/>
-          </a:prstGeom>
-          <a:noFill/>
-        </p:spPr>
-        <p:txBody>
-          <a:bodyPr wrap="square" rtlCol="0">
-            <a:spAutoFit/>
-          </a:bodyPr>
-          <a:lstStyle/>
-          <a:p>
-            <a:r>
-              <a:rPr lang="es-CO" sz="2000" dirty="0" smtClean="0"/>
-              <a:t>Instanciar el diagrama para un gato y un perro, verificando que se encuentre toda la información requerida</a:t>
-            </a:r>
-            <a:endParaRPr lang="es-CO" sz="2000" dirty="0"/>
-          </a:p>
-        </p:txBody>
-      </p:sp>
-      <p:grpSp>
-        <p:nvGrpSpPr>
-          <p:cNvPr id="36" name="Grupo 35"/>
-          <p:cNvGrpSpPr/>
-          <p:nvPr/>
-        </p:nvGrpSpPr>
-        <p:grpSpPr>
-          <a:xfrm>
-            <a:off x="354862" y="1787451"/>
-            <a:ext cx="5390801" cy="3712202"/>
-            <a:chOff x="354862" y="1787450"/>
-            <a:chExt cx="5700250" cy="3795821"/>
-          </a:xfrm>
-        </p:grpSpPr>
-        <p:sp>
-          <p:nvSpPr>
-            <p:cNvPr id="5" name="Rectángulo redondeado 4"/>
-            <p:cNvSpPr/>
-            <p:nvPr/>
-          </p:nvSpPr>
-          <p:spPr>
-            <a:xfrm>
-              <a:off x="354862" y="1787450"/>
-              <a:ext cx="2228232" cy="1879149"/>
-            </a:xfrm>
-            <a:prstGeom prst="roundRect">
-              <a:avLst/>
-            </a:prstGeom>
-            <a:solidFill>
-              <a:schemeClr val="bg1">
-                <a:lumMod val="85000"/>
-              </a:schemeClr>
-            </a:solidFill>
-          </p:spPr>
-          <p:style>
-            <a:lnRef idx="2">
-              <a:schemeClr val="dk1"/>
-            </a:lnRef>
-            <a:fillRef idx="1">
-              <a:schemeClr val="lt1"/>
-            </a:fillRef>
-            <a:effectRef idx="0">
-              <a:schemeClr val="dk1"/>
-            </a:effectRef>
-            <a:fontRef idx="minor">
-              <a:schemeClr val="dk1"/>
-            </a:fontRef>
-          </p:style>
-          <p:txBody>
-            <a:bodyPr rtlCol="0" anchor="ctr"/>
-            <a:lstStyle/>
-            <a:p>
-              <a:pPr algn="ctr"/>
-              <a:r>
-                <a:rPr lang="es-CO" dirty="0" smtClean="0">
-                  <a:solidFill>
-                    <a:schemeClr val="tx1"/>
-                  </a:solidFill>
-                </a:rPr>
-                <a:t>(</a:t>
-              </a:r>
-              <a:r>
-                <a:rPr lang="es-CO" dirty="0" err="1" smtClean="0">
-                  <a:solidFill>
-                    <a:schemeClr val="tx1"/>
-                  </a:solidFill>
-                </a:rPr>
-                <a:t>Pet</a:t>
-              </a:r>
-              <a:r>
-                <a:rPr lang="es-CO" dirty="0" smtClean="0">
-                  <a:solidFill>
-                    <a:schemeClr val="tx1"/>
-                  </a:solidFill>
-                </a:rPr>
-                <a:t>)</a:t>
-              </a:r>
-            </a:p>
-            <a:p>
-              <a:pPr algn="ctr"/>
-              <a:r>
-                <a:rPr lang="es-CO" dirty="0" smtClean="0">
-                  <a:solidFill>
-                    <a:schemeClr val="tx1"/>
-                  </a:solidFill>
-                </a:rPr>
-                <a:t>cat1</a:t>
-              </a:r>
-            </a:p>
-            <a:p>
-              <a:pPr algn="ctr"/>
-              <a:r>
-                <a:rPr lang="es-CO" dirty="0" err="1" smtClean="0">
-                  <a:solidFill>
-                    <a:schemeClr val="tx1"/>
-                  </a:solidFill>
-                </a:rPr>
-                <a:t>Michin</a:t>
-              </a:r>
-              <a:endParaRPr lang="es-CO" dirty="0" smtClean="0">
-                <a:solidFill>
-                  <a:schemeClr val="tx1"/>
-                </a:solidFill>
-              </a:endParaRPr>
-            </a:p>
-            <a:p>
-              <a:pPr algn="ctr"/>
-              <a:r>
-                <a:rPr lang="es-CO" dirty="0" smtClean="0">
-                  <a:solidFill>
-                    <a:schemeClr val="tx1"/>
-                  </a:solidFill>
-                </a:rPr>
-                <a:t>2000</a:t>
-              </a:r>
-            </a:p>
-            <a:p>
-              <a:pPr algn="ctr"/>
-              <a:r>
-                <a:rPr lang="es-CO" dirty="0" smtClean="0">
-                  <a:solidFill>
-                    <a:schemeClr val="tx1"/>
-                  </a:solidFill>
-                </a:rPr>
-                <a:t>Café-negro</a:t>
-              </a:r>
-            </a:p>
-            <a:p>
-              <a:pPr algn="ctr"/>
-              <a:r>
-                <a:rPr lang="es-CO" dirty="0" smtClean="0">
-                  <a:solidFill>
-                    <a:schemeClr val="tx1"/>
-                  </a:solidFill>
-                </a:rPr>
-                <a:t>bueno</a:t>
-              </a:r>
-              <a:endParaRPr lang="es-CO" dirty="0">
-                <a:solidFill>
-                  <a:schemeClr val="tx1"/>
-                </a:solidFill>
-              </a:endParaRPr>
-            </a:p>
-            <a:p>
-              <a:pPr algn="ctr"/>
-              <a:endParaRPr lang="es-CO" dirty="0">
-                <a:solidFill>
-                  <a:schemeClr val="tx1"/>
-                </a:solidFill>
-              </a:endParaRPr>
-            </a:p>
-          </p:txBody>
-        </p:sp>
-        <p:sp>
-          <p:nvSpPr>
-            <p:cNvPr id="6" name="Rectángulo redondeado 5"/>
-            <p:cNvSpPr/>
-            <p:nvPr/>
-          </p:nvSpPr>
-          <p:spPr>
-            <a:xfrm>
-              <a:off x="3579092" y="1787450"/>
-              <a:ext cx="2476020" cy="1617100"/>
-            </a:xfrm>
-            <a:prstGeom prst="roundRect">
-              <a:avLst/>
-            </a:prstGeom>
-            <a:solidFill>
-              <a:schemeClr val="bg1">
-                <a:lumMod val="85000"/>
-              </a:schemeClr>
-            </a:solidFill>
-          </p:spPr>
-          <p:style>
-            <a:lnRef idx="2">
-              <a:schemeClr val="dk1"/>
-            </a:lnRef>
-            <a:fillRef idx="1">
-              <a:schemeClr val="lt1"/>
-            </a:fillRef>
-            <a:effectRef idx="0">
-              <a:schemeClr val="dk1"/>
-            </a:effectRef>
-            <a:fontRef idx="minor">
-              <a:schemeClr val="dk1"/>
-            </a:fontRef>
-          </p:style>
-          <p:txBody>
-            <a:bodyPr rtlCol="0" anchor="ctr"/>
-            <a:lstStyle/>
-            <a:p>
-              <a:pPr algn="ctr"/>
-              <a:r>
-                <a:rPr lang="es-CO" dirty="0" smtClean="0">
-                  <a:solidFill>
-                    <a:schemeClr val="tx1"/>
-                  </a:solidFill>
-                </a:rPr>
-                <a:t>(</a:t>
-              </a:r>
-              <a:r>
-                <a:rPr lang="es-CO" dirty="0" err="1" smtClean="0">
-                  <a:solidFill>
-                    <a:schemeClr val="tx1"/>
-                  </a:solidFill>
-                </a:rPr>
-                <a:t>Veterinary</a:t>
-              </a:r>
-              <a:r>
-                <a:rPr lang="es-CO" dirty="0" smtClean="0">
-                  <a:solidFill>
-                    <a:schemeClr val="tx1"/>
-                  </a:solidFill>
-                </a:rPr>
-                <a:t>)</a:t>
-              </a:r>
-            </a:p>
-            <a:p>
-              <a:pPr algn="ctr"/>
-              <a:r>
-                <a:rPr lang="es-CO" dirty="0" smtClean="0">
-                  <a:solidFill>
-                    <a:schemeClr val="tx1"/>
-                  </a:solidFill>
-                </a:rPr>
-                <a:t>Cuidando su mascota</a:t>
-              </a:r>
-            </a:p>
-            <a:p>
-              <a:pPr algn="ctr"/>
-              <a:r>
-                <a:rPr lang="es-CO" dirty="0" smtClean="0">
-                  <a:solidFill>
-                    <a:schemeClr val="tx1"/>
-                  </a:solidFill>
-                </a:rPr>
-                <a:t>312 889 6117</a:t>
-              </a:r>
-            </a:p>
-            <a:p>
-              <a:pPr algn="ctr"/>
-              <a:r>
-                <a:rPr lang="es-CO" dirty="0" err="1" smtClean="0">
-                  <a:solidFill>
-                    <a:schemeClr val="tx1"/>
-                  </a:solidFill>
-                </a:rPr>
-                <a:t>Cll</a:t>
-              </a:r>
-              <a:r>
-                <a:rPr lang="es-CO" dirty="0" smtClean="0">
-                  <a:solidFill>
-                    <a:schemeClr val="tx1"/>
-                  </a:solidFill>
-                </a:rPr>
-                <a:t> 51B 11-52</a:t>
-              </a:r>
-              <a:endParaRPr lang="es-CO" dirty="0">
-                <a:solidFill>
-                  <a:schemeClr val="tx1"/>
-                </a:solidFill>
-              </a:endParaRPr>
-            </a:p>
-            <a:p>
-              <a:pPr algn="ctr"/>
-              <a:endParaRPr lang="es-CO" dirty="0">
-                <a:solidFill>
-                  <a:schemeClr val="tx1"/>
-                </a:solidFill>
-              </a:endParaRPr>
-            </a:p>
-          </p:txBody>
-        </p:sp>
-        <p:sp>
-          <p:nvSpPr>
-            <p:cNvPr id="7" name="Rectángulo redondeado 6"/>
-            <p:cNvSpPr/>
-            <p:nvPr/>
-          </p:nvSpPr>
-          <p:spPr>
-            <a:xfrm>
-              <a:off x="3921452" y="4255776"/>
-              <a:ext cx="2133660" cy="1258135"/>
-            </a:xfrm>
-            <a:prstGeom prst="roundRect">
-              <a:avLst/>
-            </a:prstGeom>
-            <a:solidFill>
-              <a:schemeClr val="bg1">
-                <a:lumMod val="85000"/>
-              </a:schemeClr>
-            </a:solidFill>
-          </p:spPr>
-          <p:style>
-            <a:lnRef idx="2">
-              <a:schemeClr val="dk1"/>
-            </a:lnRef>
-            <a:fillRef idx="1">
-              <a:schemeClr val="lt1"/>
-            </a:fillRef>
-            <a:effectRef idx="0">
-              <a:schemeClr val="dk1"/>
-            </a:effectRef>
-            <a:fontRef idx="minor">
-              <a:schemeClr val="dk1"/>
-            </a:fontRef>
-          </p:style>
-          <p:txBody>
-            <a:bodyPr rtlCol="0" anchor="ctr"/>
-            <a:lstStyle/>
-            <a:p>
-              <a:pPr algn="ctr"/>
-              <a:endParaRPr lang="es-CO" dirty="0" smtClean="0">
-                <a:solidFill>
-                  <a:schemeClr val="tx1"/>
-                </a:solidFill>
-              </a:endParaRPr>
-            </a:p>
-            <a:p>
-              <a:pPr algn="ctr"/>
-              <a:r>
-                <a:rPr lang="es-CO" dirty="0" smtClean="0">
-                  <a:solidFill>
-                    <a:schemeClr val="tx1"/>
-                  </a:solidFill>
-                </a:rPr>
-                <a:t>(Doctor)</a:t>
-              </a:r>
-            </a:p>
-            <a:p>
-              <a:pPr algn="ctr"/>
-              <a:r>
-                <a:rPr lang="es-CO" dirty="0" smtClean="0">
-                  <a:solidFill>
-                    <a:schemeClr val="tx1"/>
-                  </a:solidFill>
-                </a:rPr>
-                <a:t>Gerardo Galindo</a:t>
-              </a:r>
-            </a:p>
-            <a:p>
-              <a:pPr algn="ctr"/>
-              <a:r>
-                <a:rPr lang="es-CO" dirty="0" err="1" smtClean="0">
-                  <a:solidFill>
-                    <a:schemeClr val="tx1"/>
-                  </a:solidFill>
-                </a:rPr>
-                <a:t>Lic</a:t>
-              </a:r>
-              <a:r>
-                <a:rPr lang="es-CO" dirty="0" smtClean="0">
-                  <a:solidFill>
-                    <a:schemeClr val="tx1"/>
-                  </a:solidFill>
-                </a:rPr>
-                <a:t> 123</a:t>
-              </a:r>
-              <a:endParaRPr lang="es-CO" dirty="0">
-                <a:solidFill>
-                  <a:schemeClr val="tx1"/>
-                </a:solidFill>
-              </a:endParaRPr>
-            </a:p>
-            <a:p>
-              <a:pPr algn="ctr"/>
-              <a:endParaRPr lang="es-CO" dirty="0">
-                <a:solidFill>
-                  <a:schemeClr val="tx1"/>
-                </a:solidFill>
-              </a:endParaRPr>
-            </a:p>
-          </p:txBody>
-        </p:sp>
-        <p:sp>
-          <p:nvSpPr>
-            <p:cNvPr id="9" name="Rectángulo redondeado 8"/>
-            <p:cNvSpPr/>
-            <p:nvPr/>
-          </p:nvSpPr>
-          <p:spPr>
-            <a:xfrm>
-              <a:off x="842707" y="4369566"/>
-              <a:ext cx="1252542" cy="1213705"/>
-            </a:xfrm>
-            <a:prstGeom prst="roundRect">
-              <a:avLst/>
-            </a:prstGeom>
-            <a:solidFill>
-              <a:schemeClr val="bg1">
-                <a:lumMod val="85000"/>
-              </a:schemeClr>
-            </a:solidFill>
-          </p:spPr>
-          <p:style>
-            <a:lnRef idx="2">
-              <a:schemeClr val="dk1"/>
-            </a:lnRef>
-            <a:fillRef idx="1">
-              <a:schemeClr val="lt1"/>
-            </a:fillRef>
-            <a:effectRef idx="0">
-              <a:schemeClr val="dk1"/>
-            </a:effectRef>
-            <a:fontRef idx="minor">
-              <a:schemeClr val="dk1"/>
-            </a:fontRef>
-          </p:style>
-          <p:txBody>
-            <a:bodyPr rtlCol="0" anchor="ctr"/>
-            <a:lstStyle/>
-            <a:p>
-              <a:pPr algn="ctr"/>
-              <a:r>
-                <a:rPr lang="es-CO" dirty="0" smtClean="0">
-                  <a:solidFill>
-                    <a:schemeClr val="tx1"/>
-                  </a:solidFill>
-                </a:rPr>
-                <a:t>(</a:t>
-              </a:r>
-              <a:r>
-                <a:rPr lang="es-CO" dirty="0" err="1" smtClean="0">
-                  <a:solidFill>
-                    <a:schemeClr val="tx1"/>
-                  </a:solidFill>
-                </a:rPr>
-                <a:t>Cat</a:t>
-              </a:r>
-              <a:r>
-                <a:rPr lang="es-CO" dirty="0" smtClean="0">
-                  <a:solidFill>
-                    <a:schemeClr val="tx1"/>
-                  </a:solidFill>
-                </a:rPr>
-                <a:t>)</a:t>
-              </a:r>
-            </a:p>
-            <a:p>
-              <a:pPr algn="ctr"/>
-              <a:r>
-                <a:rPr lang="es-CO" dirty="0" smtClean="0">
-                  <a:solidFill>
-                    <a:schemeClr val="tx1"/>
-                  </a:solidFill>
-                </a:rPr>
-                <a:t>bengala</a:t>
-              </a:r>
-              <a:endParaRPr lang="es-CO" dirty="0">
-                <a:solidFill>
-                  <a:schemeClr val="tx1"/>
-                </a:solidFill>
-              </a:endParaRPr>
-            </a:p>
-            <a:p>
-              <a:pPr algn="ctr"/>
-              <a:endParaRPr lang="es-CO" dirty="0">
-                <a:solidFill>
-                  <a:schemeClr val="tx1"/>
-                </a:solidFill>
-              </a:endParaRPr>
-            </a:p>
-          </p:txBody>
-        </p:sp>
-        <p:cxnSp>
-          <p:nvCxnSpPr>
-            <p:cNvPr id="11" name="Conector recto 10"/>
-            <p:cNvCxnSpPr>
-              <a:stCxn id="5" idx="2"/>
-              <a:endCxn id="9" idx="0"/>
-            </p:cNvCxnSpPr>
-            <p:nvPr/>
-          </p:nvCxnSpPr>
-          <p:spPr>
-            <a:xfrm>
-              <a:off x="1468978" y="3666599"/>
-              <a:ext cx="0" cy="702967"/>
-            </a:xfrm>
-            <a:prstGeom prst="line">
-              <a:avLst/>
-            </a:prstGeom>
-            <a:ln w="38100">
-              <a:solidFill>
-                <a:srgbClr val="00B050"/>
-              </a:solidFill>
-            </a:ln>
-          </p:spPr>
-          <p:style>
-            <a:lnRef idx="1">
-              <a:schemeClr val="accent1"/>
-            </a:lnRef>
-            <a:fillRef idx="0">
-              <a:schemeClr val="accent1"/>
-            </a:fillRef>
-            <a:effectRef idx="0">
-              <a:schemeClr val="accent1"/>
-            </a:effectRef>
-            <a:fontRef idx="minor">
-              <a:schemeClr val="tx1"/>
-            </a:fontRef>
-          </p:style>
-        </p:cxnSp>
-        <p:cxnSp>
-          <p:nvCxnSpPr>
-            <p:cNvPr id="14" name="Conector recto 13"/>
-            <p:cNvCxnSpPr>
-              <a:endCxn id="6" idx="1"/>
-            </p:cNvCxnSpPr>
-            <p:nvPr/>
-          </p:nvCxnSpPr>
-          <p:spPr>
-            <a:xfrm flipV="1">
-              <a:off x="2569507" y="2596000"/>
-              <a:ext cx="1009585" cy="14678"/>
-            </a:xfrm>
-            <a:prstGeom prst="line">
-              <a:avLst/>
-            </a:prstGeom>
-            <a:ln w="38100">
-              <a:solidFill>
-                <a:srgbClr val="00B050"/>
-              </a:solidFill>
-            </a:ln>
-          </p:spPr>
-          <p:style>
-            <a:lnRef idx="1">
-              <a:schemeClr val="accent1"/>
-            </a:lnRef>
-            <a:fillRef idx="0">
-              <a:schemeClr val="accent1"/>
-            </a:fillRef>
-            <a:effectRef idx="0">
-              <a:schemeClr val="accent1"/>
-            </a:effectRef>
-            <a:fontRef idx="minor">
-              <a:schemeClr val="tx1"/>
-            </a:fontRef>
-          </p:style>
-        </p:cxnSp>
-        <p:cxnSp>
-          <p:nvCxnSpPr>
-            <p:cNvPr id="16" name="Conector recto 15"/>
-            <p:cNvCxnSpPr/>
-            <p:nvPr/>
-          </p:nvCxnSpPr>
-          <p:spPr>
-            <a:xfrm>
-              <a:off x="4951963" y="3422050"/>
-              <a:ext cx="5464" cy="833726"/>
-            </a:xfrm>
-            <a:prstGeom prst="line">
-              <a:avLst/>
-            </a:prstGeom>
-            <a:ln w="38100">
-              <a:solidFill>
-                <a:srgbClr val="00B050"/>
-              </a:solidFill>
-            </a:ln>
-          </p:spPr>
-          <p:style>
-            <a:lnRef idx="1">
-              <a:schemeClr val="accent1"/>
-            </a:lnRef>
-            <a:fillRef idx="0">
-              <a:schemeClr val="accent1"/>
-            </a:fillRef>
-            <a:effectRef idx="0">
-              <a:schemeClr val="accent1"/>
-            </a:effectRef>
-            <a:fontRef idx="minor">
-              <a:schemeClr val="tx1"/>
-            </a:fontRef>
-          </p:style>
-        </p:cxnSp>
-      </p:grpSp>
-      <p:grpSp>
-        <p:nvGrpSpPr>
-          <p:cNvPr id="35" name="Grupo 34"/>
-          <p:cNvGrpSpPr/>
-          <p:nvPr/>
-        </p:nvGrpSpPr>
-        <p:grpSpPr>
-          <a:xfrm>
-            <a:off x="6125073" y="1755116"/>
-            <a:ext cx="5581528" cy="3828274"/>
-            <a:chOff x="507262" y="1939850"/>
-            <a:chExt cx="5700250" cy="3795821"/>
-          </a:xfrm>
-        </p:grpSpPr>
-        <p:sp>
-          <p:nvSpPr>
-            <p:cNvPr id="28" name="Rectángulo redondeado 27"/>
-            <p:cNvSpPr/>
-            <p:nvPr/>
-          </p:nvSpPr>
-          <p:spPr>
-            <a:xfrm>
-              <a:off x="507262" y="1939850"/>
-              <a:ext cx="2228232" cy="1879149"/>
-            </a:xfrm>
-            <a:prstGeom prst="roundRect">
-              <a:avLst/>
-            </a:prstGeom>
-            <a:solidFill>
-              <a:schemeClr val="bg1">
-                <a:lumMod val="85000"/>
-              </a:schemeClr>
-            </a:solidFill>
-          </p:spPr>
-          <p:style>
-            <a:lnRef idx="2">
-              <a:schemeClr val="dk1"/>
-            </a:lnRef>
-            <a:fillRef idx="1">
-              <a:schemeClr val="lt1"/>
-            </a:fillRef>
-            <a:effectRef idx="0">
-              <a:schemeClr val="dk1"/>
-            </a:effectRef>
-            <a:fontRef idx="minor">
-              <a:schemeClr val="dk1"/>
-            </a:fontRef>
-          </p:style>
-          <p:txBody>
-            <a:bodyPr rtlCol="0" anchor="ctr"/>
-            <a:lstStyle/>
-            <a:p>
-              <a:pPr algn="ctr"/>
-              <a:r>
-                <a:rPr lang="es-CO" dirty="0" smtClean="0">
-                  <a:solidFill>
-                    <a:schemeClr val="tx1"/>
-                  </a:solidFill>
-                </a:rPr>
-                <a:t>(</a:t>
-              </a:r>
-              <a:r>
-                <a:rPr lang="es-CO" dirty="0" err="1" smtClean="0">
-                  <a:solidFill>
-                    <a:schemeClr val="tx1"/>
-                  </a:solidFill>
-                </a:rPr>
-                <a:t>Pet</a:t>
-              </a:r>
-              <a:r>
-                <a:rPr lang="es-CO" dirty="0" smtClean="0">
-                  <a:solidFill>
-                    <a:schemeClr val="tx1"/>
-                  </a:solidFill>
-                </a:rPr>
-                <a:t>)</a:t>
-              </a:r>
-            </a:p>
-            <a:p>
-              <a:pPr algn="ctr"/>
-              <a:r>
-                <a:rPr lang="es-CO" dirty="0" smtClean="0">
-                  <a:solidFill>
-                    <a:schemeClr val="tx1"/>
-                  </a:solidFill>
-                </a:rPr>
-                <a:t>cat1</a:t>
-              </a:r>
-            </a:p>
-            <a:p>
-              <a:pPr algn="ctr"/>
-              <a:r>
-                <a:rPr lang="es-CO" dirty="0" err="1" smtClean="0">
-                  <a:solidFill>
-                    <a:schemeClr val="tx1"/>
-                  </a:solidFill>
-                </a:rPr>
-                <a:t>Michin</a:t>
-              </a:r>
-              <a:endParaRPr lang="es-CO" dirty="0" smtClean="0">
-                <a:solidFill>
-                  <a:schemeClr val="tx1"/>
-                </a:solidFill>
-              </a:endParaRPr>
-            </a:p>
-            <a:p>
-              <a:pPr algn="ctr"/>
-              <a:r>
-                <a:rPr lang="es-CO" dirty="0" smtClean="0">
-                  <a:solidFill>
-                    <a:schemeClr val="tx1"/>
-                  </a:solidFill>
-                </a:rPr>
-                <a:t>2000</a:t>
-              </a:r>
-            </a:p>
-            <a:p>
-              <a:pPr algn="ctr"/>
-              <a:r>
-                <a:rPr lang="es-CO" dirty="0" smtClean="0">
-                  <a:solidFill>
-                    <a:schemeClr val="tx1"/>
-                  </a:solidFill>
-                </a:rPr>
-                <a:t>Café-negro</a:t>
-              </a:r>
-            </a:p>
-            <a:p>
-              <a:pPr algn="ctr"/>
-              <a:r>
-                <a:rPr lang="es-CO" dirty="0" smtClean="0">
-                  <a:solidFill>
-                    <a:schemeClr val="tx1"/>
-                  </a:solidFill>
-                </a:rPr>
-                <a:t>bueno</a:t>
-              </a:r>
-              <a:endParaRPr lang="es-CO" dirty="0">
-                <a:solidFill>
-                  <a:schemeClr val="tx1"/>
-                </a:solidFill>
-              </a:endParaRPr>
-            </a:p>
-            <a:p>
-              <a:pPr algn="ctr"/>
-              <a:endParaRPr lang="es-CO" dirty="0">
-                <a:solidFill>
-                  <a:schemeClr val="tx1"/>
-                </a:solidFill>
-              </a:endParaRPr>
-            </a:p>
-          </p:txBody>
-        </p:sp>
-        <p:sp>
-          <p:nvSpPr>
-            <p:cNvPr id="29" name="Rectángulo redondeado 28"/>
-            <p:cNvSpPr/>
-            <p:nvPr/>
-          </p:nvSpPr>
-          <p:spPr>
-            <a:xfrm>
-              <a:off x="3731492" y="1939850"/>
-              <a:ext cx="2476020" cy="1617100"/>
-            </a:xfrm>
-            <a:prstGeom prst="roundRect">
-              <a:avLst/>
-            </a:prstGeom>
-            <a:solidFill>
-              <a:schemeClr val="bg1">
-                <a:lumMod val="85000"/>
-              </a:schemeClr>
-            </a:solidFill>
-          </p:spPr>
-          <p:style>
-            <a:lnRef idx="2">
-              <a:schemeClr val="dk1"/>
-            </a:lnRef>
-            <a:fillRef idx="1">
-              <a:schemeClr val="lt1"/>
-            </a:fillRef>
-            <a:effectRef idx="0">
-              <a:schemeClr val="dk1"/>
-            </a:effectRef>
-            <a:fontRef idx="minor">
-              <a:schemeClr val="dk1"/>
-            </a:fontRef>
-          </p:style>
-          <p:txBody>
-            <a:bodyPr rtlCol="0" anchor="ctr"/>
-            <a:lstStyle/>
-            <a:p>
-              <a:pPr algn="ctr"/>
-              <a:r>
-                <a:rPr lang="es-CO" dirty="0" smtClean="0">
-                  <a:solidFill>
-                    <a:schemeClr val="tx1"/>
-                  </a:solidFill>
-                </a:rPr>
-                <a:t>(</a:t>
-              </a:r>
-              <a:r>
-                <a:rPr lang="es-CO" dirty="0" err="1" smtClean="0">
-                  <a:solidFill>
-                    <a:schemeClr val="tx1"/>
-                  </a:solidFill>
-                </a:rPr>
-                <a:t>Veterinary</a:t>
-              </a:r>
-              <a:r>
-                <a:rPr lang="es-CO" dirty="0" smtClean="0">
-                  <a:solidFill>
-                    <a:schemeClr val="tx1"/>
-                  </a:solidFill>
-                </a:rPr>
-                <a:t>)</a:t>
-              </a:r>
-            </a:p>
-            <a:p>
-              <a:pPr algn="ctr"/>
-              <a:r>
-                <a:rPr lang="es-CO" dirty="0" smtClean="0">
-                  <a:solidFill>
-                    <a:schemeClr val="tx1"/>
-                  </a:solidFill>
-                </a:rPr>
-                <a:t>Cuidando su mascota</a:t>
-              </a:r>
-            </a:p>
-            <a:p>
-              <a:pPr algn="ctr"/>
-              <a:r>
-                <a:rPr lang="es-CO" dirty="0" smtClean="0">
-                  <a:solidFill>
-                    <a:schemeClr val="tx1"/>
-                  </a:solidFill>
-                </a:rPr>
-                <a:t>312 889 6117</a:t>
-              </a:r>
-            </a:p>
-            <a:p>
-              <a:pPr algn="ctr"/>
-              <a:r>
-                <a:rPr lang="es-CO" dirty="0" err="1" smtClean="0">
-                  <a:solidFill>
-                    <a:schemeClr val="tx1"/>
-                  </a:solidFill>
-                </a:rPr>
-                <a:t>Cll</a:t>
-              </a:r>
-              <a:r>
-                <a:rPr lang="es-CO" dirty="0" smtClean="0">
-                  <a:solidFill>
-                    <a:schemeClr val="tx1"/>
-                  </a:solidFill>
-                </a:rPr>
-                <a:t> 51B 11-52</a:t>
-              </a:r>
-              <a:endParaRPr lang="es-CO" dirty="0">
-                <a:solidFill>
-                  <a:schemeClr val="tx1"/>
-                </a:solidFill>
-              </a:endParaRPr>
-            </a:p>
-            <a:p>
-              <a:pPr algn="ctr"/>
-              <a:endParaRPr lang="es-CO" dirty="0">
-                <a:solidFill>
-                  <a:schemeClr val="tx1"/>
-                </a:solidFill>
-              </a:endParaRPr>
-            </a:p>
-          </p:txBody>
-        </p:sp>
-        <p:sp>
-          <p:nvSpPr>
-            <p:cNvPr id="30" name="Rectángulo redondeado 29"/>
-            <p:cNvSpPr/>
-            <p:nvPr/>
-          </p:nvSpPr>
-          <p:spPr>
-            <a:xfrm>
-              <a:off x="4183152" y="4365398"/>
-              <a:ext cx="2024360" cy="1355493"/>
-            </a:xfrm>
-            <a:prstGeom prst="roundRect">
-              <a:avLst/>
-            </a:prstGeom>
-            <a:solidFill>
-              <a:schemeClr val="bg1">
-                <a:lumMod val="85000"/>
-              </a:schemeClr>
-            </a:solidFill>
-          </p:spPr>
-          <p:style>
-            <a:lnRef idx="2">
-              <a:schemeClr val="dk1"/>
-            </a:lnRef>
-            <a:fillRef idx="1">
-              <a:schemeClr val="lt1"/>
-            </a:fillRef>
-            <a:effectRef idx="0">
-              <a:schemeClr val="dk1"/>
-            </a:effectRef>
-            <a:fontRef idx="minor">
-              <a:schemeClr val="dk1"/>
-            </a:fontRef>
-          </p:style>
-          <p:txBody>
-            <a:bodyPr rtlCol="0" anchor="ctr"/>
-            <a:lstStyle/>
-            <a:p>
-              <a:pPr algn="ctr"/>
-              <a:r>
-                <a:rPr lang="es-CO" dirty="0" smtClean="0">
-                  <a:solidFill>
-                    <a:schemeClr val="tx1"/>
-                  </a:solidFill>
-                </a:rPr>
-                <a:t>(Doctor)</a:t>
-              </a:r>
-            </a:p>
-            <a:p>
-              <a:pPr algn="ctr"/>
-              <a:r>
-                <a:rPr lang="es-CO" dirty="0" smtClean="0">
-                  <a:solidFill>
-                    <a:schemeClr val="tx1"/>
-                  </a:solidFill>
-                </a:rPr>
-                <a:t>Gerardo Galindo</a:t>
-              </a:r>
-            </a:p>
-            <a:p>
-              <a:pPr algn="ctr"/>
-              <a:r>
-                <a:rPr lang="es-CO" dirty="0" err="1" smtClean="0">
-                  <a:solidFill>
-                    <a:schemeClr val="tx1"/>
-                  </a:solidFill>
-                </a:rPr>
-                <a:t>Lic</a:t>
-              </a:r>
-              <a:r>
-                <a:rPr lang="es-CO" dirty="0" smtClean="0">
-                  <a:solidFill>
-                    <a:schemeClr val="tx1"/>
-                  </a:solidFill>
-                </a:rPr>
-                <a:t> 123</a:t>
-              </a:r>
-              <a:endParaRPr lang="es-CO" dirty="0">
-                <a:solidFill>
-                  <a:schemeClr val="tx1"/>
-                </a:solidFill>
-              </a:endParaRPr>
-            </a:p>
-            <a:p>
-              <a:pPr algn="ctr"/>
-              <a:endParaRPr lang="es-CO" dirty="0">
-                <a:solidFill>
-                  <a:schemeClr val="tx1"/>
-                </a:solidFill>
-              </a:endParaRPr>
-            </a:p>
-          </p:txBody>
-        </p:sp>
-        <p:sp>
-          <p:nvSpPr>
-            <p:cNvPr id="31" name="Rectángulo redondeado 30"/>
-            <p:cNvSpPr/>
-            <p:nvPr/>
-          </p:nvSpPr>
-          <p:spPr>
-            <a:xfrm>
-              <a:off x="995107" y="4521966"/>
-              <a:ext cx="1252542" cy="1213705"/>
-            </a:xfrm>
-            <a:prstGeom prst="roundRect">
-              <a:avLst/>
-            </a:prstGeom>
-            <a:solidFill>
-              <a:schemeClr val="bg1">
-                <a:lumMod val="85000"/>
-              </a:schemeClr>
-            </a:solidFill>
-          </p:spPr>
-          <p:style>
-            <a:lnRef idx="2">
-              <a:schemeClr val="dk1"/>
-            </a:lnRef>
-            <a:fillRef idx="1">
-              <a:schemeClr val="lt1"/>
-            </a:fillRef>
-            <a:effectRef idx="0">
-              <a:schemeClr val="dk1"/>
-            </a:effectRef>
-            <a:fontRef idx="minor">
-              <a:schemeClr val="dk1"/>
-            </a:fontRef>
-          </p:style>
-          <p:txBody>
-            <a:bodyPr rtlCol="0" anchor="ctr"/>
-            <a:lstStyle/>
-            <a:p>
-              <a:pPr algn="ctr"/>
-              <a:r>
-                <a:rPr lang="es-CO" dirty="0" smtClean="0">
-                  <a:solidFill>
-                    <a:schemeClr val="tx1"/>
-                  </a:solidFill>
-                </a:rPr>
-                <a:t>(</a:t>
-              </a:r>
-              <a:r>
-                <a:rPr lang="es-CO" dirty="0" err="1" smtClean="0">
-                  <a:solidFill>
-                    <a:schemeClr val="tx1"/>
-                  </a:solidFill>
-                </a:rPr>
-                <a:t>Dog</a:t>
-              </a:r>
-              <a:r>
-                <a:rPr lang="es-CO" dirty="0" smtClean="0">
-                  <a:solidFill>
-                    <a:schemeClr val="tx1"/>
-                  </a:solidFill>
-                </a:rPr>
-                <a:t>)</a:t>
-              </a:r>
-            </a:p>
-            <a:p>
-              <a:pPr algn="ctr"/>
-              <a:r>
-                <a:rPr lang="es-CO" dirty="0" smtClean="0">
-                  <a:solidFill>
-                    <a:schemeClr val="tx1"/>
-                  </a:solidFill>
-                </a:rPr>
-                <a:t>Max</a:t>
-              </a:r>
-            </a:p>
-            <a:p>
-              <a:pPr algn="ctr"/>
-              <a:r>
-                <a:rPr lang="es-CO" dirty="0" smtClean="0">
-                  <a:solidFill>
-                    <a:schemeClr val="tx1"/>
-                  </a:solidFill>
-                </a:rPr>
-                <a:t>False</a:t>
-              </a:r>
-              <a:endParaRPr lang="es-CO" dirty="0">
-                <a:solidFill>
-                  <a:schemeClr val="tx1"/>
-                </a:solidFill>
-              </a:endParaRPr>
-            </a:p>
-            <a:p>
-              <a:pPr algn="ctr"/>
-              <a:endParaRPr lang="es-CO" dirty="0">
-                <a:solidFill>
-                  <a:schemeClr val="tx1"/>
-                </a:solidFill>
-              </a:endParaRPr>
-            </a:p>
-          </p:txBody>
-        </p:sp>
-        <p:cxnSp>
-          <p:nvCxnSpPr>
-            <p:cNvPr id="32" name="Conector recto 31"/>
-            <p:cNvCxnSpPr>
-              <a:stCxn id="28" idx="2"/>
-              <a:endCxn id="31" idx="0"/>
-            </p:cNvCxnSpPr>
-            <p:nvPr/>
-          </p:nvCxnSpPr>
-          <p:spPr>
-            <a:xfrm>
-              <a:off x="1621378" y="3818999"/>
-              <a:ext cx="0" cy="702967"/>
-            </a:xfrm>
-            <a:prstGeom prst="line">
-              <a:avLst/>
-            </a:prstGeom>
-            <a:ln w="38100">
-              <a:solidFill>
-                <a:srgbClr val="00B050"/>
-              </a:solidFill>
-            </a:ln>
-          </p:spPr>
-          <p:style>
-            <a:lnRef idx="1">
-              <a:schemeClr val="accent1"/>
-            </a:lnRef>
-            <a:fillRef idx="0">
-              <a:schemeClr val="accent1"/>
-            </a:fillRef>
-            <a:effectRef idx="0">
-              <a:schemeClr val="accent1"/>
-            </a:effectRef>
-            <a:fontRef idx="minor">
-              <a:schemeClr val="tx1"/>
-            </a:fontRef>
-          </p:style>
-        </p:cxnSp>
-        <p:cxnSp>
-          <p:nvCxnSpPr>
-            <p:cNvPr id="33" name="Conector recto 32"/>
-            <p:cNvCxnSpPr>
-              <a:endCxn id="29" idx="1"/>
-            </p:cNvCxnSpPr>
-            <p:nvPr/>
-          </p:nvCxnSpPr>
-          <p:spPr>
-            <a:xfrm flipV="1">
-              <a:off x="2721907" y="2748400"/>
-              <a:ext cx="1009585" cy="14678"/>
-            </a:xfrm>
-            <a:prstGeom prst="line">
-              <a:avLst/>
-            </a:prstGeom>
-            <a:ln w="38100">
-              <a:solidFill>
-                <a:srgbClr val="00B050"/>
-              </a:solidFill>
-            </a:ln>
-          </p:spPr>
-          <p:style>
-            <a:lnRef idx="1">
-              <a:schemeClr val="accent1"/>
-            </a:lnRef>
-            <a:fillRef idx="0">
-              <a:schemeClr val="accent1"/>
-            </a:fillRef>
-            <a:effectRef idx="0">
-              <a:schemeClr val="accent1"/>
-            </a:effectRef>
-            <a:fontRef idx="minor">
-              <a:schemeClr val="tx1"/>
-            </a:fontRef>
-          </p:style>
-        </p:cxnSp>
-        <p:cxnSp>
-          <p:nvCxnSpPr>
-            <p:cNvPr id="34" name="Conector recto 33"/>
-            <p:cNvCxnSpPr>
-              <a:endCxn id="30" idx="0"/>
-            </p:cNvCxnSpPr>
-            <p:nvPr/>
-          </p:nvCxnSpPr>
-          <p:spPr>
-            <a:xfrm>
-              <a:off x="5183726" y="3556950"/>
-              <a:ext cx="11606" cy="808448"/>
-            </a:xfrm>
-            <a:prstGeom prst="line">
-              <a:avLst/>
-            </a:prstGeom>
-            <a:ln w="38100">
-              <a:solidFill>
-                <a:srgbClr val="00B050"/>
-              </a:solidFill>
-            </a:ln>
-          </p:spPr>
-          <p:style>
-            <a:lnRef idx="1">
-              <a:schemeClr val="accent1"/>
-            </a:lnRef>
-            <a:fillRef idx="0">
-              <a:schemeClr val="accent1"/>
-            </a:fillRef>
-            <a:effectRef idx="0">
-              <a:schemeClr val="accent1"/>
-            </a:effectRef>
-            <a:fontRef idx="minor">
-              <a:schemeClr val="tx1"/>
-            </a:fontRef>
-          </p:style>
-        </p:cxnSp>
-      </p:grpSp>
-      <p:sp>
-        <p:nvSpPr>
-          <p:cNvPr id="38" name="CuadroTexto 37"/>
-          <p:cNvSpPr txBox="1"/>
-          <p:nvPr/>
-        </p:nvSpPr>
-        <p:spPr>
-          <a:xfrm>
-            <a:off x="1962526" y="5431821"/>
-            <a:ext cx="2546659" cy="707886"/>
-          </a:xfrm>
-          <a:prstGeom prst="rect">
-            <a:avLst/>
-          </a:prstGeom>
-          <a:noFill/>
-        </p:spPr>
-        <p:txBody>
-          <a:bodyPr wrap="none" rtlCol="0">
-            <a:spAutoFit/>
-          </a:bodyPr>
-          <a:lstStyle/>
-          <a:p>
-            <a:r>
-              <a:rPr lang="es-CO" sz="2000" b="1" dirty="0" err="1" smtClean="0">
-                <a:solidFill>
-                  <a:srgbClr val="FF0000"/>
-                </a:solidFill>
-              </a:rPr>
-              <a:t>Intanciación</a:t>
-            </a:r>
-            <a:r>
-              <a:rPr lang="es-CO" sz="2000" b="1" dirty="0" smtClean="0">
-                <a:solidFill>
-                  <a:srgbClr val="FF0000"/>
-                </a:solidFill>
-              </a:rPr>
-              <a:t> de un </a:t>
-            </a:r>
-            <a:r>
-              <a:rPr lang="es-CO" sz="2000" b="1" dirty="0" err="1" smtClean="0">
-                <a:solidFill>
-                  <a:srgbClr val="FF0000"/>
-                </a:solidFill>
-              </a:rPr>
-              <a:t>Cat</a:t>
-            </a:r>
-            <a:endParaRPr lang="es-CO" sz="2000" b="1" dirty="0" smtClean="0">
-              <a:solidFill>
-                <a:srgbClr val="FF0000"/>
-              </a:solidFill>
-            </a:endParaRPr>
-          </a:p>
-          <a:p>
-            <a:r>
-              <a:rPr lang="es-CO" sz="2000" b="1" dirty="0" smtClean="0">
-                <a:solidFill>
-                  <a:srgbClr val="FF0000"/>
-                </a:solidFill>
-              </a:rPr>
-              <a:t>11 atributos =&gt; ok</a:t>
-            </a:r>
-            <a:endParaRPr lang="es-CO" sz="2000" b="1" dirty="0">
-              <a:solidFill>
-                <a:srgbClr val="FF0000"/>
-              </a:solidFill>
-            </a:endParaRPr>
-          </a:p>
-        </p:txBody>
-      </p:sp>
-      <p:sp>
-        <p:nvSpPr>
-          <p:cNvPr id="39" name="CuadroTexto 38"/>
-          <p:cNvSpPr txBox="1"/>
-          <p:nvPr/>
-        </p:nvSpPr>
-        <p:spPr>
-          <a:xfrm>
-            <a:off x="7487125" y="5701104"/>
-            <a:ext cx="2619563" cy="707886"/>
-          </a:xfrm>
-          <a:prstGeom prst="rect">
-            <a:avLst/>
-          </a:prstGeom>
-          <a:noFill/>
-        </p:spPr>
-        <p:txBody>
-          <a:bodyPr wrap="none" rtlCol="0">
-            <a:spAutoFit/>
-          </a:bodyPr>
-          <a:lstStyle/>
-          <a:p>
-            <a:r>
-              <a:rPr lang="es-CO" sz="2000" b="1" dirty="0" err="1" smtClean="0">
-                <a:solidFill>
-                  <a:srgbClr val="FF0000"/>
-                </a:solidFill>
-              </a:rPr>
-              <a:t>Intanciación</a:t>
-            </a:r>
-            <a:r>
-              <a:rPr lang="es-CO" sz="2000" b="1" dirty="0" smtClean="0">
-                <a:solidFill>
-                  <a:srgbClr val="FF0000"/>
-                </a:solidFill>
-              </a:rPr>
-              <a:t> de un </a:t>
-            </a:r>
-            <a:r>
-              <a:rPr lang="es-CO" sz="2000" b="1" dirty="0" err="1" smtClean="0">
-                <a:solidFill>
-                  <a:srgbClr val="FF0000"/>
-                </a:solidFill>
-              </a:rPr>
-              <a:t>Dog</a:t>
-            </a:r>
-            <a:endParaRPr lang="es-CO" sz="2000" b="1" dirty="0" smtClean="0">
-              <a:solidFill>
-                <a:srgbClr val="FF0000"/>
-              </a:solidFill>
-            </a:endParaRPr>
-          </a:p>
-          <a:p>
-            <a:r>
-              <a:rPr lang="es-CO" sz="2000" b="1" dirty="0" smtClean="0">
-                <a:solidFill>
-                  <a:srgbClr val="FF0000"/>
-                </a:solidFill>
-              </a:rPr>
-              <a:t>12 atributos =&gt; ok</a:t>
-            </a:r>
-            <a:endParaRPr lang="es-CO" sz="2000" b="1" dirty="0">
-              <a:solidFill>
-                <a:srgbClr val="FF0000"/>
-              </a:solidFill>
-            </a:endParaRPr>
-          </a:p>
-        </p:txBody>
-      </p:sp>
-    </p:spTree>
-    <p:extLst>
-      <p:ext uri="{BB962C8B-B14F-4D97-AF65-F5344CB8AC3E}">
-        <p14:creationId xmlns:p14="http://schemas.microsoft.com/office/powerpoint/2010/main" val="15908844"/>
-      </p:ext>
-    </p:extLst>
-  </p:cSld>
-  <p:clrMapOvr>
-    <a:masterClrMapping/>
-  </p:clrMapOvr>
-  <p:transition spd="slow">
-    <p:wipe/>
-  </p:transition>
-  <p:timing>
-    <p:tnLst>
-      <p:par>
-        <p:cTn id="1" dur="indefinite" restart="never" nodeType="tmRoot"/>
-      </p:par>
-    </p:tnLst>
-  </p:timing>
-</p:sld>
-</file>
-
-<file path=ppt/slides/slide7.xml><?xml version="1.0" encoding="utf-8"?>
-<p:sld xmlns:a="http://schemas.openxmlformats.org/drawingml/2006/main" xmlns:r="http://schemas.openxmlformats.org/officeDocument/2006/relationships" xmlns:p="http://schemas.openxmlformats.org/presentationml/2006/main">
-  <p:cSld>
-    <p:spTree>
-      <p:nvGrpSpPr>
-        <p:cNvPr id="1" name=""/>
-        <p:cNvGrpSpPr/>
-        <p:nvPr/>
-      </p:nvGrpSpPr>
-      <p:grpSpPr>
-        <a:xfrm>
-          <a:off x="0" y="0"/>
-          <a:ext cx="0" cy="0"/>
-          <a:chOff x="0" y="0"/>
-          <a:chExt cx="0" cy="0"/>
-        </a:xfrm>
-      </p:grpSpPr>
-      <p:sp>
-        <p:nvSpPr>
-          <p:cNvPr id="3" name="Título 1">
-            <a:extLst>
-              <a:ext uri="{FF2B5EF4-FFF2-40B4-BE49-F238E27FC236}">
-                <a16:creationId xmlns:a16="http://schemas.microsoft.com/office/drawing/2014/main" xmlns="" id="{C74FDE85-A811-49B8-BCA5-144B3BF9178F}"/>
-              </a:ext>
-            </a:extLst>
-          </p:cNvPr>
-          <p:cNvSpPr txBox="1">
-            <a:spLocks/>
-          </p:cNvSpPr>
-          <p:nvPr/>
-        </p:nvSpPr>
-        <p:spPr>
-          <a:xfrm>
-            <a:off x="3453715" y="0"/>
-            <a:ext cx="5768343" cy="674703"/>
-          </a:xfrm>
-          <a:prstGeom prst="rect">
-            <a:avLst/>
-          </a:prstGeom>
-        </p:spPr>
-        <p:txBody>
-          <a:bodyPr vert="horz" lIns="91440" tIns="45720" rIns="91440" bIns="45720" rtlCol="0" anchor="ctr">
-            <a:normAutofit fontScale="60000" lnSpcReduction="20000"/>
-          </a:bodyPr>
-          <a:lstStyle>
-            <a:lvl1pPr algn="l" defTabSz="914400" rtl="0" eaLnBrk="1" latinLnBrk="0" hangingPunct="1">
-              <a:lnSpc>
-                <a:spcPct val="90000"/>
-              </a:lnSpc>
-              <a:spcBef>
-                <a:spcPct val="0"/>
-              </a:spcBef>
-              <a:buNone/>
-              <a:defRPr sz="4400" kern="1200">
-                <a:solidFill>
-                  <a:schemeClr val="tx1"/>
-                </a:solidFill>
-                <a:latin typeface="+mj-lt"/>
-                <a:ea typeface="+mj-ea"/>
-                <a:cs typeface="+mj-cs"/>
-              </a:defRPr>
-            </a:lvl1pPr>
-          </a:lstStyle>
-          <a:p>
-            <a:pPr algn="ctr"/>
-            <a:r>
-              <a:rPr lang="es-CO" b="1" dirty="0" smtClean="0">
-                <a:solidFill>
-                  <a:schemeClr val="bg1"/>
-                </a:solidFill>
-              </a:rPr>
-              <a:t>DIAGRAMA CLASES Y CORRESPONDENCIA EN CÓDIGO JAVA</a:t>
-            </a:r>
-            <a:endParaRPr lang="es-CO" b="1" dirty="0">
-              <a:solidFill>
-                <a:schemeClr val="bg1"/>
-              </a:solidFill>
-              <a:latin typeface="Calabri"/>
-            </a:endParaRPr>
-          </a:p>
-        </p:txBody>
-      </p:sp>
-      <p:sp>
-        <p:nvSpPr>
-          <p:cNvPr id="5" name="CuadroTexto 4"/>
-          <p:cNvSpPr txBox="1"/>
-          <p:nvPr/>
-        </p:nvSpPr>
-        <p:spPr>
-          <a:xfrm>
-            <a:off x="-10703" y="1479090"/>
-            <a:ext cx="7897395" cy="5078313"/>
-          </a:xfrm>
-          <a:prstGeom prst="rect">
-            <a:avLst/>
-          </a:prstGeom>
-          <a:noFill/>
-        </p:spPr>
-        <p:txBody>
-          <a:bodyPr wrap="square" rtlCol="0">
-            <a:spAutoFit/>
-          </a:bodyPr>
-          <a:lstStyle/>
-          <a:p>
-            <a:r>
-              <a:rPr lang="es-CO" dirty="0" smtClean="0"/>
-              <a:t>3.1. Crear la clase padre </a:t>
-            </a:r>
-            <a:r>
-              <a:rPr lang="es-CO" b="1" dirty="0" err="1" smtClean="0">
-                <a:solidFill>
-                  <a:srgbClr val="0070C0"/>
-                </a:solidFill>
-              </a:rPr>
-              <a:t>clsPet</a:t>
-            </a:r>
-            <a:r>
-              <a:rPr lang="es-CO" dirty="0" smtClean="0"/>
-              <a:t>, con sus respectivos: atributos, constructor y encapsulamiento (</a:t>
-            </a:r>
-            <a:r>
-              <a:rPr lang="es-CO" dirty="0" err="1" smtClean="0"/>
-              <a:t>get</a:t>
-            </a:r>
-            <a:r>
-              <a:rPr lang="es-CO" dirty="0" smtClean="0"/>
-              <a:t>-set por atributo); adicionalmente crear cada uno de los métodos personalizados que no se encapsularon(ver diagrama clases)</a:t>
-            </a:r>
-          </a:p>
-          <a:p>
-            <a:endParaRPr lang="es-CO" dirty="0" smtClean="0"/>
-          </a:p>
-          <a:p>
-            <a:r>
-              <a:rPr lang="es-CO" dirty="0" smtClean="0"/>
-              <a:t>3.2. crear la clase hija </a:t>
-            </a:r>
-            <a:r>
-              <a:rPr lang="es-CO" b="1" dirty="0" err="1">
-                <a:solidFill>
-                  <a:srgbClr val="0070C0"/>
-                </a:solidFill>
-              </a:rPr>
-              <a:t>clsCat</a:t>
-            </a:r>
-            <a:r>
-              <a:rPr lang="es-CO" dirty="0" smtClean="0"/>
-              <a:t>, aplicar herencia con </a:t>
-            </a:r>
-            <a:r>
-              <a:rPr lang="es-CO" b="1" dirty="0" err="1">
-                <a:solidFill>
-                  <a:srgbClr val="0070C0"/>
-                </a:solidFill>
-              </a:rPr>
-              <a:t>extends</a:t>
-            </a:r>
-            <a:r>
-              <a:rPr lang="es-CO" dirty="0" smtClean="0"/>
-              <a:t>, encapsular sus atributos, crear el constructor completo</a:t>
-            </a:r>
-            <a:r>
-              <a:rPr lang="es-CO" dirty="0"/>
-              <a:t>); adicionalmente crear cada uno de los métodos personalizados que no se encapsularon(ver diagrama clases</a:t>
-            </a:r>
-            <a:r>
-              <a:rPr lang="es-CO" dirty="0" smtClean="0"/>
-              <a:t>)</a:t>
-            </a:r>
-          </a:p>
-          <a:p>
-            <a:endParaRPr lang="es-CO" dirty="0"/>
-          </a:p>
-          <a:p>
-            <a:r>
-              <a:rPr lang="es-CO" dirty="0" smtClean="0"/>
-              <a:t>3.3. </a:t>
-            </a:r>
-            <a:r>
-              <a:rPr lang="es-CO" dirty="0"/>
-              <a:t>crear la clase hija </a:t>
-            </a:r>
-            <a:r>
-              <a:rPr lang="es-CO" b="1" dirty="0" err="1" smtClean="0">
-                <a:solidFill>
-                  <a:srgbClr val="0070C0"/>
-                </a:solidFill>
-              </a:rPr>
-              <a:t>clsDog</a:t>
-            </a:r>
-            <a:r>
-              <a:rPr lang="es-CO" dirty="0" smtClean="0"/>
-              <a:t>, </a:t>
-            </a:r>
-            <a:r>
-              <a:rPr lang="es-CO" dirty="0"/>
-              <a:t>aplicar herencia con </a:t>
-            </a:r>
-            <a:r>
-              <a:rPr lang="es-CO" b="1" dirty="0" err="1">
-                <a:solidFill>
-                  <a:srgbClr val="0070C0"/>
-                </a:solidFill>
-              </a:rPr>
-              <a:t>extends</a:t>
-            </a:r>
-            <a:r>
-              <a:rPr lang="es-CO" dirty="0"/>
-              <a:t>, encapsular sus atributos, crear el constructor completo); adicionalmente crear cada uno de los métodos personalizados que no se encapsularon(ver diagrama clases</a:t>
-            </a:r>
-            <a:r>
-              <a:rPr lang="es-CO" dirty="0" smtClean="0"/>
-              <a:t>)</a:t>
-            </a:r>
-          </a:p>
-          <a:p>
-            <a:endParaRPr lang="es-CO" dirty="0"/>
-          </a:p>
-          <a:p>
-            <a:r>
-              <a:rPr lang="es-CO" dirty="0" smtClean="0"/>
-              <a:t>3.4 Crear la clase </a:t>
-            </a:r>
-            <a:r>
-              <a:rPr lang="es-CO" b="1" dirty="0" err="1">
-                <a:solidFill>
-                  <a:srgbClr val="0070C0"/>
-                </a:solidFill>
-              </a:rPr>
-              <a:t>clsDoctor</a:t>
-            </a:r>
-            <a:r>
-              <a:rPr lang="es-CO" dirty="0" smtClean="0"/>
-              <a:t>; encapsular</a:t>
-            </a:r>
-          </a:p>
-          <a:p>
-            <a:endParaRPr lang="es-CO" dirty="0" smtClean="0"/>
-          </a:p>
-          <a:p>
-            <a:r>
-              <a:rPr lang="es-CO" dirty="0" smtClean="0"/>
-              <a:t>3.5 Crear la clase </a:t>
-            </a:r>
-            <a:r>
-              <a:rPr lang="es-CO" b="1" dirty="0" err="1">
-                <a:solidFill>
-                  <a:srgbClr val="0070C0"/>
-                </a:solidFill>
-              </a:rPr>
-              <a:t>clsVeterinary</a:t>
-            </a:r>
-            <a:r>
-              <a:rPr lang="es-CO" dirty="0" smtClean="0"/>
-              <a:t>; adicionar </a:t>
-            </a:r>
-            <a:r>
-              <a:rPr lang="es-CO" dirty="0"/>
-              <a:t>el atributo </a:t>
-            </a:r>
-            <a:r>
-              <a:rPr lang="es-CO" b="1" dirty="0" err="1">
-                <a:solidFill>
-                  <a:srgbClr val="FF0000"/>
-                </a:solidFill>
-              </a:rPr>
-              <a:t>clsDoctor</a:t>
-            </a:r>
-            <a:r>
-              <a:rPr lang="es-CO" b="1" dirty="0">
-                <a:solidFill>
-                  <a:srgbClr val="FF0000"/>
-                </a:solidFill>
-              </a:rPr>
-              <a:t> </a:t>
-            </a:r>
-            <a:r>
-              <a:rPr lang="es-CO" b="1" dirty="0" smtClean="0">
-                <a:solidFill>
-                  <a:srgbClr val="FF0000"/>
-                </a:solidFill>
-              </a:rPr>
-              <a:t>doctor,</a:t>
-            </a:r>
-            <a:r>
-              <a:rPr lang="es-CO" dirty="0" smtClean="0"/>
-              <a:t> encapsular </a:t>
-            </a:r>
-            <a:r>
-              <a:rPr lang="es-CO" dirty="0"/>
-              <a:t>y crear constructor </a:t>
-            </a:r>
-            <a:r>
-              <a:rPr lang="es-CO" dirty="0" smtClean="0"/>
-              <a:t>completo; de esta forma sea aplicado composición al incluir en el constructor la asociación con la clase </a:t>
-            </a:r>
-            <a:r>
-              <a:rPr lang="es-CO" dirty="0" err="1" smtClean="0"/>
-              <a:t>clsDoctor</a:t>
-            </a:r>
-            <a:endParaRPr lang="es-CO" dirty="0"/>
-          </a:p>
-          <a:p>
-            <a:endParaRPr lang="es-CO" dirty="0"/>
-          </a:p>
-        </p:txBody>
-      </p:sp>
-      <p:pic>
-        <p:nvPicPr>
-          <p:cNvPr id="6" name="Imagen 5"/>
-          <p:cNvPicPr>
-            <a:picLocks noChangeAspect="1"/>
-          </p:cNvPicPr>
-          <p:nvPr/>
-        </p:nvPicPr>
-        <p:blipFill>
-          <a:blip r:embed="rId2"/>
-          <a:stretch>
-            <a:fillRect/>
-          </a:stretch>
-        </p:blipFill>
-        <p:spPr>
-          <a:xfrm>
-            <a:off x="7886693" y="958404"/>
-            <a:ext cx="4242290" cy="5565686"/>
-          </a:xfrm>
-          <a:prstGeom prst="rect">
-            <a:avLst/>
-          </a:prstGeom>
-        </p:spPr>
-      </p:pic>
-      <p:sp>
-        <p:nvSpPr>
-          <p:cNvPr id="7" name="CuadroTexto 6"/>
-          <p:cNvSpPr txBox="1"/>
-          <p:nvPr/>
-        </p:nvSpPr>
-        <p:spPr>
-          <a:xfrm>
-            <a:off x="2498502" y="674572"/>
-            <a:ext cx="5206618" cy="1200329"/>
-          </a:xfrm>
-          <a:prstGeom prst="rect">
-            <a:avLst/>
-          </a:prstGeom>
-          <a:noFill/>
-        </p:spPr>
-        <p:txBody>
-          <a:bodyPr wrap="none" rtlCol="0">
-            <a:spAutoFit/>
-          </a:bodyPr>
-          <a:lstStyle/>
-          <a:p>
-            <a:pPr marL="342900" indent="-342900">
-              <a:buAutoNum type="arabicPeriod"/>
-            </a:pPr>
-            <a:r>
-              <a:rPr lang="es-CO" dirty="0"/>
-              <a:t>Se crea un nuevo proyecto  </a:t>
-            </a:r>
-            <a:r>
-              <a:rPr lang="es-CO" b="1" dirty="0" err="1">
-                <a:solidFill>
-                  <a:srgbClr val="0070C0"/>
-                </a:solidFill>
-              </a:rPr>
-              <a:t>PetManager</a:t>
-            </a:r>
-            <a:endParaRPr lang="es-CO" b="1" dirty="0">
-              <a:solidFill>
-                <a:srgbClr val="0070C0"/>
-              </a:solidFill>
-            </a:endParaRPr>
-          </a:p>
-          <a:p>
-            <a:pPr marL="342900" indent="-342900">
-              <a:buAutoNum type="arabicPeriod"/>
-            </a:pPr>
-            <a:r>
-              <a:rPr lang="es-CO" dirty="0"/>
-              <a:t>Incluir una clase con </a:t>
-            </a:r>
-            <a:r>
-              <a:rPr lang="es-CO" b="1" dirty="0" err="1">
-                <a:solidFill>
-                  <a:srgbClr val="0070C0"/>
-                </a:solidFill>
-              </a:rPr>
-              <a:t>main</a:t>
-            </a:r>
-            <a:r>
-              <a:rPr lang="es-CO" b="1" dirty="0">
-                <a:solidFill>
-                  <a:srgbClr val="0070C0"/>
-                </a:solidFill>
-              </a:rPr>
-              <a:t>()</a:t>
-            </a:r>
-          </a:p>
-          <a:p>
-            <a:pPr marL="342900" indent="-342900">
-              <a:buAutoNum type="arabicPeriod"/>
-            </a:pPr>
-            <a:r>
-              <a:rPr lang="es-CO" dirty="0"/>
-              <a:t>Crear un paquete para las clases, llamado  </a:t>
-            </a:r>
-            <a:r>
-              <a:rPr lang="es-CO" b="1" dirty="0" err="1">
-                <a:solidFill>
-                  <a:srgbClr val="0070C0"/>
-                </a:solidFill>
-              </a:rPr>
-              <a:t>Classes</a:t>
-            </a:r>
-            <a:endParaRPr lang="es-CO" b="1" dirty="0">
-              <a:solidFill>
-                <a:srgbClr val="0070C0"/>
-              </a:solidFill>
-            </a:endParaRPr>
-          </a:p>
-          <a:p>
-            <a:endParaRPr lang="es-CO" dirty="0"/>
-          </a:p>
-        </p:txBody>
-      </p:sp>
-      <p:sp>
-        <p:nvSpPr>
-          <p:cNvPr id="8" name="CuadroTexto 7"/>
-          <p:cNvSpPr txBox="1"/>
-          <p:nvPr/>
-        </p:nvSpPr>
-        <p:spPr>
-          <a:xfrm>
-            <a:off x="3657600" y="6339424"/>
-            <a:ext cx="4943405" cy="369332"/>
-          </a:xfrm>
-          <a:prstGeom prst="rect">
-            <a:avLst/>
-          </a:prstGeom>
-          <a:noFill/>
-        </p:spPr>
-        <p:txBody>
-          <a:bodyPr wrap="none" rtlCol="0">
-            <a:spAutoFit/>
-          </a:bodyPr>
-          <a:lstStyle/>
-          <a:p>
-            <a:r>
-              <a:rPr lang="es-CO" dirty="0" smtClean="0"/>
-              <a:t>3.6.  Aplicar </a:t>
-            </a:r>
-            <a:r>
-              <a:rPr lang="es-CO" dirty="0" smtClean="0">
-                <a:solidFill>
-                  <a:srgbClr val="00B050"/>
-                </a:solidFill>
-              </a:rPr>
-              <a:t>agregación</a:t>
-            </a:r>
-            <a:r>
-              <a:rPr lang="es-CO" dirty="0" smtClean="0">
-                <a:solidFill>
-                  <a:srgbClr val="FF0000"/>
-                </a:solidFill>
-              </a:rPr>
-              <a:t> </a:t>
-            </a:r>
-            <a:r>
-              <a:rPr lang="es-CO" dirty="0" smtClean="0"/>
-              <a:t>entre </a:t>
-            </a:r>
-            <a:r>
-              <a:rPr lang="es-CO" dirty="0" err="1" smtClean="0"/>
-              <a:t>clsPet</a:t>
-            </a:r>
-            <a:r>
-              <a:rPr lang="es-CO" dirty="0" smtClean="0"/>
-              <a:t> y </a:t>
-            </a:r>
-            <a:r>
-              <a:rPr lang="es-CO" dirty="0" err="1" smtClean="0"/>
-              <a:t>clsVeterinary</a:t>
-            </a:r>
-            <a:endParaRPr lang="es-CO" dirty="0"/>
-          </a:p>
-        </p:txBody>
-      </p:sp>
-    </p:spTree>
-    <p:extLst>
-      <p:ext uri="{BB962C8B-B14F-4D97-AF65-F5344CB8AC3E}">
-        <p14:creationId xmlns:p14="http://schemas.microsoft.com/office/powerpoint/2010/main" val="1595165188"/>
-      </p:ext>
-    </p:extLst>
-  </p:cSld>
-  <p:clrMapOvr>
-    <a:masterClrMapping/>
-  </p:clrMapOvr>
-  <p:transition spd="slow">
-    <p:wipe/>
-  </p:transition>
-  <p:timing>
-    <p:tnLst>
-      <p:par>
-        <p:cTn id="1" dur="indefinite" restart="never" nodeType="tmRoot"/>
-      </p:par>
-    </p:tnLst>
-  </p:timing>
-</p:sld>
-</file>
-
-<file path=ppt/slides/slide8.xml><?xml version="1.0" encoding="utf-8"?>
-<p:sld xmlns:a="http://schemas.openxmlformats.org/drawingml/2006/main" xmlns:r="http://schemas.openxmlformats.org/officeDocument/2006/relationships" xmlns:p="http://schemas.openxmlformats.org/presentationml/2006/main">
-  <p:cSld>
-    <p:spTree>
-      <p:nvGrpSpPr>
-        <p:cNvPr id="1" name=""/>
-        <p:cNvGrpSpPr/>
-        <p:nvPr/>
-      </p:nvGrpSpPr>
-      <p:grpSpPr>
-        <a:xfrm>
-          <a:off x="0" y="0"/>
-          <a:ext cx="0" cy="0"/>
-          <a:chOff x="0" y="0"/>
-          <a:chExt cx="0" cy="0"/>
-        </a:xfrm>
-      </p:grpSpPr>
-      <p:sp>
-        <p:nvSpPr>
-          <p:cNvPr id="3" name="Título 1">
-            <a:extLst>
-              <a:ext uri="{FF2B5EF4-FFF2-40B4-BE49-F238E27FC236}">
-                <a16:creationId xmlns:a16="http://schemas.microsoft.com/office/drawing/2014/main" xmlns="" id="{C74FDE85-A811-49B8-BCA5-144B3BF9178F}"/>
-              </a:ext>
-            </a:extLst>
-          </p:cNvPr>
-          <p:cNvSpPr txBox="1">
-            <a:spLocks/>
-          </p:cNvSpPr>
-          <p:nvPr/>
-        </p:nvSpPr>
-        <p:spPr>
-          <a:xfrm>
-            <a:off x="3453715" y="0"/>
-            <a:ext cx="5768343" cy="674703"/>
-          </a:xfrm>
-          <a:prstGeom prst="rect">
-            <a:avLst/>
-          </a:prstGeom>
-        </p:spPr>
-        <p:txBody>
-          <a:bodyPr vert="horz" lIns="91440" tIns="45720" rIns="91440" bIns="45720" rtlCol="0" anchor="ctr">
-            <a:normAutofit fontScale="60000" lnSpcReduction="20000"/>
-          </a:bodyPr>
-          <a:lstStyle>
-            <a:lvl1pPr algn="l" defTabSz="914400" rtl="0" eaLnBrk="1" latinLnBrk="0" hangingPunct="1">
-              <a:lnSpc>
-                <a:spcPct val="90000"/>
-              </a:lnSpc>
-              <a:spcBef>
-                <a:spcPct val="0"/>
-              </a:spcBef>
-              <a:buNone/>
-              <a:defRPr sz="4400" kern="1200">
-                <a:solidFill>
-                  <a:schemeClr val="tx1"/>
-                </a:solidFill>
-                <a:latin typeface="+mj-lt"/>
-                <a:ea typeface="+mj-ea"/>
-                <a:cs typeface="+mj-cs"/>
-              </a:defRPr>
-            </a:lvl1pPr>
-          </a:lstStyle>
-          <a:p>
-            <a:pPr algn="ctr"/>
-            <a:r>
-              <a:rPr lang="es-CO" b="1" dirty="0" smtClean="0">
-                <a:solidFill>
-                  <a:schemeClr val="bg1"/>
-                </a:solidFill>
-                <a:latin typeface="Calabri"/>
-              </a:rPr>
-              <a:t>APLICANDO HERENCIA O GENERALIZACIÓN A LAS CLASES</a:t>
-            </a:r>
-            <a:endParaRPr lang="es-CO" b="1" dirty="0">
-              <a:solidFill>
-                <a:schemeClr val="bg1"/>
-              </a:solidFill>
-              <a:latin typeface="Calabri"/>
-            </a:endParaRPr>
-          </a:p>
-        </p:txBody>
-      </p:sp>
-      <p:pic>
-        <p:nvPicPr>
-          <p:cNvPr id="5" name="Imagen 4"/>
-          <p:cNvPicPr>
-            <a:picLocks noChangeAspect="1"/>
-          </p:cNvPicPr>
-          <p:nvPr/>
-        </p:nvPicPr>
-        <p:blipFill>
-          <a:blip r:embed="rId2"/>
-          <a:stretch>
-            <a:fillRect/>
-          </a:stretch>
-        </p:blipFill>
-        <p:spPr>
-          <a:xfrm>
-            <a:off x="2614411" y="874086"/>
-            <a:ext cx="9324304" cy="2365720"/>
-          </a:xfrm>
-          <a:prstGeom prst="rect">
-            <a:avLst/>
-          </a:prstGeom>
-        </p:spPr>
-      </p:pic>
-      <p:pic>
-        <p:nvPicPr>
-          <p:cNvPr id="6" name="Imagen 5"/>
-          <p:cNvPicPr>
-            <a:picLocks noChangeAspect="1"/>
-          </p:cNvPicPr>
-          <p:nvPr/>
-        </p:nvPicPr>
-        <p:blipFill>
-          <a:blip r:embed="rId3"/>
-          <a:stretch>
-            <a:fillRect/>
-          </a:stretch>
-        </p:blipFill>
-        <p:spPr>
-          <a:xfrm>
-            <a:off x="1850332" y="3632468"/>
-            <a:ext cx="10088383" cy="2734057"/>
-          </a:xfrm>
-          <a:prstGeom prst="rect">
-            <a:avLst/>
-          </a:prstGeom>
-        </p:spPr>
-      </p:pic>
-    </p:spTree>
-    <p:extLst>
-      <p:ext uri="{BB962C8B-B14F-4D97-AF65-F5344CB8AC3E}">
-        <p14:creationId xmlns:p14="http://schemas.microsoft.com/office/powerpoint/2010/main" val="1049587557"/>
-      </p:ext>
-    </p:extLst>
-  </p:cSld>
-  <p:clrMapOvr>
-    <a:masterClrMapping/>
-  </p:clrMapOvr>
-  <p:transition spd="slow">
-    <p:wipe/>
-  </p:transition>
-  <p:timing>
-    <p:tnLst>
-      <p:par>
-        <p:cTn id="1" dur="indefinite" restart="never" nodeType="tmRoot"/>
-      </p:par>
-    </p:tnLst>
-  </p:timing>
-</p:sld>
-</file>
-
-<file path=ppt/slides/slide9.xml><?xml version="1.0" encoding="utf-8"?>
-<p:sld xmlns:a="http://schemas.openxmlformats.org/drawingml/2006/main" xmlns:r="http://schemas.openxmlformats.org/officeDocument/2006/relationships" xmlns:p="http://schemas.openxmlformats.org/presentationml/2006/main">
-  <p:cSld>
-    <p:spTree>
-      <p:nvGrpSpPr>
-        <p:cNvPr id="1" name=""/>
-        <p:cNvGrpSpPr/>
-        <p:nvPr/>
-      </p:nvGrpSpPr>
-      <p:grpSpPr>
-        <a:xfrm>
-          <a:off x="0" y="0"/>
-          <a:ext cx="0" cy="0"/>
-          <a:chOff x="0" y="0"/>
-          <a:chExt cx="0" cy="0"/>
-        </a:xfrm>
-      </p:grpSpPr>
-      <p:sp>
-        <p:nvSpPr>
-          <p:cNvPr id="3" name="Título 1">
-            <a:extLst>
-              <a:ext uri="{FF2B5EF4-FFF2-40B4-BE49-F238E27FC236}">
-                <a16:creationId xmlns:a16="http://schemas.microsoft.com/office/drawing/2014/main" xmlns="" id="{C74FDE85-A811-49B8-BCA5-144B3BF9178F}"/>
-              </a:ext>
-            </a:extLst>
-          </p:cNvPr>
-          <p:cNvSpPr txBox="1">
-            <a:spLocks/>
-          </p:cNvSpPr>
-          <p:nvPr/>
-        </p:nvSpPr>
-        <p:spPr>
-          <a:xfrm>
-            <a:off x="3453715" y="0"/>
-            <a:ext cx="5768343" cy="674703"/>
-          </a:xfrm>
-          <a:prstGeom prst="rect">
-            <a:avLst/>
-          </a:prstGeom>
-        </p:spPr>
-        <p:txBody>
-          <a:bodyPr vert="horz" lIns="91440" tIns="45720" rIns="91440" bIns="45720" rtlCol="0" anchor="ctr">
-            <a:normAutofit fontScale="60000" lnSpcReduction="20000"/>
-          </a:bodyPr>
-          <a:lstStyle>
-            <a:lvl1pPr algn="l" defTabSz="914400" rtl="0" eaLnBrk="1" latinLnBrk="0" hangingPunct="1">
-              <a:lnSpc>
-                <a:spcPct val="90000"/>
-              </a:lnSpc>
-              <a:spcBef>
-                <a:spcPct val="0"/>
-              </a:spcBef>
-              <a:buNone/>
-              <a:defRPr sz="4400" kern="1200">
-                <a:solidFill>
-                  <a:schemeClr val="tx1"/>
-                </a:solidFill>
-                <a:latin typeface="+mj-lt"/>
-                <a:ea typeface="+mj-ea"/>
-                <a:cs typeface="+mj-cs"/>
-              </a:defRPr>
-            </a:lvl1pPr>
-          </a:lstStyle>
-          <a:p>
-            <a:pPr algn="ctr"/>
-            <a:r>
-              <a:rPr lang="es-CO" b="1" dirty="0" smtClean="0">
-                <a:solidFill>
-                  <a:schemeClr val="bg1"/>
-                </a:solidFill>
-                <a:latin typeface="Calabri"/>
-              </a:rPr>
-              <a:t>Crear métodos </a:t>
-            </a:r>
-            <a:r>
-              <a:rPr lang="es-CO" b="1" dirty="0" err="1" smtClean="0">
-                <a:solidFill>
-                  <a:schemeClr val="bg1"/>
-                </a:solidFill>
-                <a:latin typeface="Calabri"/>
-              </a:rPr>
-              <a:t>própios</a:t>
-            </a:r>
-            <a:r>
-              <a:rPr lang="es-CO" b="1" dirty="0" smtClean="0">
-                <a:solidFill>
-                  <a:schemeClr val="bg1"/>
-                </a:solidFill>
-                <a:latin typeface="Calabri"/>
-              </a:rPr>
-              <a:t> de la clase</a:t>
-            </a:r>
-          </a:p>
-          <a:p>
-            <a:pPr algn="ctr"/>
-            <a:r>
-              <a:rPr lang="es-CO" b="1" dirty="0">
-                <a:solidFill>
-                  <a:schemeClr val="bg1"/>
-                </a:solidFill>
-                <a:latin typeface="Calabri"/>
-              </a:rPr>
-              <a:t>v</a:t>
-            </a:r>
-            <a:r>
-              <a:rPr lang="es-CO" b="1" dirty="0" smtClean="0">
-                <a:solidFill>
-                  <a:schemeClr val="bg1"/>
-                </a:solidFill>
-                <a:latin typeface="Calabri"/>
-              </a:rPr>
-              <a:t>er diagrama de clases</a:t>
-            </a:r>
-            <a:endParaRPr lang="es-CO" b="1" dirty="0">
-              <a:solidFill>
-                <a:schemeClr val="bg1"/>
-              </a:solidFill>
-              <a:latin typeface="Calabri"/>
-            </a:endParaRPr>
-          </a:p>
-        </p:txBody>
-      </p:sp>
-      <p:pic>
-        <p:nvPicPr>
-          <p:cNvPr id="4" name="Imagen 3"/>
-          <p:cNvPicPr>
-            <a:picLocks noChangeAspect="1"/>
-          </p:cNvPicPr>
-          <p:nvPr/>
-        </p:nvPicPr>
-        <p:blipFill>
-          <a:blip r:embed="rId2"/>
-          <a:stretch>
-            <a:fillRect/>
-          </a:stretch>
-        </p:blipFill>
-        <p:spPr>
-          <a:xfrm>
-            <a:off x="1857408" y="1674253"/>
-            <a:ext cx="10334592" cy="3739032"/>
-          </a:xfrm>
-          <a:prstGeom prst="rect">
-            <a:avLst/>
-          </a:prstGeom>
-        </p:spPr>
-      </p:pic>
-    </p:spTree>
-    <p:extLst>
-      <p:ext uri="{BB962C8B-B14F-4D97-AF65-F5344CB8AC3E}">
-        <p14:creationId xmlns:p14="http://schemas.microsoft.com/office/powerpoint/2010/main" val="3160518920"/>
-      </p:ext>
-    </p:extLst>
-  </p:cSld>
-  <p:clrMapOvr>
-    <a:masterClrMapping/>
-  </p:clrMapOvr>
-  <p:transition spd="slow">
-    <p:wipe/>
-  </p:transition>
   <p:timing>
     <p:tnLst>
       <p:par>
